--- a/Project_presentation_Anushi.pptx
+++ b/Project_presentation_Anushi.pptx
@@ -4,22 +4,25 @@
   <p:sldMasterIdLst>
     <p:sldMasterId id="2147483648" r:id="rId1"/>
   </p:sldMasterIdLst>
+  <p:notesMasterIdLst>
+    <p:notesMasterId r:id="rId11"/>
+  </p:notesMasterIdLst>
+  <p:handoutMasterIdLst>
+    <p:handoutMasterId r:id="rId12"/>
+  </p:handoutMasterIdLst>
   <p:sldIdLst>
-    <p:sldId id="256" r:id="rId2"/>
-    <p:sldId id="257" r:id="rId3"/>
-    <p:sldId id="258" r:id="rId4"/>
-    <p:sldId id="259" r:id="rId5"/>
-    <p:sldId id="260" r:id="rId6"/>
-    <p:sldId id="261" r:id="rId7"/>
+    <p:sldId id="263" r:id="rId2"/>
+    <p:sldId id="256" r:id="rId3"/>
+    <p:sldId id="257" r:id="rId4"/>
+    <p:sldId id="258" r:id="rId5"/>
+    <p:sldId id="264" r:id="rId6"/>
+    <p:sldId id="259" r:id="rId7"/>
     <p:sldId id="262" r:id="rId8"/>
-    <p:sldId id="263" r:id="rId9"/>
-    <p:sldId id="264" r:id="rId10"/>
-    <p:sldId id="265" r:id="rId11"/>
-    <p:sldId id="266" r:id="rId12"/>
-    <p:sldId id="267" r:id="rId13"/>
+    <p:sldId id="265" r:id="rId9"/>
+    <p:sldId id="261" r:id="rId10"/>
   </p:sldIdLst>
-  <p:sldSz cx="9144000" cy="6858000" type="screen4x3"/>
-  <p:notesSz cx="6858000" cy="9144000"/>
+  <p:sldSz cx="10080625" cy="7559675"/>
+  <p:notesSz cx="7559675" cy="10691813"/>
   <p:defaultTextStyle>
     <a:defPPr>
       <a:defRPr lang="en-US"/>
@@ -118,6 +121,964 @@
 </p:presentation>
 </file>
 
+<file path=ppt/handoutMasters/handoutMaster1.xml><?xml version="1.0" encoding="utf-8"?>
+<p:handoutMaster xmlns:a="http://schemas.openxmlformats.org/drawingml/2006/main" xmlns:r="http://schemas.openxmlformats.org/officeDocument/2006/relationships" xmlns:p="http://schemas.openxmlformats.org/presentationml/2006/main">
+  <p:cSld>
+    <p:bg>
+      <p:bgPr>
+        <a:noFill/>
+        <a:effectLst/>
+      </p:bgPr>
+    </p:bg>
+    <p:spTree>
+      <p:nvGrpSpPr>
+        <p:cNvPr id="1" name=""/>
+        <p:cNvGrpSpPr/>
+        <p:nvPr/>
+      </p:nvGrpSpPr>
+      <p:grpSpPr>
+        <a:xfrm>
+          <a:off x="0" y="0"/>
+          <a:ext cx="0" cy="0"/>
+          <a:chOff x="0" y="0"/>
+          <a:chExt cx="0" cy="0"/>
+        </a:xfrm>
+      </p:grpSpPr>
+      <p:sp>
+        <p:nvSpPr>
+          <p:cNvPr id="2" name="Header Placeholder 1"/>
+          <p:cNvSpPr txBox="1">
+            <a:spLocks noGrp="1"/>
+          </p:cNvSpPr>
+          <p:nvPr>
+            <p:ph type="hdr" sz="quarter"/>
+          </p:nvPr>
+        </p:nvSpPr>
+        <p:spPr>
+          <a:xfrm>
+            <a:off x="0" y="0"/>
+            <a:ext cx="3280680" cy="534240"/>
+          </a:xfrm>
+          <a:prstGeom prst="rect">
+            <a:avLst/>
+          </a:prstGeom>
+          <a:noFill/>
+          <a:ln>
+            <a:noFill/>
+          </a:ln>
+        </p:spPr>
+        <p:txBody>
+          <a:bodyPr vert="horz" wrap="none" lIns="90000" tIns="45000" rIns="90000" bIns="45000" anchorCtr="0" compatLnSpc="0"/>
+          <a:lstStyle/>
+          <a:p>
+            <a:pPr marL="0" marR="0" lvl="0" indent="0" rtl="0" hangingPunct="0">
+              <a:lnSpc>
+                <a:spcPct val="100000"/>
+              </a:lnSpc>
+              <a:spcBef>
+                <a:spcPts val="0"/>
+              </a:spcBef>
+              <a:spcAft>
+                <a:spcPts val="0"/>
+              </a:spcAft>
+              <a:buNone/>
+              <a:tabLst/>
+              <a:defRPr sz="1400"/>
+            </a:pPr>
+            <a:endParaRPr lang="en-GB" sz="1400" b="0" i="0" u="none" strike="noStrike" kern="1200">
+              <a:ln>
+                <a:noFill/>
+              </a:ln>
+              <a:latin typeface="Arial" pitchFamily="18"/>
+              <a:ea typeface="Microsoft YaHei" pitchFamily="2"/>
+              <a:cs typeface="Mangal" pitchFamily="2"/>
+            </a:endParaRPr>
+          </a:p>
+        </p:txBody>
+      </p:sp>
+      <p:sp>
+        <p:nvSpPr>
+          <p:cNvPr id="3" name="Date Placeholder 2"/>
+          <p:cNvSpPr txBox="1">
+            <a:spLocks noGrp="1"/>
+          </p:cNvSpPr>
+          <p:nvPr>
+            <p:ph type="dt" sz="quarter" idx="1"/>
+          </p:nvPr>
+        </p:nvSpPr>
+        <p:spPr>
+          <a:xfrm>
+            <a:off x="4278960" y="0"/>
+            <a:ext cx="3280680" cy="534240"/>
+          </a:xfrm>
+          <a:prstGeom prst="rect">
+            <a:avLst/>
+          </a:prstGeom>
+          <a:noFill/>
+          <a:ln>
+            <a:noFill/>
+          </a:ln>
+        </p:spPr>
+        <p:txBody>
+          <a:bodyPr vert="horz" wrap="none" lIns="90000" tIns="45000" rIns="90000" bIns="45000" anchorCtr="0" compatLnSpc="0"/>
+          <a:lstStyle/>
+          <a:p>
+            <a:pPr marL="0" marR="0" lvl="0" indent="0" algn="r" rtl="0" hangingPunct="0">
+              <a:lnSpc>
+                <a:spcPct val="100000"/>
+              </a:lnSpc>
+              <a:spcBef>
+                <a:spcPts val="0"/>
+              </a:spcBef>
+              <a:spcAft>
+                <a:spcPts val="0"/>
+              </a:spcAft>
+              <a:buNone/>
+              <a:tabLst/>
+              <a:defRPr sz="1400"/>
+            </a:pPr>
+            <a:endParaRPr lang="en-GB" sz="1400" b="0" i="0" u="none" strike="noStrike" kern="1200">
+              <a:ln>
+                <a:noFill/>
+              </a:ln>
+              <a:latin typeface="Arial" pitchFamily="18"/>
+              <a:ea typeface="Microsoft YaHei" pitchFamily="2"/>
+              <a:cs typeface="Mangal" pitchFamily="2"/>
+            </a:endParaRPr>
+          </a:p>
+        </p:txBody>
+      </p:sp>
+      <p:sp>
+        <p:nvSpPr>
+          <p:cNvPr id="4" name="Footer Placeholder 3"/>
+          <p:cNvSpPr txBox="1">
+            <a:spLocks noGrp="1"/>
+          </p:cNvSpPr>
+          <p:nvPr>
+            <p:ph type="ftr" sz="quarter" idx="2"/>
+          </p:nvPr>
+        </p:nvSpPr>
+        <p:spPr>
+          <a:xfrm>
+            <a:off x="0" y="10157400"/>
+            <a:ext cx="3280680" cy="534240"/>
+          </a:xfrm>
+          <a:prstGeom prst="rect">
+            <a:avLst/>
+          </a:prstGeom>
+          <a:noFill/>
+          <a:ln>
+            <a:noFill/>
+          </a:ln>
+        </p:spPr>
+        <p:txBody>
+          <a:bodyPr vert="horz" wrap="none" lIns="90000" tIns="45000" rIns="90000" bIns="45000" anchor="b" anchorCtr="0" compatLnSpc="0"/>
+          <a:lstStyle/>
+          <a:p>
+            <a:pPr marL="0" marR="0" lvl="0" indent="0" rtl="0" hangingPunct="0">
+              <a:lnSpc>
+                <a:spcPct val="100000"/>
+              </a:lnSpc>
+              <a:spcBef>
+                <a:spcPts val="0"/>
+              </a:spcBef>
+              <a:spcAft>
+                <a:spcPts val="0"/>
+              </a:spcAft>
+              <a:buNone/>
+              <a:tabLst/>
+              <a:defRPr sz="1400"/>
+            </a:pPr>
+            <a:endParaRPr lang="en-GB" sz="1400" b="0" i="0" u="none" strike="noStrike" kern="1200">
+              <a:ln>
+                <a:noFill/>
+              </a:ln>
+              <a:latin typeface="Arial" pitchFamily="18"/>
+              <a:ea typeface="Microsoft YaHei" pitchFamily="2"/>
+              <a:cs typeface="Mangal" pitchFamily="2"/>
+            </a:endParaRPr>
+          </a:p>
+        </p:txBody>
+      </p:sp>
+      <p:sp>
+        <p:nvSpPr>
+          <p:cNvPr id="5" name="Slide Number Placeholder 4"/>
+          <p:cNvSpPr txBox="1">
+            <a:spLocks noGrp="1"/>
+          </p:cNvSpPr>
+          <p:nvPr>
+            <p:ph type="sldNum" sz="quarter" idx="3"/>
+          </p:nvPr>
+        </p:nvSpPr>
+        <p:spPr>
+          <a:xfrm>
+            <a:off x="4278960" y="10157400"/>
+            <a:ext cx="3280680" cy="534240"/>
+          </a:xfrm>
+          <a:prstGeom prst="rect">
+            <a:avLst/>
+          </a:prstGeom>
+          <a:noFill/>
+          <a:ln>
+            <a:noFill/>
+          </a:ln>
+        </p:spPr>
+        <p:txBody>
+          <a:bodyPr vert="horz" wrap="none" lIns="90000" tIns="45000" rIns="90000" bIns="45000" anchor="b" anchorCtr="0" compatLnSpc="0"/>
+          <a:lstStyle/>
+          <a:p>
+            <a:pPr marL="0" marR="0" lvl="0" indent="0" algn="r" rtl="0" hangingPunct="0">
+              <a:lnSpc>
+                <a:spcPct val="100000"/>
+              </a:lnSpc>
+              <a:spcBef>
+                <a:spcPts val="0"/>
+              </a:spcBef>
+              <a:spcAft>
+                <a:spcPts val="0"/>
+              </a:spcAft>
+              <a:buNone/>
+              <a:tabLst/>
+              <a:defRPr sz="1400"/>
+            </a:pPr>
+            <a:fld id="{443535B8-783D-4784-8658-F3CE7F347CB8}" type="slidenum">
+              <a:t>‹#›</a:t>
+            </a:fld>
+            <a:endParaRPr lang="en-GB" sz="1400" b="0" i="0" u="none" strike="noStrike" kern="1200">
+              <a:ln>
+                <a:noFill/>
+              </a:ln>
+              <a:latin typeface="Arial" pitchFamily="18"/>
+              <a:ea typeface="Microsoft YaHei" pitchFamily="2"/>
+              <a:cs typeface="Mangal" pitchFamily="2"/>
+            </a:endParaRPr>
+          </a:p>
+        </p:txBody>
+      </p:sp>
+    </p:spTree>
+    <p:extLst>
+      <p:ext uri="{BB962C8B-B14F-4D97-AF65-F5344CB8AC3E}">
+        <p14:creationId xmlns:p14="http://schemas.microsoft.com/office/powerpoint/2010/main" val="1861839689"/>
+      </p:ext>
+    </p:extLst>
+  </p:cSld>
+  <p:clrMap bg1="lt1" tx1="dk1" bg2="lt2" tx2="dk2" accent1="accent1" accent2="accent2" accent3="accent3" accent4="accent4" accent5="accent5" accent6="accent6" hlink="hlink" folHlink="folHlink"/>
+</p:handoutMaster>
+</file>
+
+<file path=ppt/notesMasters/notesMaster1.xml><?xml version="1.0" encoding="utf-8"?>
+<p:notesMaster xmlns:a="http://schemas.openxmlformats.org/drawingml/2006/main" xmlns:r="http://schemas.openxmlformats.org/officeDocument/2006/relationships" xmlns:p="http://schemas.openxmlformats.org/presentationml/2006/main">
+  <p:cSld>
+    <p:bg>
+      <p:bgRef idx="1001">
+        <a:schemeClr val="bg1"/>
+      </p:bgRef>
+    </p:bg>
+    <p:spTree>
+      <p:nvGrpSpPr>
+        <p:cNvPr id="1" name=""/>
+        <p:cNvGrpSpPr/>
+        <p:nvPr/>
+      </p:nvGrpSpPr>
+      <p:grpSpPr>
+        <a:xfrm>
+          <a:off x="0" y="0"/>
+          <a:ext cx="0" cy="0"/>
+          <a:chOff x="0" y="0"/>
+          <a:chExt cx="0" cy="0"/>
+        </a:xfrm>
+      </p:grpSpPr>
+      <p:sp>
+        <p:nvSpPr>
+          <p:cNvPr id="2" name="Slide Image Placeholder 1"/>
+          <p:cNvSpPr>
+            <a:spLocks noGrp="1" noRot="1" noChangeAspect="1"/>
+          </p:cNvSpPr>
+          <p:nvPr>
+            <p:ph type="sldImg" idx="2"/>
+          </p:nvPr>
+        </p:nvSpPr>
+        <p:spPr>
+          <a:xfrm>
+            <a:off x="1107000" y="812520"/>
+            <a:ext cx="5345280" cy="4008959"/>
+          </a:xfrm>
+          <a:prstGeom prst="rect">
+            <a:avLst/>
+          </a:prstGeom>
+          <a:noFill/>
+          <a:ln>
+            <a:noFill/>
+            <a:prstDash val="solid"/>
+          </a:ln>
+        </p:spPr>
+      </p:sp>
+      <p:sp>
+        <p:nvSpPr>
+          <p:cNvPr id="3" name="Notes Placeholder 2"/>
+          <p:cNvSpPr txBox="1">
+            <a:spLocks noGrp="1"/>
+          </p:cNvSpPr>
+          <p:nvPr>
+            <p:ph type="body" sz="quarter" idx="3"/>
+          </p:nvPr>
+        </p:nvSpPr>
+        <p:spPr>
+          <a:xfrm>
+            <a:off x="756000" y="5078520"/>
+            <a:ext cx="6047640" cy="4811040"/>
+          </a:xfrm>
+          <a:prstGeom prst="rect">
+            <a:avLst/>
+          </a:prstGeom>
+          <a:noFill/>
+          <a:ln>
+            <a:noFill/>
+          </a:ln>
+        </p:spPr>
+        <p:txBody>
+          <a:bodyPr lIns="0" tIns="0" rIns="0" bIns="0"/>
+          <a:lstStyle/>
+          <a:p>
+            <a:endParaRPr lang="en-GB"/>
+          </a:p>
+        </p:txBody>
+      </p:sp>
+      <p:sp>
+        <p:nvSpPr>
+          <p:cNvPr id="4" name="Header Placeholder 3"/>
+          <p:cNvSpPr txBox="1">
+            <a:spLocks noGrp="1"/>
+          </p:cNvSpPr>
+          <p:nvPr>
+            <p:ph type="hdr" sz="quarter"/>
+          </p:nvPr>
+        </p:nvSpPr>
+        <p:spPr>
+          <a:xfrm>
+            <a:off x="0" y="0"/>
+            <a:ext cx="3280680" cy="534240"/>
+          </a:xfrm>
+          <a:prstGeom prst="rect">
+            <a:avLst/>
+          </a:prstGeom>
+          <a:noFill/>
+          <a:ln>
+            <a:noFill/>
+          </a:ln>
+        </p:spPr>
+        <p:txBody>
+          <a:bodyPr lIns="0" tIns="0" rIns="0" bIns="0" anchorCtr="0"/>
+          <a:lstStyle>
+            <a:lvl1pPr lvl="0" rtl="0" hangingPunct="0">
+              <a:buNone/>
+              <a:tabLst/>
+              <a:defRPr lang="en-GB" sz="1400" kern="1200">
+                <a:latin typeface="Times New Roman" pitchFamily="18"/>
+                <a:ea typeface="Arial Unicode MS" pitchFamily="2"/>
+                <a:cs typeface="Tahoma" pitchFamily="2"/>
+              </a:defRPr>
+            </a:lvl1pPr>
+          </a:lstStyle>
+          <a:p>
+            <a:pPr lvl="0"/>
+            <a:endParaRPr lang="en-GB"/>
+          </a:p>
+        </p:txBody>
+      </p:sp>
+      <p:sp>
+        <p:nvSpPr>
+          <p:cNvPr id="5" name="Date Placeholder 4"/>
+          <p:cNvSpPr txBox="1">
+            <a:spLocks noGrp="1"/>
+          </p:cNvSpPr>
+          <p:nvPr>
+            <p:ph type="dt" idx="1"/>
+          </p:nvPr>
+        </p:nvSpPr>
+        <p:spPr>
+          <a:xfrm>
+            <a:off x="4278960" y="0"/>
+            <a:ext cx="3280680" cy="534240"/>
+          </a:xfrm>
+          <a:prstGeom prst="rect">
+            <a:avLst/>
+          </a:prstGeom>
+          <a:noFill/>
+          <a:ln>
+            <a:noFill/>
+          </a:ln>
+        </p:spPr>
+        <p:txBody>
+          <a:bodyPr lIns="0" tIns="0" rIns="0" bIns="0" anchorCtr="0"/>
+          <a:lstStyle>
+            <a:lvl1pPr lvl="0" algn="r" rtl="0" hangingPunct="0">
+              <a:buNone/>
+              <a:tabLst/>
+              <a:defRPr lang="en-GB" sz="1400" kern="1200">
+                <a:latin typeface="Times New Roman" pitchFamily="18"/>
+                <a:ea typeface="Arial Unicode MS" pitchFamily="2"/>
+                <a:cs typeface="Tahoma" pitchFamily="2"/>
+              </a:defRPr>
+            </a:lvl1pPr>
+          </a:lstStyle>
+          <a:p>
+            <a:pPr lvl="0"/>
+            <a:endParaRPr lang="en-GB"/>
+          </a:p>
+        </p:txBody>
+      </p:sp>
+      <p:sp>
+        <p:nvSpPr>
+          <p:cNvPr id="6" name="Footer Placeholder 5"/>
+          <p:cNvSpPr txBox="1">
+            <a:spLocks noGrp="1"/>
+          </p:cNvSpPr>
+          <p:nvPr>
+            <p:ph type="ftr" sz="quarter" idx="4"/>
+          </p:nvPr>
+        </p:nvSpPr>
+        <p:spPr>
+          <a:xfrm>
+            <a:off x="0" y="10157400"/>
+            <a:ext cx="3280680" cy="534240"/>
+          </a:xfrm>
+          <a:prstGeom prst="rect">
+            <a:avLst/>
+          </a:prstGeom>
+          <a:noFill/>
+          <a:ln>
+            <a:noFill/>
+          </a:ln>
+        </p:spPr>
+        <p:txBody>
+          <a:bodyPr lIns="0" tIns="0" rIns="0" bIns="0" anchor="b" anchorCtr="0"/>
+          <a:lstStyle>
+            <a:lvl1pPr lvl="0" rtl="0" hangingPunct="0">
+              <a:buNone/>
+              <a:tabLst/>
+              <a:defRPr lang="en-GB" sz="1400" kern="1200">
+                <a:latin typeface="Times New Roman" pitchFamily="18"/>
+                <a:ea typeface="Arial Unicode MS" pitchFamily="2"/>
+                <a:cs typeface="Tahoma" pitchFamily="2"/>
+              </a:defRPr>
+            </a:lvl1pPr>
+          </a:lstStyle>
+          <a:p>
+            <a:pPr lvl="0"/>
+            <a:endParaRPr lang="en-GB"/>
+          </a:p>
+        </p:txBody>
+      </p:sp>
+      <p:sp>
+        <p:nvSpPr>
+          <p:cNvPr id="7" name="Slide Number Placeholder 6"/>
+          <p:cNvSpPr txBox="1">
+            <a:spLocks noGrp="1"/>
+          </p:cNvSpPr>
+          <p:nvPr>
+            <p:ph type="sldNum" sz="quarter" idx="5"/>
+          </p:nvPr>
+        </p:nvSpPr>
+        <p:spPr>
+          <a:xfrm>
+            <a:off x="4278960" y="10157400"/>
+            <a:ext cx="3280680" cy="534240"/>
+          </a:xfrm>
+          <a:prstGeom prst="rect">
+            <a:avLst/>
+          </a:prstGeom>
+          <a:noFill/>
+          <a:ln>
+            <a:noFill/>
+          </a:ln>
+        </p:spPr>
+        <p:txBody>
+          <a:bodyPr lIns="0" tIns="0" rIns="0" bIns="0" anchor="b" anchorCtr="0"/>
+          <a:lstStyle>
+            <a:lvl1pPr lvl="0" algn="r" rtl="0" hangingPunct="0">
+              <a:buNone/>
+              <a:tabLst/>
+              <a:defRPr lang="en-GB" sz="1400" kern="1200">
+                <a:latin typeface="Times New Roman" pitchFamily="18"/>
+                <a:ea typeface="Arial Unicode MS" pitchFamily="2"/>
+                <a:cs typeface="Tahoma" pitchFamily="2"/>
+              </a:defRPr>
+            </a:lvl1pPr>
+          </a:lstStyle>
+          <a:p>
+            <a:pPr lvl="0"/>
+            <a:fld id="{A68CE8BE-1FB8-4F72-96C3-0A5EC16084E6}" type="slidenum">
+              <a:t>‹#›</a:t>
+            </a:fld>
+            <a:endParaRPr lang="en-GB"/>
+          </a:p>
+        </p:txBody>
+      </p:sp>
+    </p:spTree>
+    <p:extLst>
+      <p:ext uri="{BB962C8B-B14F-4D97-AF65-F5344CB8AC3E}">
+        <p14:creationId xmlns:p14="http://schemas.microsoft.com/office/powerpoint/2010/main" val="796438500"/>
+      </p:ext>
+    </p:extLst>
+  </p:cSld>
+  <p:clrMap bg1="lt1" tx1="dk1" bg2="lt2" tx2="dk2" accent1="accent1" accent2="accent2" accent3="accent3" accent4="accent4" accent5="accent5" accent6="accent6" hlink="hlink" folHlink="folHlink"/>
+  <p:notesStyle>
+    <a:lvl1pPr marL="216000" marR="0" indent="-216000" rtl="0" hangingPunct="0">
+      <a:tabLst/>
+      <a:defRPr lang="en-GB" sz="2000" b="0" i="0" u="none" strike="noStrike" kern="1200">
+        <a:ln>
+          <a:noFill/>
+        </a:ln>
+        <a:latin typeface="Arial" pitchFamily="18"/>
+        <a:ea typeface="Microsoft YaHei" pitchFamily="2"/>
+        <a:cs typeface="Mangal" pitchFamily="2"/>
+      </a:defRPr>
+    </a:lvl1pPr>
+    <a:lvl2pPr marL="457200" algn="l" defTabSz="914400" rtl="0" eaLnBrk="1" latinLnBrk="0" hangingPunct="1">
+      <a:defRPr sz="1200" kern="1200">
+        <a:solidFill>
+          <a:schemeClr val="tx1"/>
+        </a:solidFill>
+        <a:latin typeface="+mn-lt"/>
+        <a:ea typeface="+mn-ea"/>
+        <a:cs typeface="+mn-cs"/>
+      </a:defRPr>
+    </a:lvl2pPr>
+    <a:lvl3pPr marL="914400" algn="l" defTabSz="914400" rtl="0" eaLnBrk="1" latinLnBrk="0" hangingPunct="1">
+      <a:defRPr sz="1200" kern="1200">
+        <a:solidFill>
+          <a:schemeClr val="tx1"/>
+        </a:solidFill>
+        <a:latin typeface="+mn-lt"/>
+        <a:ea typeface="+mn-ea"/>
+        <a:cs typeface="+mn-cs"/>
+      </a:defRPr>
+    </a:lvl3pPr>
+    <a:lvl4pPr marL="1371600" algn="l" defTabSz="914400" rtl="0" eaLnBrk="1" latinLnBrk="0" hangingPunct="1">
+      <a:defRPr sz="1200" kern="1200">
+        <a:solidFill>
+          <a:schemeClr val="tx1"/>
+        </a:solidFill>
+        <a:latin typeface="+mn-lt"/>
+        <a:ea typeface="+mn-ea"/>
+        <a:cs typeface="+mn-cs"/>
+      </a:defRPr>
+    </a:lvl4pPr>
+    <a:lvl5pPr marL="1828800" algn="l" defTabSz="914400" rtl="0" eaLnBrk="1" latinLnBrk="0" hangingPunct="1">
+      <a:defRPr sz="1200" kern="1200">
+        <a:solidFill>
+          <a:schemeClr val="tx1"/>
+        </a:solidFill>
+        <a:latin typeface="+mn-lt"/>
+        <a:ea typeface="+mn-ea"/>
+        <a:cs typeface="+mn-cs"/>
+      </a:defRPr>
+    </a:lvl5pPr>
+    <a:lvl6pPr marL="2286000" algn="l" defTabSz="914400" rtl="0" eaLnBrk="1" latinLnBrk="0" hangingPunct="1">
+      <a:defRPr sz="1200" kern="1200">
+        <a:solidFill>
+          <a:schemeClr val="tx1"/>
+        </a:solidFill>
+        <a:latin typeface="+mn-lt"/>
+        <a:ea typeface="+mn-ea"/>
+        <a:cs typeface="+mn-cs"/>
+      </a:defRPr>
+    </a:lvl6pPr>
+    <a:lvl7pPr marL="2743200" algn="l" defTabSz="914400" rtl="0" eaLnBrk="1" latinLnBrk="0" hangingPunct="1">
+      <a:defRPr sz="1200" kern="1200">
+        <a:solidFill>
+          <a:schemeClr val="tx1"/>
+        </a:solidFill>
+        <a:latin typeface="+mn-lt"/>
+        <a:ea typeface="+mn-ea"/>
+        <a:cs typeface="+mn-cs"/>
+      </a:defRPr>
+    </a:lvl7pPr>
+    <a:lvl8pPr marL="3200400" algn="l" defTabSz="914400" rtl="0" eaLnBrk="1" latinLnBrk="0" hangingPunct="1">
+      <a:defRPr sz="1200" kern="1200">
+        <a:solidFill>
+          <a:schemeClr val="tx1"/>
+        </a:solidFill>
+        <a:latin typeface="+mn-lt"/>
+        <a:ea typeface="+mn-ea"/>
+        <a:cs typeface="+mn-cs"/>
+      </a:defRPr>
+    </a:lvl8pPr>
+    <a:lvl9pPr marL="3657600" algn="l" defTabSz="914400" rtl="0" eaLnBrk="1" latinLnBrk="0" hangingPunct="1">
+      <a:defRPr sz="1200" kern="1200">
+        <a:solidFill>
+          <a:schemeClr val="tx1"/>
+        </a:solidFill>
+        <a:latin typeface="+mn-lt"/>
+        <a:ea typeface="+mn-ea"/>
+        <a:cs typeface="+mn-cs"/>
+      </a:defRPr>
+    </a:lvl9pPr>
+  </p:notesStyle>
+</p:notesMaster>
+</file>
+
+<file path=ppt/notesSlides/notesSlide1.xml><?xml version="1.0" encoding="utf-8"?>
+<p:notes xmlns:a="http://schemas.openxmlformats.org/drawingml/2006/main" xmlns:r="http://schemas.openxmlformats.org/officeDocument/2006/relationships" xmlns:p="http://schemas.openxmlformats.org/presentationml/2006/main">
+  <p:cSld>
+    <p:spTree>
+      <p:nvGrpSpPr>
+        <p:cNvPr id="1" name=""/>
+        <p:cNvGrpSpPr/>
+        <p:nvPr/>
+      </p:nvGrpSpPr>
+      <p:grpSpPr>
+        <a:xfrm>
+          <a:off x="0" y="0"/>
+          <a:ext cx="0" cy="0"/>
+          <a:chOff x="0" y="0"/>
+          <a:chExt cx="0" cy="0"/>
+        </a:xfrm>
+      </p:grpSpPr>
+      <p:sp>
+        <p:nvSpPr>
+          <p:cNvPr id="2" name="Slide Image Placeholder 1"/>
+          <p:cNvSpPr>
+            <a:spLocks noGrp="1" noRot="1" noChangeAspect="1" noResize="1"/>
+          </p:cNvSpPr>
+          <p:nvPr>
+            <p:ph type="sldImg"/>
+          </p:nvPr>
+        </p:nvSpPr>
+        <p:spPr>
+          <a:xfrm>
+            <a:off x="1106488" y="812800"/>
+            <a:ext cx="5345112" cy="4008438"/>
+          </a:xfrm>
+          <a:solidFill>
+            <a:schemeClr val="accent1"/>
+          </a:solidFill>
+          <a:ln w="25400">
+            <a:solidFill>
+              <a:schemeClr val="accent1">
+                <a:shade val="50000"/>
+              </a:schemeClr>
+            </a:solidFill>
+            <a:prstDash val="solid"/>
+          </a:ln>
+        </p:spPr>
+      </p:sp>
+      <p:sp>
+        <p:nvSpPr>
+          <p:cNvPr id="3" name="Notes Placeholder 2"/>
+          <p:cNvSpPr txBox="1">
+            <a:spLocks noGrp="1"/>
+          </p:cNvSpPr>
+          <p:nvPr>
+            <p:ph type="body" sz="quarter" idx="1"/>
+          </p:nvPr>
+        </p:nvSpPr>
+        <p:spPr/>
+        <p:txBody>
+          <a:bodyPr/>
+          <a:lstStyle/>
+          <a:p>
+            <a:endParaRPr lang="en-GB"/>
+          </a:p>
+        </p:txBody>
+      </p:sp>
+    </p:spTree>
+  </p:cSld>
+  <p:clrMapOvr>
+    <a:masterClrMapping/>
+  </p:clrMapOvr>
+</p:notes>
+</file>
+
+<file path=ppt/notesSlides/notesSlide2.xml><?xml version="1.0" encoding="utf-8"?>
+<p:notes xmlns:a="http://schemas.openxmlformats.org/drawingml/2006/main" xmlns:r="http://schemas.openxmlformats.org/officeDocument/2006/relationships" xmlns:p="http://schemas.openxmlformats.org/presentationml/2006/main">
+  <p:cSld>
+    <p:spTree>
+      <p:nvGrpSpPr>
+        <p:cNvPr id="1" name=""/>
+        <p:cNvGrpSpPr/>
+        <p:nvPr/>
+      </p:nvGrpSpPr>
+      <p:grpSpPr>
+        <a:xfrm>
+          <a:off x="0" y="0"/>
+          <a:ext cx="0" cy="0"/>
+          <a:chOff x="0" y="0"/>
+          <a:chExt cx="0" cy="0"/>
+        </a:xfrm>
+      </p:grpSpPr>
+      <p:sp>
+        <p:nvSpPr>
+          <p:cNvPr id="2" name="Slide Image Placeholder 1"/>
+          <p:cNvSpPr>
+            <a:spLocks noGrp="1" noRot="1" noChangeAspect="1" noResize="1"/>
+          </p:cNvSpPr>
+          <p:nvPr>
+            <p:ph type="sldImg"/>
+          </p:nvPr>
+        </p:nvSpPr>
+        <p:spPr>
+          <a:xfrm>
+            <a:off x="1106488" y="812800"/>
+            <a:ext cx="5345112" cy="4008438"/>
+          </a:xfrm>
+          <a:solidFill>
+            <a:schemeClr val="accent1"/>
+          </a:solidFill>
+          <a:ln w="25400">
+            <a:solidFill>
+              <a:schemeClr val="accent1">
+                <a:shade val="50000"/>
+              </a:schemeClr>
+            </a:solidFill>
+            <a:prstDash val="solid"/>
+          </a:ln>
+        </p:spPr>
+      </p:sp>
+      <p:sp>
+        <p:nvSpPr>
+          <p:cNvPr id="3" name="Notes Placeholder 2"/>
+          <p:cNvSpPr txBox="1">
+            <a:spLocks noGrp="1"/>
+          </p:cNvSpPr>
+          <p:nvPr>
+            <p:ph type="body" sz="quarter" idx="1"/>
+          </p:nvPr>
+        </p:nvSpPr>
+        <p:spPr/>
+        <p:txBody>
+          <a:bodyPr/>
+          <a:lstStyle/>
+          <a:p>
+            <a:endParaRPr lang="en-GB"/>
+          </a:p>
+        </p:txBody>
+      </p:sp>
+    </p:spTree>
+  </p:cSld>
+  <p:clrMapOvr>
+    <a:masterClrMapping/>
+  </p:clrMapOvr>
+</p:notes>
+</file>
+
+<file path=ppt/notesSlides/notesSlide3.xml><?xml version="1.0" encoding="utf-8"?>
+<p:notes xmlns:a="http://schemas.openxmlformats.org/drawingml/2006/main" xmlns:r="http://schemas.openxmlformats.org/officeDocument/2006/relationships" xmlns:p="http://schemas.openxmlformats.org/presentationml/2006/main">
+  <p:cSld>
+    <p:spTree>
+      <p:nvGrpSpPr>
+        <p:cNvPr id="1" name=""/>
+        <p:cNvGrpSpPr/>
+        <p:nvPr/>
+      </p:nvGrpSpPr>
+      <p:grpSpPr>
+        <a:xfrm>
+          <a:off x="0" y="0"/>
+          <a:ext cx="0" cy="0"/>
+          <a:chOff x="0" y="0"/>
+          <a:chExt cx="0" cy="0"/>
+        </a:xfrm>
+      </p:grpSpPr>
+      <p:sp>
+        <p:nvSpPr>
+          <p:cNvPr id="2" name="Slide Image Placeholder 1"/>
+          <p:cNvSpPr>
+            <a:spLocks noGrp="1" noRot="1" noChangeAspect="1" noResize="1"/>
+          </p:cNvSpPr>
+          <p:nvPr>
+            <p:ph type="sldImg"/>
+          </p:nvPr>
+        </p:nvSpPr>
+        <p:spPr>
+          <a:xfrm>
+            <a:off x="1106488" y="812800"/>
+            <a:ext cx="5345112" cy="4008438"/>
+          </a:xfrm>
+          <a:solidFill>
+            <a:schemeClr val="accent1"/>
+          </a:solidFill>
+          <a:ln w="25400">
+            <a:solidFill>
+              <a:schemeClr val="accent1">
+                <a:shade val="50000"/>
+              </a:schemeClr>
+            </a:solidFill>
+            <a:prstDash val="solid"/>
+          </a:ln>
+        </p:spPr>
+      </p:sp>
+      <p:sp>
+        <p:nvSpPr>
+          <p:cNvPr id="3" name="Notes Placeholder 2"/>
+          <p:cNvSpPr txBox="1">
+            <a:spLocks noGrp="1"/>
+          </p:cNvSpPr>
+          <p:nvPr>
+            <p:ph type="body" sz="quarter" idx="1"/>
+          </p:nvPr>
+        </p:nvSpPr>
+        <p:spPr/>
+        <p:txBody>
+          <a:bodyPr/>
+          <a:lstStyle/>
+          <a:p>
+            <a:endParaRPr lang="en-GB"/>
+          </a:p>
+        </p:txBody>
+      </p:sp>
+    </p:spTree>
+  </p:cSld>
+  <p:clrMapOvr>
+    <a:masterClrMapping/>
+  </p:clrMapOvr>
+</p:notes>
+</file>
+
+<file path=ppt/notesSlides/notesSlide4.xml><?xml version="1.0" encoding="utf-8"?>
+<p:notes xmlns:a="http://schemas.openxmlformats.org/drawingml/2006/main" xmlns:r="http://schemas.openxmlformats.org/officeDocument/2006/relationships" xmlns:p="http://schemas.openxmlformats.org/presentationml/2006/main">
+  <p:cSld>
+    <p:spTree>
+      <p:nvGrpSpPr>
+        <p:cNvPr id="1" name=""/>
+        <p:cNvGrpSpPr/>
+        <p:nvPr/>
+      </p:nvGrpSpPr>
+      <p:grpSpPr>
+        <a:xfrm>
+          <a:off x="0" y="0"/>
+          <a:ext cx="0" cy="0"/>
+          <a:chOff x="0" y="0"/>
+          <a:chExt cx="0" cy="0"/>
+        </a:xfrm>
+      </p:grpSpPr>
+      <p:sp>
+        <p:nvSpPr>
+          <p:cNvPr id="2" name="Slide Image Placeholder 1"/>
+          <p:cNvSpPr>
+            <a:spLocks noGrp="1" noRot="1" noChangeAspect="1" noResize="1"/>
+          </p:cNvSpPr>
+          <p:nvPr>
+            <p:ph type="sldImg"/>
+          </p:nvPr>
+        </p:nvSpPr>
+        <p:spPr>
+          <a:xfrm>
+            <a:off x="1106488" y="812800"/>
+            <a:ext cx="5345112" cy="4008438"/>
+          </a:xfrm>
+          <a:solidFill>
+            <a:schemeClr val="accent1"/>
+          </a:solidFill>
+          <a:ln w="25400">
+            <a:solidFill>
+              <a:schemeClr val="accent1">
+                <a:shade val="50000"/>
+              </a:schemeClr>
+            </a:solidFill>
+            <a:prstDash val="solid"/>
+          </a:ln>
+        </p:spPr>
+      </p:sp>
+      <p:sp>
+        <p:nvSpPr>
+          <p:cNvPr id="3" name="Notes Placeholder 2"/>
+          <p:cNvSpPr txBox="1">
+            <a:spLocks noGrp="1"/>
+          </p:cNvSpPr>
+          <p:nvPr>
+            <p:ph type="body" sz="quarter" idx="1"/>
+          </p:nvPr>
+        </p:nvSpPr>
+        <p:spPr/>
+        <p:txBody>
+          <a:bodyPr/>
+          <a:lstStyle/>
+          <a:p>
+            <a:endParaRPr lang="en-GB"/>
+          </a:p>
+        </p:txBody>
+      </p:sp>
+    </p:spTree>
+  </p:cSld>
+  <p:clrMapOvr>
+    <a:masterClrMapping/>
+  </p:clrMapOvr>
+</p:notes>
+</file>
+
+<file path=ppt/notesSlides/notesSlide5.xml><?xml version="1.0" encoding="utf-8"?>
+<p:notes xmlns:a="http://schemas.openxmlformats.org/drawingml/2006/main" xmlns:r="http://schemas.openxmlformats.org/officeDocument/2006/relationships" xmlns:p="http://schemas.openxmlformats.org/presentationml/2006/main">
+  <p:cSld>
+    <p:spTree>
+      <p:nvGrpSpPr>
+        <p:cNvPr id="1" name=""/>
+        <p:cNvGrpSpPr/>
+        <p:nvPr/>
+      </p:nvGrpSpPr>
+      <p:grpSpPr>
+        <a:xfrm>
+          <a:off x="0" y="0"/>
+          <a:ext cx="0" cy="0"/>
+          <a:chOff x="0" y="0"/>
+          <a:chExt cx="0" cy="0"/>
+        </a:xfrm>
+      </p:grpSpPr>
+      <p:sp>
+        <p:nvSpPr>
+          <p:cNvPr id="2" name="Slide Image Placeholder 1"/>
+          <p:cNvSpPr>
+            <a:spLocks noGrp="1" noRot="1" noChangeAspect="1" noResize="1"/>
+          </p:cNvSpPr>
+          <p:nvPr>
+            <p:ph type="sldImg"/>
+          </p:nvPr>
+        </p:nvSpPr>
+        <p:spPr>
+          <a:xfrm>
+            <a:off x="1106488" y="812800"/>
+            <a:ext cx="5345112" cy="4008438"/>
+          </a:xfrm>
+          <a:solidFill>
+            <a:schemeClr val="accent1"/>
+          </a:solidFill>
+          <a:ln w="25400">
+            <a:solidFill>
+              <a:schemeClr val="accent1">
+                <a:shade val="50000"/>
+              </a:schemeClr>
+            </a:solidFill>
+            <a:prstDash val="solid"/>
+          </a:ln>
+        </p:spPr>
+      </p:sp>
+      <p:sp>
+        <p:nvSpPr>
+          <p:cNvPr id="3" name="Notes Placeholder 2"/>
+          <p:cNvSpPr txBox="1">
+            <a:spLocks noGrp="1"/>
+          </p:cNvSpPr>
+          <p:nvPr>
+            <p:ph type="body" sz="quarter" idx="1"/>
+          </p:nvPr>
+        </p:nvSpPr>
+        <p:spPr/>
+        <p:txBody>
+          <a:bodyPr/>
+          <a:lstStyle/>
+          <a:p>
+            <a:endParaRPr lang="en-GB"/>
+          </a:p>
+        </p:txBody>
+      </p:sp>
+    </p:spTree>
+  </p:cSld>
+  <p:clrMapOvr>
+    <a:masterClrMapping/>
+  </p:clrMapOvr>
+</p:notes>
+</file>
+
 <file path=ppt/slideLayouts/slideLayout1.xml><?xml version="1.0" encoding="utf-8"?>
 <p:sldLayout xmlns:a="http://schemas.openxmlformats.org/drawingml/2006/main" xmlns:r="http://schemas.openxmlformats.org/officeDocument/2006/relationships" xmlns:p="http://schemas.openxmlformats.org/presentationml/2006/main" type="title" preserve="1">
   <p:cSld name="Title Slide">
@@ -147,8 +1108,8 @@
         </p:nvSpPr>
         <p:spPr>
           <a:xfrm>
-            <a:off x="685800" y="2130425"/>
-            <a:ext cx="7772400" cy="1470025"/>
+            <a:off x="755650" y="2347913"/>
+            <a:ext cx="8569325" cy="1620837"/>
           </a:xfrm>
         </p:spPr>
         <p:txBody>
@@ -159,7 +1120,7 @@
               <a:rPr lang="en-US" smtClean="0"/>
               <a:t>Click to edit Master title style</a:t>
             </a:r>
-            <a:endParaRPr lang="en-AU"/>
+            <a:endParaRPr lang="en-US"/>
           </a:p>
         </p:txBody>
       </p:sp>
@@ -175,8 +1136,8 @@
         </p:nvSpPr>
         <p:spPr>
           <a:xfrm>
-            <a:off x="1371600" y="3886200"/>
-            <a:ext cx="6400800" cy="1752600"/>
+            <a:off x="1512888" y="4283075"/>
+            <a:ext cx="7056437" cy="1931988"/>
           </a:xfrm>
         </p:spPr>
         <p:txBody>
@@ -278,7 +1239,7 @@
               <a:rPr lang="en-US" smtClean="0"/>
               <a:t>Click to edit Master subtitle style</a:t>
             </a:r>
-            <a:endParaRPr lang="en-AU"/>
+            <a:endParaRPr lang="en-US"/>
           </a:p>
         </p:txBody>
       </p:sp>
@@ -297,11 +1258,8 @@
           <a:bodyPr/>
           <a:lstStyle/>
           <a:p>
-            <a:fld id="{4FC5DD3F-3E83-4FFC-8687-E89A914020DC}" type="datetimeFigureOut">
-              <a:rPr lang="en-AU" smtClean="0"/>
-              <a:t>22/05/2016</a:t>
-            </a:fld>
-            <a:endParaRPr lang="en-AU"/>
+            <a:pPr lvl="0"/>
+            <a:endParaRPr lang="en-GB"/>
           </a:p>
         </p:txBody>
       </p:sp>
@@ -320,7 +1278,8 @@
           <a:bodyPr/>
           <a:lstStyle/>
           <a:p>
-            <a:endParaRPr lang="en-AU"/>
+            <a:pPr lvl="0"/>
+            <a:endParaRPr lang="en-GB"/>
           </a:p>
         </p:txBody>
       </p:sp>
@@ -339,24 +1298,32 @@
           <a:bodyPr/>
           <a:lstStyle/>
           <a:p>
-            <a:fld id="{2F358FB4-2741-4E22-AB21-700D800219FA}" type="slidenum">
-              <a:rPr lang="en-AU" smtClean="0"/>
+            <a:pPr lvl="0"/>
+            <a:fld id="{857AB6D5-345E-40A0-A74D-CEFFEA5F349A}" type="slidenum">
               <a:t>‹#›</a:t>
             </a:fld>
-            <a:endParaRPr lang="en-AU"/>
+            <a:endParaRPr lang="en-GB"/>
           </a:p>
         </p:txBody>
       </p:sp>
     </p:spTree>
     <p:extLst>
       <p:ext uri="{BB962C8B-B14F-4D97-AF65-F5344CB8AC3E}">
-        <p14:creationId xmlns:p14="http://schemas.microsoft.com/office/powerpoint/2010/main" val="1041147267"/>
+        <p14:creationId xmlns:p14="http://schemas.microsoft.com/office/powerpoint/2010/main" val="2109140541"/>
       </p:ext>
     </p:extLst>
   </p:cSld>
   <p:clrMapOvr>
     <a:masterClrMapping/>
   </p:clrMapOvr>
+  <mc:AlternateContent xmlns:mc="http://schemas.openxmlformats.org/markup-compatibility/2006" xmlns:p14="http://schemas.microsoft.com/office/powerpoint/2010/main">
+    <mc:Choice Requires="p14">
+      <p:transition spd="slow" p14:dur="2000"/>
+    </mc:Choice>
+    <mc:Fallback xmlns="">
+      <p:transition spd="slow"/>
+    </mc:Fallback>
+  </mc:AlternateContent>
 </p:sldLayout>
 </file>
 
@@ -396,7 +1363,7 @@
               <a:rPr lang="en-US" smtClean="0"/>
               <a:t>Click to edit Master title style</a:t>
             </a:r>
-            <a:endParaRPr lang="en-AU"/>
+            <a:endParaRPr lang="en-US"/>
           </a:p>
         </p:txBody>
       </p:sp>
@@ -448,7 +1415,7 @@
               <a:rPr lang="en-US" smtClean="0"/>
               <a:t>Fifth level</a:t>
             </a:r>
-            <a:endParaRPr lang="en-AU"/>
+            <a:endParaRPr lang="en-US"/>
           </a:p>
         </p:txBody>
       </p:sp>
@@ -467,11 +1434,8 @@
           <a:bodyPr/>
           <a:lstStyle/>
           <a:p>
-            <a:fld id="{4FC5DD3F-3E83-4FFC-8687-E89A914020DC}" type="datetimeFigureOut">
-              <a:rPr lang="en-AU" smtClean="0"/>
-              <a:t>22/05/2016</a:t>
-            </a:fld>
-            <a:endParaRPr lang="en-AU"/>
+            <a:pPr lvl="0"/>
+            <a:endParaRPr lang="en-GB"/>
           </a:p>
         </p:txBody>
       </p:sp>
@@ -490,7 +1454,8 @@
           <a:bodyPr/>
           <a:lstStyle/>
           <a:p>
-            <a:endParaRPr lang="en-AU"/>
+            <a:pPr lvl="0"/>
+            <a:endParaRPr lang="en-GB"/>
           </a:p>
         </p:txBody>
       </p:sp>
@@ -509,24 +1474,32 @@
           <a:bodyPr/>
           <a:lstStyle/>
           <a:p>
-            <a:fld id="{2F358FB4-2741-4E22-AB21-700D800219FA}" type="slidenum">
-              <a:rPr lang="en-AU" smtClean="0"/>
+            <a:pPr lvl="0"/>
+            <a:fld id="{79948C0A-1D72-41E8-AB51-87D64F8169E0}" type="slidenum">
               <a:t>‹#›</a:t>
             </a:fld>
-            <a:endParaRPr lang="en-AU"/>
+            <a:endParaRPr lang="en-GB"/>
           </a:p>
         </p:txBody>
       </p:sp>
     </p:spTree>
     <p:extLst>
       <p:ext uri="{BB962C8B-B14F-4D97-AF65-F5344CB8AC3E}">
-        <p14:creationId xmlns:p14="http://schemas.microsoft.com/office/powerpoint/2010/main" val="3402170879"/>
+        <p14:creationId xmlns:p14="http://schemas.microsoft.com/office/powerpoint/2010/main" val="3131266465"/>
       </p:ext>
     </p:extLst>
   </p:cSld>
   <p:clrMapOvr>
     <a:masterClrMapping/>
   </p:clrMapOvr>
+  <mc:AlternateContent xmlns:mc="http://schemas.openxmlformats.org/markup-compatibility/2006" xmlns:p14="http://schemas.microsoft.com/office/powerpoint/2010/main">
+    <mc:Choice Requires="p14">
+      <p:transition spd="slow" p14:dur="2000"/>
+    </mc:Choice>
+    <mc:Fallback xmlns="">
+      <p:transition spd="slow"/>
+    </mc:Fallback>
+  </mc:AlternateContent>
 </p:sldLayout>
 </file>
 
@@ -559,8 +1532,8 @@
         </p:nvSpPr>
         <p:spPr>
           <a:xfrm>
-            <a:off x="6629400" y="274638"/>
-            <a:ext cx="2057400" cy="5851525"/>
+            <a:off x="7308850" y="301625"/>
+            <a:ext cx="2266950" cy="6456363"/>
           </a:xfrm>
         </p:spPr>
         <p:txBody>
@@ -571,7 +1544,7 @@
               <a:rPr lang="en-US" smtClean="0"/>
               <a:t>Click to edit Master title style</a:t>
             </a:r>
-            <a:endParaRPr lang="en-AU"/>
+            <a:endParaRPr lang="en-US"/>
           </a:p>
         </p:txBody>
       </p:sp>
@@ -587,8 +1560,8 @@
         </p:nvSpPr>
         <p:spPr>
           <a:xfrm>
-            <a:off x="457200" y="274638"/>
-            <a:ext cx="6019800" cy="5851525"/>
+            <a:off x="503238" y="301625"/>
+            <a:ext cx="6653212" cy="6456363"/>
           </a:xfrm>
         </p:spPr>
         <p:txBody>
@@ -628,7 +1601,7 @@
               <a:rPr lang="en-US" smtClean="0"/>
               <a:t>Fifth level</a:t>
             </a:r>
-            <a:endParaRPr lang="en-AU"/>
+            <a:endParaRPr lang="en-US"/>
           </a:p>
         </p:txBody>
       </p:sp>
@@ -647,11 +1620,8 @@
           <a:bodyPr/>
           <a:lstStyle/>
           <a:p>
-            <a:fld id="{4FC5DD3F-3E83-4FFC-8687-E89A914020DC}" type="datetimeFigureOut">
-              <a:rPr lang="en-AU" smtClean="0"/>
-              <a:t>22/05/2016</a:t>
-            </a:fld>
-            <a:endParaRPr lang="en-AU"/>
+            <a:pPr lvl="0"/>
+            <a:endParaRPr lang="en-GB"/>
           </a:p>
         </p:txBody>
       </p:sp>
@@ -670,7 +1640,8 @@
           <a:bodyPr/>
           <a:lstStyle/>
           <a:p>
-            <a:endParaRPr lang="en-AU"/>
+            <a:pPr lvl="0"/>
+            <a:endParaRPr lang="en-GB"/>
           </a:p>
         </p:txBody>
       </p:sp>
@@ -689,24 +1660,32 @@
           <a:bodyPr/>
           <a:lstStyle/>
           <a:p>
-            <a:fld id="{2F358FB4-2741-4E22-AB21-700D800219FA}" type="slidenum">
-              <a:rPr lang="en-AU" smtClean="0"/>
+            <a:pPr lvl="0"/>
+            <a:fld id="{70FA4388-AD08-457E-AB12-C049635A627A}" type="slidenum">
               <a:t>‹#›</a:t>
             </a:fld>
-            <a:endParaRPr lang="en-AU"/>
+            <a:endParaRPr lang="en-GB"/>
           </a:p>
         </p:txBody>
       </p:sp>
     </p:spTree>
     <p:extLst>
       <p:ext uri="{BB962C8B-B14F-4D97-AF65-F5344CB8AC3E}">
-        <p14:creationId xmlns:p14="http://schemas.microsoft.com/office/powerpoint/2010/main" val="3838452921"/>
+        <p14:creationId xmlns:p14="http://schemas.microsoft.com/office/powerpoint/2010/main" val="1982790847"/>
       </p:ext>
     </p:extLst>
   </p:cSld>
   <p:clrMapOvr>
     <a:masterClrMapping/>
   </p:clrMapOvr>
+  <mc:AlternateContent xmlns:mc="http://schemas.openxmlformats.org/markup-compatibility/2006" xmlns:p14="http://schemas.microsoft.com/office/powerpoint/2010/main">
+    <mc:Choice Requires="p14">
+      <p:transition spd="slow" p14:dur="2000"/>
+    </mc:Choice>
+    <mc:Fallback xmlns="">
+      <p:transition spd="slow"/>
+    </mc:Fallback>
+  </mc:AlternateContent>
 </p:sldLayout>
 </file>
 
@@ -746,7 +1725,7 @@
               <a:rPr lang="en-US" smtClean="0"/>
               <a:t>Click to edit Master title style</a:t>
             </a:r>
-            <a:endParaRPr lang="en-AU"/>
+            <a:endParaRPr lang="en-US"/>
           </a:p>
         </p:txBody>
       </p:sp>
@@ -798,7 +1777,7 @@
               <a:rPr lang="en-US" smtClean="0"/>
               <a:t>Fifth level</a:t>
             </a:r>
-            <a:endParaRPr lang="en-AU"/>
+            <a:endParaRPr lang="en-US"/>
           </a:p>
         </p:txBody>
       </p:sp>
@@ -817,11 +1796,8 @@
           <a:bodyPr/>
           <a:lstStyle/>
           <a:p>
-            <a:fld id="{4FC5DD3F-3E83-4FFC-8687-E89A914020DC}" type="datetimeFigureOut">
-              <a:rPr lang="en-AU" smtClean="0"/>
-              <a:t>22/05/2016</a:t>
-            </a:fld>
-            <a:endParaRPr lang="en-AU"/>
+            <a:pPr lvl="0"/>
+            <a:endParaRPr lang="en-GB"/>
           </a:p>
         </p:txBody>
       </p:sp>
@@ -840,7 +1816,8 @@
           <a:bodyPr/>
           <a:lstStyle/>
           <a:p>
-            <a:endParaRPr lang="en-AU"/>
+            <a:pPr lvl="0"/>
+            <a:endParaRPr lang="en-GB"/>
           </a:p>
         </p:txBody>
       </p:sp>
@@ -859,24 +1836,32 @@
           <a:bodyPr/>
           <a:lstStyle/>
           <a:p>
-            <a:fld id="{2F358FB4-2741-4E22-AB21-700D800219FA}" type="slidenum">
-              <a:rPr lang="en-AU" smtClean="0"/>
+            <a:pPr lvl="0"/>
+            <a:fld id="{286FCE77-1B5F-4AB5-8B69-D948CBB0393E}" type="slidenum">
               <a:t>‹#›</a:t>
             </a:fld>
-            <a:endParaRPr lang="en-AU"/>
+            <a:endParaRPr lang="en-GB"/>
           </a:p>
         </p:txBody>
       </p:sp>
     </p:spTree>
     <p:extLst>
       <p:ext uri="{BB962C8B-B14F-4D97-AF65-F5344CB8AC3E}">
-        <p14:creationId xmlns:p14="http://schemas.microsoft.com/office/powerpoint/2010/main" val="2269644887"/>
+        <p14:creationId xmlns:p14="http://schemas.microsoft.com/office/powerpoint/2010/main" val="2444609794"/>
       </p:ext>
     </p:extLst>
   </p:cSld>
   <p:clrMapOvr>
     <a:masterClrMapping/>
   </p:clrMapOvr>
+  <mc:AlternateContent xmlns:mc="http://schemas.openxmlformats.org/markup-compatibility/2006" xmlns:p14="http://schemas.microsoft.com/office/powerpoint/2010/main">
+    <mc:Choice Requires="p14">
+      <p:transition spd="slow" p14:dur="2000"/>
+    </mc:Choice>
+    <mc:Fallback xmlns="">
+      <p:transition spd="slow"/>
+    </mc:Fallback>
+  </mc:AlternateContent>
 </p:sldLayout>
 </file>
 
@@ -909,8 +1894,8 @@
         </p:nvSpPr>
         <p:spPr>
           <a:xfrm>
-            <a:off x="722313" y="4406900"/>
-            <a:ext cx="7772400" cy="1362075"/>
+            <a:off x="796925" y="4857750"/>
+            <a:ext cx="8567738" cy="1501775"/>
           </a:xfrm>
         </p:spPr>
         <p:txBody>
@@ -925,7 +1910,7 @@
               <a:rPr lang="en-US" smtClean="0"/>
               <a:t>Click to edit Master title style</a:t>
             </a:r>
-            <a:endParaRPr lang="en-AU"/>
+            <a:endParaRPr lang="en-US"/>
           </a:p>
         </p:txBody>
       </p:sp>
@@ -941,8 +1926,8 @@
         </p:nvSpPr>
         <p:spPr>
           <a:xfrm>
-            <a:off x="722313" y="2906713"/>
-            <a:ext cx="7772400" cy="1500187"/>
+            <a:off x="796925" y="3203575"/>
+            <a:ext cx="8567738" cy="1654175"/>
           </a:xfrm>
         </p:spPr>
         <p:txBody>
@@ -1063,11 +2048,8 @@
           <a:bodyPr/>
           <a:lstStyle/>
           <a:p>
-            <a:fld id="{4FC5DD3F-3E83-4FFC-8687-E89A914020DC}" type="datetimeFigureOut">
-              <a:rPr lang="en-AU" smtClean="0"/>
-              <a:t>22/05/2016</a:t>
-            </a:fld>
-            <a:endParaRPr lang="en-AU"/>
+            <a:pPr lvl="0"/>
+            <a:endParaRPr lang="en-GB"/>
           </a:p>
         </p:txBody>
       </p:sp>
@@ -1086,7 +2068,8 @@
           <a:bodyPr/>
           <a:lstStyle/>
           <a:p>
-            <a:endParaRPr lang="en-AU"/>
+            <a:pPr lvl="0"/>
+            <a:endParaRPr lang="en-GB"/>
           </a:p>
         </p:txBody>
       </p:sp>
@@ -1105,24 +2088,32 @@
           <a:bodyPr/>
           <a:lstStyle/>
           <a:p>
-            <a:fld id="{2F358FB4-2741-4E22-AB21-700D800219FA}" type="slidenum">
-              <a:rPr lang="en-AU" smtClean="0"/>
+            <a:pPr lvl="0"/>
+            <a:fld id="{E3AF00A3-B1BD-4D56-915E-53AC06823D1B}" type="slidenum">
               <a:t>‹#›</a:t>
             </a:fld>
-            <a:endParaRPr lang="en-AU"/>
+            <a:endParaRPr lang="en-GB"/>
           </a:p>
         </p:txBody>
       </p:sp>
     </p:spTree>
     <p:extLst>
       <p:ext uri="{BB962C8B-B14F-4D97-AF65-F5344CB8AC3E}">
-        <p14:creationId xmlns:p14="http://schemas.microsoft.com/office/powerpoint/2010/main" val="1290147411"/>
+        <p14:creationId xmlns:p14="http://schemas.microsoft.com/office/powerpoint/2010/main" val="3838890586"/>
       </p:ext>
     </p:extLst>
   </p:cSld>
   <p:clrMapOvr>
     <a:masterClrMapping/>
   </p:clrMapOvr>
+  <mc:AlternateContent xmlns:mc="http://schemas.openxmlformats.org/markup-compatibility/2006" xmlns:p14="http://schemas.microsoft.com/office/powerpoint/2010/main">
+    <mc:Choice Requires="p14">
+      <p:transition spd="slow" p14:dur="2000"/>
+    </mc:Choice>
+    <mc:Fallback xmlns="">
+      <p:transition spd="slow"/>
+    </mc:Fallback>
+  </mc:AlternateContent>
 </p:sldLayout>
 </file>
 
@@ -1162,7 +2153,7 @@
               <a:rPr lang="en-US" smtClean="0"/>
               <a:t>Click to edit Master title style</a:t>
             </a:r>
-            <a:endParaRPr lang="en-AU"/>
+            <a:endParaRPr lang="en-US"/>
           </a:p>
         </p:txBody>
       </p:sp>
@@ -1178,8 +2169,8 @@
         </p:nvSpPr>
         <p:spPr>
           <a:xfrm>
-            <a:off x="457200" y="1600200"/>
-            <a:ext cx="4038600" cy="4525963"/>
+            <a:off x="503238" y="1768475"/>
+            <a:ext cx="4459287" cy="4989513"/>
           </a:xfrm>
         </p:spPr>
         <p:txBody>
@@ -1247,7 +2238,7 @@
               <a:rPr lang="en-US" smtClean="0"/>
               <a:t>Fifth level</a:t>
             </a:r>
-            <a:endParaRPr lang="en-AU"/>
+            <a:endParaRPr lang="en-US"/>
           </a:p>
         </p:txBody>
       </p:sp>
@@ -1263,8 +2254,8 @@
         </p:nvSpPr>
         <p:spPr>
           <a:xfrm>
-            <a:off x="4648200" y="1600200"/>
-            <a:ext cx="4038600" cy="4525963"/>
+            <a:off x="5114925" y="1768475"/>
+            <a:ext cx="4460875" cy="4989513"/>
           </a:xfrm>
         </p:spPr>
         <p:txBody>
@@ -1332,7 +2323,7 @@
               <a:rPr lang="en-US" smtClean="0"/>
               <a:t>Fifth level</a:t>
             </a:r>
-            <a:endParaRPr lang="en-AU"/>
+            <a:endParaRPr lang="en-US"/>
           </a:p>
         </p:txBody>
       </p:sp>
@@ -1351,11 +2342,8 @@
           <a:bodyPr/>
           <a:lstStyle/>
           <a:p>
-            <a:fld id="{4FC5DD3F-3E83-4FFC-8687-E89A914020DC}" type="datetimeFigureOut">
-              <a:rPr lang="en-AU" smtClean="0"/>
-              <a:t>22/05/2016</a:t>
-            </a:fld>
-            <a:endParaRPr lang="en-AU"/>
+            <a:pPr lvl="0"/>
+            <a:endParaRPr lang="en-GB"/>
           </a:p>
         </p:txBody>
       </p:sp>
@@ -1374,7 +2362,8 @@
           <a:bodyPr/>
           <a:lstStyle/>
           <a:p>
-            <a:endParaRPr lang="en-AU"/>
+            <a:pPr lvl="0"/>
+            <a:endParaRPr lang="en-GB"/>
           </a:p>
         </p:txBody>
       </p:sp>
@@ -1393,24 +2382,32 @@
           <a:bodyPr/>
           <a:lstStyle/>
           <a:p>
-            <a:fld id="{2F358FB4-2741-4E22-AB21-700D800219FA}" type="slidenum">
-              <a:rPr lang="en-AU" smtClean="0"/>
+            <a:pPr lvl="0"/>
+            <a:fld id="{8B7EE647-B371-42A0-8B37-2D1AC05D01F1}" type="slidenum">
               <a:t>‹#›</a:t>
             </a:fld>
-            <a:endParaRPr lang="en-AU"/>
+            <a:endParaRPr lang="en-GB"/>
           </a:p>
         </p:txBody>
       </p:sp>
     </p:spTree>
     <p:extLst>
       <p:ext uri="{BB962C8B-B14F-4D97-AF65-F5344CB8AC3E}">
-        <p14:creationId xmlns:p14="http://schemas.microsoft.com/office/powerpoint/2010/main" val="4177080632"/>
+        <p14:creationId xmlns:p14="http://schemas.microsoft.com/office/powerpoint/2010/main" val="1122258195"/>
       </p:ext>
     </p:extLst>
   </p:cSld>
   <p:clrMapOvr>
     <a:masterClrMapping/>
   </p:clrMapOvr>
+  <mc:AlternateContent xmlns:mc="http://schemas.openxmlformats.org/markup-compatibility/2006" xmlns:p14="http://schemas.microsoft.com/office/powerpoint/2010/main">
+    <mc:Choice Requires="p14">
+      <p:transition spd="slow" p14:dur="2000"/>
+    </mc:Choice>
+    <mc:Fallback xmlns="">
+      <p:transition spd="slow"/>
+    </mc:Fallback>
+  </mc:AlternateContent>
 </p:sldLayout>
 </file>
 
@@ -1441,7 +2438,12 @@
             <p:ph type="title"/>
           </p:nvPr>
         </p:nvSpPr>
-        <p:spPr/>
+        <p:spPr>
+          <a:xfrm>
+            <a:off x="504825" y="303213"/>
+            <a:ext cx="9072563" cy="1258887"/>
+          </a:xfrm>
+        </p:spPr>
         <p:txBody>
           <a:bodyPr/>
           <a:lstStyle>
@@ -1454,7 +2456,7 @@
               <a:rPr lang="en-US" smtClean="0"/>
               <a:t>Click to edit Master title style</a:t>
             </a:r>
-            <a:endParaRPr lang="en-AU"/>
+            <a:endParaRPr lang="en-US"/>
           </a:p>
         </p:txBody>
       </p:sp>
@@ -1470,8 +2472,8 @@
         </p:nvSpPr>
         <p:spPr>
           <a:xfrm>
-            <a:off x="457200" y="1535113"/>
-            <a:ext cx="4040188" cy="639762"/>
+            <a:off x="504825" y="1692275"/>
+            <a:ext cx="4452938" cy="704850"/>
           </a:xfrm>
         </p:spPr>
         <p:txBody>
@@ -1535,8 +2537,8 @@
         </p:nvSpPr>
         <p:spPr>
           <a:xfrm>
-            <a:off x="457200" y="2174875"/>
-            <a:ext cx="4040188" cy="3951288"/>
+            <a:off x="504825" y="2397125"/>
+            <a:ext cx="4452938" cy="4356100"/>
           </a:xfrm>
         </p:spPr>
         <p:txBody>
@@ -1604,7 +2606,7 @@
               <a:rPr lang="en-US" smtClean="0"/>
               <a:t>Fifth level</a:t>
             </a:r>
-            <a:endParaRPr lang="en-AU"/>
+            <a:endParaRPr lang="en-US"/>
           </a:p>
         </p:txBody>
       </p:sp>
@@ -1620,8 +2622,8 @@
         </p:nvSpPr>
         <p:spPr>
           <a:xfrm>
-            <a:off x="4645025" y="1535113"/>
-            <a:ext cx="4041775" cy="639762"/>
+            <a:off x="5121275" y="1692275"/>
+            <a:ext cx="4456113" cy="704850"/>
           </a:xfrm>
         </p:spPr>
         <p:txBody>
@@ -1685,8 +2687,8 @@
         </p:nvSpPr>
         <p:spPr>
           <a:xfrm>
-            <a:off x="4645025" y="2174875"/>
-            <a:ext cx="4041775" cy="3951288"/>
+            <a:off x="5121275" y="2397125"/>
+            <a:ext cx="4456113" cy="4356100"/>
           </a:xfrm>
         </p:spPr>
         <p:txBody>
@@ -1754,7 +2756,7 @@
               <a:rPr lang="en-US" smtClean="0"/>
               <a:t>Fifth level</a:t>
             </a:r>
-            <a:endParaRPr lang="en-AU"/>
+            <a:endParaRPr lang="en-US"/>
           </a:p>
         </p:txBody>
       </p:sp>
@@ -1773,11 +2775,8 @@
           <a:bodyPr/>
           <a:lstStyle/>
           <a:p>
-            <a:fld id="{4FC5DD3F-3E83-4FFC-8687-E89A914020DC}" type="datetimeFigureOut">
-              <a:rPr lang="en-AU" smtClean="0"/>
-              <a:t>22/05/2016</a:t>
-            </a:fld>
-            <a:endParaRPr lang="en-AU"/>
+            <a:pPr lvl="0"/>
+            <a:endParaRPr lang="en-GB"/>
           </a:p>
         </p:txBody>
       </p:sp>
@@ -1796,7 +2795,8 @@
           <a:bodyPr/>
           <a:lstStyle/>
           <a:p>
-            <a:endParaRPr lang="en-AU"/>
+            <a:pPr lvl="0"/>
+            <a:endParaRPr lang="en-GB"/>
           </a:p>
         </p:txBody>
       </p:sp>
@@ -1815,24 +2815,32 @@
           <a:bodyPr/>
           <a:lstStyle/>
           <a:p>
-            <a:fld id="{2F358FB4-2741-4E22-AB21-700D800219FA}" type="slidenum">
-              <a:rPr lang="en-AU" smtClean="0"/>
+            <a:pPr lvl="0"/>
+            <a:fld id="{BEB2825B-817B-423A-A1BD-19D8ED083405}" type="slidenum">
               <a:t>‹#›</a:t>
             </a:fld>
-            <a:endParaRPr lang="en-AU"/>
+            <a:endParaRPr lang="en-GB"/>
           </a:p>
         </p:txBody>
       </p:sp>
     </p:spTree>
     <p:extLst>
       <p:ext uri="{BB962C8B-B14F-4D97-AF65-F5344CB8AC3E}">
-        <p14:creationId xmlns:p14="http://schemas.microsoft.com/office/powerpoint/2010/main" val="1962341008"/>
+        <p14:creationId xmlns:p14="http://schemas.microsoft.com/office/powerpoint/2010/main" val="1276676424"/>
       </p:ext>
     </p:extLst>
   </p:cSld>
   <p:clrMapOvr>
     <a:masterClrMapping/>
   </p:clrMapOvr>
+  <mc:AlternateContent xmlns:mc="http://schemas.openxmlformats.org/markup-compatibility/2006" xmlns:p14="http://schemas.microsoft.com/office/powerpoint/2010/main">
+    <mc:Choice Requires="p14">
+      <p:transition spd="slow" p14:dur="2000"/>
+    </mc:Choice>
+    <mc:Fallback xmlns="">
+      <p:transition spd="slow"/>
+    </mc:Fallback>
+  </mc:AlternateContent>
 </p:sldLayout>
 </file>
 
@@ -1872,7 +2880,7 @@
               <a:rPr lang="en-US" smtClean="0"/>
               <a:t>Click to edit Master title style</a:t>
             </a:r>
-            <a:endParaRPr lang="en-AU"/>
+            <a:endParaRPr lang="en-US"/>
           </a:p>
         </p:txBody>
       </p:sp>
@@ -1891,11 +2899,8 @@
           <a:bodyPr/>
           <a:lstStyle/>
           <a:p>
-            <a:fld id="{4FC5DD3F-3E83-4FFC-8687-E89A914020DC}" type="datetimeFigureOut">
-              <a:rPr lang="en-AU" smtClean="0"/>
-              <a:t>22/05/2016</a:t>
-            </a:fld>
-            <a:endParaRPr lang="en-AU"/>
+            <a:pPr lvl="0"/>
+            <a:endParaRPr lang="en-GB"/>
           </a:p>
         </p:txBody>
       </p:sp>
@@ -1914,7 +2919,8 @@
           <a:bodyPr/>
           <a:lstStyle/>
           <a:p>
-            <a:endParaRPr lang="en-AU"/>
+            <a:pPr lvl="0"/>
+            <a:endParaRPr lang="en-GB"/>
           </a:p>
         </p:txBody>
       </p:sp>
@@ -1933,24 +2939,32 @@
           <a:bodyPr/>
           <a:lstStyle/>
           <a:p>
-            <a:fld id="{2F358FB4-2741-4E22-AB21-700D800219FA}" type="slidenum">
-              <a:rPr lang="en-AU" smtClean="0"/>
+            <a:pPr lvl="0"/>
+            <a:fld id="{CC15BAD6-EADA-4DE5-89DA-55E110765C31}" type="slidenum">
               <a:t>‹#›</a:t>
             </a:fld>
-            <a:endParaRPr lang="en-AU"/>
+            <a:endParaRPr lang="en-GB"/>
           </a:p>
         </p:txBody>
       </p:sp>
     </p:spTree>
     <p:extLst>
       <p:ext uri="{BB962C8B-B14F-4D97-AF65-F5344CB8AC3E}">
-        <p14:creationId xmlns:p14="http://schemas.microsoft.com/office/powerpoint/2010/main" val="1970868106"/>
+        <p14:creationId xmlns:p14="http://schemas.microsoft.com/office/powerpoint/2010/main" val="1470172143"/>
       </p:ext>
     </p:extLst>
   </p:cSld>
   <p:clrMapOvr>
     <a:masterClrMapping/>
   </p:clrMapOvr>
+  <mc:AlternateContent xmlns:mc="http://schemas.openxmlformats.org/markup-compatibility/2006" xmlns:p14="http://schemas.microsoft.com/office/powerpoint/2010/main">
+    <mc:Choice Requires="p14">
+      <p:transition spd="slow" p14:dur="2000"/>
+    </mc:Choice>
+    <mc:Fallback xmlns="">
+      <p:transition spd="slow"/>
+    </mc:Fallback>
+  </mc:AlternateContent>
 </p:sldLayout>
 </file>
 
@@ -1986,11 +3000,8 @@
           <a:bodyPr/>
           <a:lstStyle/>
           <a:p>
-            <a:fld id="{4FC5DD3F-3E83-4FFC-8687-E89A914020DC}" type="datetimeFigureOut">
-              <a:rPr lang="en-AU" smtClean="0"/>
-              <a:t>22/05/2016</a:t>
-            </a:fld>
-            <a:endParaRPr lang="en-AU"/>
+            <a:pPr lvl="0"/>
+            <a:endParaRPr lang="en-GB"/>
           </a:p>
         </p:txBody>
       </p:sp>
@@ -2009,7 +3020,8 @@
           <a:bodyPr/>
           <a:lstStyle/>
           <a:p>
-            <a:endParaRPr lang="en-AU"/>
+            <a:pPr lvl="0"/>
+            <a:endParaRPr lang="en-GB"/>
           </a:p>
         </p:txBody>
       </p:sp>
@@ -2028,24 +3040,33 @@
           <a:bodyPr/>
           <a:lstStyle/>
           <a:p>
-            <a:fld id="{2F358FB4-2741-4E22-AB21-700D800219FA}" type="slidenum">
-              <a:rPr lang="en-AU" smtClean="0"/>
+            <a:pPr lvl="0"/>
+            <a:fld id="{1F8A581C-51DC-40D2-91CA-8DFFAE30412A}" type="slidenum">
               <a:t>‹#›</a:t>
             </a:fld>
-            <a:endParaRPr lang="en-AU"/>
+            <a:endParaRPr lang="en-GB"/>
           </a:p>
         </p:txBody>
       </p:sp>
     </p:spTree>
     <p:extLst>
       <p:ext uri="{BB962C8B-B14F-4D97-AF65-F5344CB8AC3E}">
-        <p14:creationId xmlns:p14="http://schemas.microsoft.com/office/powerpoint/2010/main" val="3406355139"/>
+        <p14:creationId xmlns:p14="http://schemas.microsoft.com/office/powerpoint/2010/main" val="3455998532"/>
       </p:ext>
     </p:extLst>
   </p:cSld>
   <p:clrMapOvr>
     <a:masterClrMapping/>
   </p:clrMapOvr>
+  <mc:AlternateContent xmlns:mc="http://schemas.openxmlformats.org/markup-compatibility/2006" xmlns:p14="http://schemas.microsoft.com/office/powerpoint/2010/main">
+    <mc:Choice Requires="p14">
+      <p:transition spd="slow" p14:dur="2000"/>
+    </mc:Choice>
+    <mc:Fallback xmlns="">
+      <p:transition spd="slow"/>
+    </mc:Fallback>
+  </mc:AlternateContent>
+  <p:hf sldNum="0" hdr="0" ftr="0" dt="0"/>
 </p:sldLayout>
 </file>
 
@@ -2078,8 +3099,8 @@
         </p:nvSpPr>
         <p:spPr>
           <a:xfrm>
-            <a:off x="457200" y="273050"/>
-            <a:ext cx="3008313" cy="1162050"/>
+            <a:off x="504825" y="301625"/>
+            <a:ext cx="3316288" cy="1279525"/>
           </a:xfrm>
         </p:spPr>
         <p:txBody>
@@ -2094,7 +3115,7 @@
               <a:rPr lang="en-US" smtClean="0"/>
               <a:t>Click to edit Master title style</a:t>
             </a:r>
-            <a:endParaRPr lang="en-AU"/>
+            <a:endParaRPr lang="en-US"/>
           </a:p>
         </p:txBody>
       </p:sp>
@@ -2110,8 +3131,8 @@
         </p:nvSpPr>
         <p:spPr>
           <a:xfrm>
-            <a:off x="3575050" y="273050"/>
-            <a:ext cx="5111750" cy="5853113"/>
+            <a:off x="3941763" y="301625"/>
+            <a:ext cx="5635625" cy="6451600"/>
           </a:xfrm>
         </p:spPr>
         <p:txBody>
@@ -2179,7 +3200,7 @@
               <a:rPr lang="en-US" smtClean="0"/>
               <a:t>Fifth level</a:t>
             </a:r>
-            <a:endParaRPr lang="en-AU"/>
+            <a:endParaRPr lang="en-US"/>
           </a:p>
         </p:txBody>
       </p:sp>
@@ -2195,8 +3216,8 @@
         </p:nvSpPr>
         <p:spPr>
           <a:xfrm>
-            <a:off x="457200" y="1435100"/>
-            <a:ext cx="3008313" cy="4691063"/>
+            <a:off x="504825" y="1581150"/>
+            <a:ext cx="3316288" cy="5172075"/>
           </a:xfrm>
         </p:spPr>
         <p:txBody>
@@ -2263,11 +3284,8 @@
           <a:bodyPr/>
           <a:lstStyle/>
           <a:p>
-            <a:fld id="{4FC5DD3F-3E83-4FFC-8687-E89A914020DC}" type="datetimeFigureOut">
-              <a:rPr lang="en-AU" smtClean="0"/>
-              <a:t>22/05/2016</a:t>
-            </a:fld>
-            <a:endParaRPr lang="en-AU"/>
+            <a:pPr lvl="0"/>
+            <a:endParaRPr lang="en-GB"/>
           </a:p>
         </p:txBody>
       </p:sp>
@@ -2286,7 +3304,8 @@
           <a:bodyPr/>
           <a:lstStyle/>
           <a:p>
-            <a:endParaRPr lang="en-AU"/>
+            <a:pPr lvl="0"/>
+            <a:endParaRPr lang="en-GB"/>
           </a:p>
         </p:txBody>
       </p:sp>
@@ -2305,24 +3324,32 @@
           <a:bodyPr/>
           <a:lstStyle/>
           <a:p>
-            <a:fld id="{2F358FB4-2741-4E22-AB21-700D800219FA}" type="slidenum">
-              <a:rPr lang="en-AU" smtClean="0"/>
+            <a:pPr lvl="0"/>
+            <a:fld id="{0B99E282-4564-4617-B1A6-0EF119473B0E}" type="slidenum">
               <a:t>‹#›</a:t>
             </a:fld>
-            <a:endParaRPr lang="en-AU"/>
+            <a:endParaRPr lang="en-GB"/>
           </a:p>
         </p:txBody>
       </p:sp>
     </p:spTree>
     <p:extLst>
       <p:ext uri="{BB962C8B-B14F-4D97-AF65-F5344CB8AC3E}">
-        <p14:creationId xmlns:p14="http://schemas.microsoft.com/office/powerpoint/2010/main" val="3577290147"/>
+        <p14:creationId xmlns:p14="http://schemas.microsoft.com/office/powerpoint/2010/main" val="3315221608"/>
       </p:ext>
     </p:extLst>
   </p:cSld>
   <p:clrMapOvr>
     <a:masterClrMapping/>
   </p:clrMapOvr>
+  <mc:AlternateContent xmlns:mc="http://schemas.openxmlformats.org/markup-compatibility/2006" xmlns:p14="http://schemas.microsoft.com/office/powerpoint/2010/main">
+    <mc:Choice Requires="p14">
+      <p:transition spd="slow" p14:dur="2000"/>
+    </mc:Choice>
+    <mc:Fallback xmlns="">
+      <p:transition spd="slow"/>
+    </mc:Fallback>
+  </mc:AlternateContent>
 </p:sldLayout>
 </file>
 
@@ -2355,8 +3382,8 @@
         </p:nvSpPr>
         <p:spPr>
           <a:xfrm>
-            <a:off x="1792288" y="4800600"/>
-            <a:ext cx="5486400" cy="566738"/>
+            <a:off x="1976438" y="5291138"/>
+            <a:ext cx="6048375" cy="625475"/>
           </a:xfrm>
         </p:spPr>
         <p:txBody>
@@ -2371,7 +3398,7 @@
               <a:rPr lang="en-US" smtClean="0"/>
               <a:t>Click to edit Master title style</a:t>
             </a:r>
-            <a:endParaRPr lang="en-AU"/>
+            <a:endParaRPr lang="en-US"/>
           </a:p>
         </p:txBody>
       </p:sp>
@@ -2387,8 +3414,8 @@
         </p:nvSpPr>
         <p:spPr>
           <a:xfrm>
-            <a:off x="1792288" y="612775"/>
-            <a:ext cx="5486400" cy="4114800"/>
+            <a:off x="1976438" y="674688"/>
+            <a:ext cx="6048375" cy="4537075"/>
           </a:xfrm>
         </p:spPr>
         <p:txBody>
@@ -2432,7 +3459,7 @@
             </a:lvl9pPr>
           </a:lstStyle>
           <a:p>
-            <a:endParaRPr lang="en-AU"/>
+            <a:endParaRPr lang="en-US"/>
           </a:p>
         </p:txBody>
       </p:sp>
@@ -2448,8 +3475,8 @@
         </p:nvSpPr>
         <p:spPr>
           <a:xfrm>
-            <a:off x="1792288" y="5367338"/>
-            <a:ext cx="5486400" cy="804862"/>
+            <a:off x="1976438" y="5916613"/>
+            <a:ext cx="6048375" cy="887412"/>
           </a:xfrm>
         </p:spPr>
         <p:txBody>
@@ -2516,11 +3543,8 @@
           <a:bodyPr/>
           <a:lstStyle/>
           <a:p>
-            <a:fld id="{4FC5DD3F-3E83-4FFC-8687-E89A914020DC}" type="datetimeFigureOut">
-              <a:rPr lang="en-AU" smtClean="0"/>
-              <a:t>22/05/2016</a:t>
-            </a:fld>
-            <a:endParaRPr lang="en-AU"/>
+            <a:pPr lvl="0"/>
+            <a:endParaRPr lang="en-GB"/>
           </a:p>
         </p:txBody>
       </p:sp>
@@ -2539,7 +3563,8 @@
           <a:bodyPr/>
           <a:lstStyle/>
           <a:p>
-            <a:endParaRPr lang="en-AU"/>
+            <a:pPr lvl="0"/>
+            <a:endParaRPr lang="en-GB"/>
           </a:p>
         </p:txBody>
       </p:sp>
@@ -2558,24 +3583,32 @@
           <a:bodyPr/>
           <a:lstStyle/>
           <a:p>
-            <a:fld id="{2F358FB4-2741-4E22-AB21-700D800219FA}" type="slidenum">
-              <a:rPr lang="en-AU" smtClean="0"/>
+            <a:pPr lvl="0"/>
+            <a:fld id="{EB6BC4C4-CE04-4EAD-ADAE-97F7823520A8}" type="slidenum">
               <a:t>‹#›</a:t>
             </a:fld>
-            <a:endParaRPr lang="en-AU"/>
+            <a:endParaRPr lang="en-GB"/>
           </a:p>
         </p:txBody>
       </p:sp>
     </p:spTree>
     <p:extLst>
       <p:ext uri="{BB962C8B-B14F-4D97-AF65-F5344CB8AC3E}">
-        <p14:creationId xmlns:p14="http://schemas.microsoft.com/office/powerpoint/2010/main" val="1378909413"/>
+        <p14:creationId xmlns:p14="http://schemas.microsoft.com/office/powerpoint/2010/main" val="1214561429"/>
       </p:ext>
     </p:extLst>
   </p:cSld>
   <p:clrMapOvr>
     <a:masterClrMapping/>
   </p:clrMapOvr>
+  <mc:AlternateContent xmlns:mc="http://schemas.openxmlformats.org/markup-compatibility/2006" xmlns:p14="http://schemas.microsoft.com/office/powerpoint/2010/main">
+    <mc:Choice Requires="p14">
+      <p:transition spd="slow" p14:dur="2000"/>
+    </mc:Choice>
+    <mc:Fallback xmlns="">
+      <p:transition spd="slow"/>
+    </mc:Fallback>
+  </mc:AlternateContent>
 </p:sldLayout>
 </file>
 
@@ -2583,9 +3616,10 @@
 <p:sldMaster xmlns:a="http://schemas.openxmlformats.org/drawingml/2006/main" xmlns:r="http://schemas.openxmlformats.org/officeDocument/2006/relationships" xmlns:p="http://schemas.openxmlformats.org/presentationml/2006/main">
   <p:cSld>
     <p:bg>
-      <p:bgRef idx="1001">
-        <a:schemeClr val="bg1"/>
-      </p:bgRef>
+      <p:bgPr>
+        <a:noFill/>
+        <a:effectLst/>
+      </p:bgPr>
     </p:bg>
     <p:spTree>
       <p:nvGrpSpPr>
@@ -2604,7 +3638,7 @@
       <p:sp>
         <p:nvSpPr>
           <p:cNvPr id="2" name="Title Placeholder 1"/>
-          <p:cNvSpPr>
+          <p:cNvSpPr txBox="1">
             <a:spLocks noGrp="1"/>
           </p:cNvSpPr>
           <p:nvPr>
@@ -2613,31 +3647,80 @@
         </p:nvSpPr>
         <p:spPr>
           <a:xfrm>
-            <a:off x="457200" y="274638"/>
-            <a:ext cx="8229600" cy="1143000"/>
+            <a:off x="503999" y="301320"/>
+            <a:ext cx="9071640" cy="1262160"/>
           </a:xfrm>
           <a:prstGeom prst="rect">
             <a:avLst/>
           </a:prstGeom>
+          <a:noFill/>
+          <a:ln>
+            <a:noFill/>
+          </a:ln>
         </p:spPr>
         <p:txBody>
-          <a:bodyPr vert="horz" lIns="91440" tIns="45720" rIns="91440" bIns="45720" rtlCol="0" anchor="ctr">
-            <a:normAutofit/>
-          </a:bodyPr>
-          <a:lstStyle/>
-          <a:p>
-            <a:r>
-              <a:rPr lang="en-US" smtClean="0"/>
-              <a:t>Click to edit Master title style</a:t>
-            </a:r>
-            <a:endParaRPr lang="en-AU"/>
+          <a:bodyPr lIns="0" tIns="0" rIns="0" bIns="0" anchor="ctr"/>
+          <a:lstStyle>
+            <a:defPPr lvl="0">
+              <a:buSzPct val="45000"/>
+              <a:buFont typeface="StarSymbol"/>
+              <a:buNone/>
+            </a:defPPr>
+            <a:lvl1pPr lvl="0">
+              <a:buSzPct val="45000"/>
+              <a:buFont typeface="StarSymbol"/>
+              <a:buChar char="●"/>
+            </a:lvl1pPr>
+            <a:lvl2pPr lvl="1">
+              <a:buSzPct val="45000"/>
+              <a:buFont typeface="StarSymbol"/>
+              <a:buChar char="●"/>
+            </a:lvl2pPr>
+            <a:lvl3pPr lvl="2">
+              <a:buSzPct val="45000"/>
+              <a:buFont typeface="StarSymbol"/>
+              <a:buChar char="●"/>
+            </a:lvl3pPr>
+            <a:lvl4pPr lvl="3">
+              <a:buSzPct val="45000"/>
+              <a:buFont typeface="StarSymbol"/>
+              <a:buChar char="●"/>
+            </a:lvl4pPr>
+            <a:lvl5pPr lvl="4">
+              <a:buSzPct val="45000"/>
+              <a:buFont typeface="StarSymbol"/>
+              <a:buChar char="●"/>
+            </a:lvl5pPr>
+            <a:lvl6pPr lvl="5">
+              <a:buSzPct val="45000"/>
+              <a:buFont typeface="StarSymbol"/>
+              <a:buChar char="●"/>
+            </a:lvl6pPr>
+            <a:lvl7pPr lvl="6">
+              <a:buSzPct val="45000"/>
+              <a:buFont typeface="StarSymbol"/>
+              <a:buChar char="●"/>
+            </a:lvl7pPr>
+            <a:lvl8pPr lvl="7">
+              <a:buSzPct val="45000"/>
+              <a:buFont typeface="StarSymbol"/>
+              <a:buChar char="●"/>
+            </a:lvl8pPr>
+            <a:lvl9pPr lvl="8">
+              <a:buSzPct val="45000"/>
+              <a:buFont typeface="StarSymbol"/>
+              <a:buChar char="●"/>
+            </a:lvl9pPr>
+          </a:lstStyle>
+          <a:p>
+            <a:endParaRPr lang="en-GB"/>
           </a:p>
         </p:txBody>
       </p:sp>
       <p:sp>
         <p:nvSpPr>
           <p:cNvPr id="3" name="Text Placeholder 2"/>
-          <p:cNvSpPr>
+          <p:cNvSpPr txBox="1">
             <a:spLocks noGrp="1"/>
           </p:cNvSpPr>
           <p:nvPr>
@@ -2646,18 +3729,211 @@
         </p:nvSpPr>
         <p:spPr>
           <a:xfrm>
-            <a:off x="457200" y="1600200"/>
-            <a:ext cx="8229600" cy="4525963"/>
+            <a:off x="503999" y="1769040"/>
+            <a:ext cx="9071640" cy="4989240"/>
           </a:xfrm>
           <a:prstGeom prst="rect">
             <a:avLst/>
           </a:prstGeom>
+          <a:noFill/>
+          <a:ln>
+            <a:noFill/>
+          </a:ln>
         </p:spPr>
         <p:txBody>
-          <a:bodyPr vert="horz" lIns="91440" tIns="45720" rIns="91440" bIns="45720" rtlCol="0">
-            <a:normAutofit/>
-          </a:bodyPr>
-          <a:lstStyle/>
+          <a:bodyPr lIns="0" tIns="0" rIns="0" bIns="0"/>
+          <a:lstStyle>
+            <a:defPPr marL="432000" lvl="0" indent="-324000">
+              <a:spcBef>
+                <a:spcPts val="0"/>
+              </a:spcBef>
+              <a:spcAft>
+                <a:spcPts val="1417"/>
+              </a:spcAft>
+              <a:buSzPct val="45000"/>
+              <a:buFont typeface="StarSymbol"/>
+              <a:buNone/>
+              <a:defRPr lang="en-GB" sz="3200" b="0" i="0" u="none" strike="noStrike" kern="1200">
+                <a:ln>
+                  <a:noFill/>
+                </a:ln>
+                <a:latin typeface="Arial" pitchFamily="18"/>
+                <a:ea typeface="Microsoft YaHei" pitchFamily="2"/>
+                <a:cs typeface="Mangal" pitchFamily="2"/>
+              </a:defRPr>
+            </a:defPPr>
+            <a:lvl1pPr marL="432000" lvl="0" indent="-324000">
+              <a:spcBef>
+                <a:spcPts val="0"/>
+              </a:spcBef>
+              <a:spcAft>
+                <a:spcPts val="1417"/>
+              </a:spcAft>
+              <a:buSzPct val="45000"/>
+              <a:buFont typeface="StarSymbol"/>
+              <a:buChar char="●"/>
+              <a:defRPr lang="en-GB" sz="3200" b="0" i="0" u="none" strike="noStrike" kern="1200">
+                <a:ln>
+                  <a:noFill/>
+                </a:ln>
+                <a:latin typeface="Arial" pitchFamily="18"/>
+                <a:ea typeface="Microsoft YaHei" pitchFamily="2"/>
+                <a:cs typeface="Mangal" pitchFamily="2"/>
+              </a:defRPr>
+            </a:lvl1pPr>
+            <a:lvl2pPr marL="864000" lvl="1" indent="-324000">
+              <a:spcBef>
+                <a:spcPts val="0"/>
+              </a:spcBef>
+              <a:spcAft>
+                <a:spcPts val="1134"/>
+              </a:spcAft>
+              <a:buSzPct val="75000"/>
+              <a:buFont typeface="StarSymbol"/>
+              <a:buChar char="–"/>
+              <a:defRPr lang="en-GB" sz="2800" b="0" i="0" u="none" strike="noStrike" kern="1200">
+                <a:ln>
+                  <a:noFill/>
+                </a:ln>
+                <a:latin typeface="Arial" pitchFamily="18"/>
+                <a:ea typeface="Microsoft YaHei" pitchFamily="2"/>
+                <a:cs typeface="Mangal" pitchFamily="2"/>
+              </a:defRPr>
+            </a:lvl2pPr>
+            <a:lvl3pPr marL="1295999" lvl="2" indent="-288000">
+              <a:spcBef>
+                <a:spcPts val="0"/>
+              </a:spcBef>
+              <a:spcAft>
+                <a:spcPts val="850"/>
+              </a:spcAft>
+              <a:buSzPct val="45000"/>
+              <a:buFont typeface="StarSymbol"/>
+              <a:buChar char="●"/>
+              <a:defRPr lang="en-GB" sz="2400" b="0" i="0" u="none" strike="noStrike" kern="1200">
+                <a:ln>
+                  <a:noFill/>
+                </a:ln>
+                <a:latin typeface="Arial" pitchFamily="18"/>
+                <a:ea typeface="Microsoft YaHei" pitchFamily="2"/>
+                <a:cs typeface="Mangal" pitchFamily="2"/>
+              </a:defRPr>
+            </a:lvl3pPr>
+            <a:lvl4pPr marL="1728000" lvl="3" indent="-216000">
+              <a:spcBef>
+                <a:spcPts val="0"/>
+              </a:spcBef>
+              <a:spcAft>
+                <a:spcPts val="567"/>
+              </a:spcAft>
+              <a:buSzPct val="75000"/>
+              <a:buFont typeface="StarSymbol"/>
+              <a:buChar char="–"/>
+              <a:defRPr lang="en-GB" sz="2000" b="0" i="0" u="none" strike="noStrike" kern="1200">
+                <a:ln>
+                  <a:noFill/>
+                </a:ln>
+                <a:latin typeface="Arial" pitchFamily="18"/>
+                <a:ea typeface="Microsoft YaHei" pitchFamily="2"/>
+                <a:cs typeface="Mangal" pitchFamily="2"/>
+              </a:defRPr>
+            </a:lvl4pPr>
+            <a:lvl5pPr marL="2160000" lvl="4" indent="-216000">
+              <a:spcBef>
+                <a:spcPts val="0"/>
+              </a:spcBef>
+              <a:spcAft>
+                <a:spcPts val="283"/>
+              </a:spcAft>
+              <a:buSzPct val="45000"/>
+              <a:buFont typeface="StarSymbol"/>
+              <a:buChar char="●"/>
+              <a:defRPr lang="en-GB" sz="2000" b="0" i="0" u="none" strike="noStrike" kern="1200">
+                <a:ln>
+                  <a:noFill/>
+                </a:ln>
+                <a:latin typeface="Arial" pitchFamily="18"/>
+                <a:ea typeface="Microsoft YaHei" pitchFamily="2"/>
+                <a:cs typeface="Mangal" pitchFamily="2"/>
+              </a:defRPr>
+            </a:lvl5pPr>
+            <a:lvl6pPr marL="2592000" lvl="5" indent="-216000">
+              <a:spcBef>
+                <a:spcPts val="0"/>
+              </a:spcBef>
+              <a:spcAft>
+                <a:spcPts val="283"/>
+              </a:spcAft>
+              <a:buSzPct val="45000"/>
+              <a:buFont typeface="StarSymbol"/>
+              <a:buChar char="●"/>
+              <a:defRPr lang="en-GB" sz="2000" b="0" i="0" u="none" strike="noStrike" kern="1200">
+                <a:ln>
+                  <a:noFill/>
+                </a:ln>
+                <a:latin typeface="Arial" pitchFamily="18"/>
+                <a:ea typeface="Microsoft YaHei" pitchFamily="2"/>
+                <a:cs typeface="Mangal" pitchFamily="2"/>
+              </a:defRPr>
+            </a:lvl6pPr>
+            <a:lvl7pPr marL="3024000" lvl="6" indent="-216000">
+              <a:spcBef>
+                <a:spcPts val="0"/>
+              </a:spcBef>
+              <a:spcAft>
+                <a:spcPts val="283"/>
+              </a:spcAft>
+              <a:buSzPct val="45000"/>
+              <a:buFont typeface="StarSymbol"/>
+              <a:buChar char="●"/>
+              <a:defRPr lang="en-GB" sz="2000" b="0" i="0" u="none" strike="noStrike" kern="1200">
+                <a:ln>
+                  <a:noFill/>
+                </a:ln>
+                <a:latin typeface="Arial" pitchFamily="18"/>
+                <a:ea typeface="Microsoft YaHei" pitchFamily="2"/>
+                <a:cs typeface="Mangal" pitchFamily="2"/>
+              </a:defRPr>
+            </a:lvl7pPr>
+            <a:lvl8pPr marL="3456000" lvl="7" indent="-216000">
+              <a:spcBef>
+                <a:spcPts val="0"/>
+              </a:spcBef>
+              <a:spcAft>
+                <a:spcPts val="283"/>
+              </a:spcAft>
+              <a:buSzPct val="45000"/>
+              <a:buFont typeface="StarSymbol"/>
+              <a:buChar char="●"/>
+              <a:defRPr lang="en-GB" sz="2000" b="0" i="0" u="none" strike="noStrike" kern="1200">
+                <a:ln>
+                  <a:noFill/>
+                </a:ln>
+                <a:latin typeface="Arial" pitchFamily="18"/>
+                <a:ea typeface="Microsoft YaHei" pitchFamily="2"/>
+                <a:cs typeface="Mangal" pitchFamily="2"/>
+              </a:defRPr>
+            </a:lvl8pPr>
+            <a:lvl9pPr marL="3887999" lvl="8" indent="-216000">
+              <a:spcBef>
+                <a:spcPts val="0"/>
+              </a:spcBef>
+              <a:spcAft>
+                <a:spcPts val="283"/>
+              </a:spcAft>
+              <a:buSzPct val="45000"/>
+              <a:buFont typeface="StarSymbol"/>
+              <a:buChar char="●"/>
+              <a:defRPr lang="en-GB" sz="2000" b="0" i="0" u="none" strike="noStrike" kern="1200">
+                <a:ln>
+                  <a:noFill/>
+                </a:ln>
+                <a:latin typeface="Arial" pitchFamily="18"/>
+                <a:ea typeface="Microsoft YaHei" pitchFamily="2"/>
+                <a:cs typeface="Mangal" pitchFamily="2"/>
+              </a:defRPr>
+            </a:lvl9pPr>
+          </a:lstStyle>
           <a:p>
             <a:pPr lvl="0"/>
             <a:r>
@@ -2692,14 +3968,14 @@
               <a:rPr lang="en-US" smtClean="0"/>
               <a:t>Fifth level</a:t>
             </a:r>
-            <a:endParaRPr lang="en-AU"/>
+            <a:endParaRPr lang="en-GB"/>
           </a:p>
         </p:txBody>
       </p:sp>
       <p:sp>
         <p:nvSpPr>
           <p:cNvPr id="4" name="Date Placeholder 3"/>
-          <p:cNvSpPr>
+          <p:cNvSpPr txBox="1">
             <a:spLocks noGrp="1"/>
           </p:cNvSpPr>
           <p:nvPr>
@@ -2708,39 +3984,40 @@
         </p:nvSpPr>
         <p:spPr>
           <a:xfrm>
-            <a:off x="457200" y="6356350"/>
-            <a:ext cx="2133600" cy="365125"/>
+            <a:off x="503999" y="6887160"/>
+            <a:ext cx="2348280" cy="521280"/>
           </a:xfrm>
           <a:prstGeom prst="rect">
             <a:avLst/>
           </a:prstGeom>
+          <a:noFill/>
+          <a:ln>
+            <a:noFill/>
+          </a:ln>
         </p:spPr>
         <p:txBody>
-          <a:bodyPr vert="horz" lIns="91440" tIns="45720" rIns="91440" bIns="45720" rtlCol="0" anchor="ctr"/>
+          <a:bodyPr lIns="0" tIns="0" rIns="0" bIns="0" anchorCtr="0"/>
           <a:lstStyle>
-            <a:lvl1pPr algn="l">
-              <a:defRPr sz="1200">
-                <a:solidFill>
-                  <a:schemeClr val="tx1">
-                    <a:tint val="75000"/>
-                  </a:schemeClr>
-                </a:solidFill>
+            <a:lvl1pPr lvl="0" rtl="0" hangingPunct="0">
+              <a:buNone/>
+              <a:tabLst/>
+              <a:defRPr lang="en-GB" sz="1400" kern="1200">
+                <a:latin typeface="Times New Roman" pitchFamily="18"/>
+                <a:ea typeface="Arial Unicode MS" pitchFamily="2"/>
+                <a:cs typeface="Tahoma" pitchFamily="2"/>
               </a:defRPr>
             </a:lvl1pPr>
           </a:lstStyle>
           <a:p>
-            <a:fld id="{4FC5DD3F-3E83-4FFC-8687-E89A914020DC}" type="datetimeFigureOut">
-              <a:rPr lang="en-AU" smtClean="0"/>
-              <a:t>22/05/2016</a:t>
-            </a:fld>
-            <a:endParaRPr lang="en-AU"/>
+            <a:pPr lvl="0"/>
+            <a:endParaRPr lang="en-GB"/>
           </a:p>
         </p:txBody>
       </p:sp>
       <p:sp>
         <p:nvSpPr>
           <p:cNvPr id="5" name="Footer Placeholder 4"/>
-          <p:cNvSpPr>
+          <p:cNvSpPr txBox="1">
             <a:spLocks noGrp="1"/>
           </p:cNvSpPr>
           <p:nvPr>
@@ -2749,35 +4026,40 @@
         </p:nvSpPr>
         <p:spPr>
           <a:xfrm>
-            <a:off x="3124200" y="6356350"/>
-            <a:ext cx="2895600" cy="365125"/>
+            <a:off x="3447360" y="6887160"/>
+            <a:ext cx="3195000" cy="521280"/>
           </a:xfrm>
           <a:prstGeom prst="rect">
             <a:avLst/>
           </a:prstGeom>
+          <a:noFill/>
+          <a:ln>
+            <a:noFill/>
+          </a:ln>
         </p:spPr>
         <p:txBody>
-          <a:bodyPr vert="horz" lIns="91440" tIns="45720" rIns="91440" bIns="45720" rtlCol="0" anchor="ctr"/>
+          <a:bodyPr lIns="0" tIns="0" rIns="0" bIns="0" anchorCtr="0"/>
           <a:lstStyle>
-            <a:lvl1pPr algn="ctr">
-              <a:defRPr sz="1200">
-                <a:solidFill>
-                  <a:schemeClr val="tx1">
-                    <a:tint val="75000"/>
-                  </a:schemeClr>
-                </a:solidFill>
+            <a:lvl1pPr lvl="0" algn="ctr" rtl="0" hangingPunct="0">
+              <a:buNone/>
+              <a:tabLst/>
+              <a:defRPr lang="en-GB" sz="1400" kern="1200">
+                <a:latin typeface="Times New Roman" pitchFamily="18"/>
+                <a:ea typeface="Arial Unicode MS" pitchFamily="2"/>
+                <a:cs typeface="Tahoma" pitchFamily="2"/>
               </a:defRPr>
             </a:lvl1pPr>
           </a:lstStyle>
           <a:p>
-            <a:endParaRPr lang="en-AU"/>
+            <a:pPr lvl="0"/>
+            <a:endParaRPr lang="en-GB"/>
           </a:p>
         </p:txBody>
       </p:sp>
       <p:sp>
         <p:nvSpPr>
           <p:cNvPr id="6" name="Slide Number Placeholder 5"/>
-          <p:cNvSpPr>
+          <p:cNvSpPr txBox="1">
             <a:spLocks noGrp="1"/>
           </p:cNvSpPr>
           <p:nvPr>
@@ -2786,41 +4068,40 @@
         </p:nvSpPr>
         <p:spPr>
           <a:xfrm>
-            <a:off x="6553200" y="6356350"/>
-            <a:ext cx="2133600" cy="365125"/>
+            <a:off x="7227360" y="6887160"/>
+            <a:ext cx="2348280" cy="521280"/>
           </a:xfrm>
           <a:prstGeom prst="rect">
             <a:avLst/>
           </a:prstGeom>
+          <a:noFill/>
+          <a:ln>
+            <a:noFill/>
+          </a:ln>
         </p:spPr>
         <p:txBody>
-          <a:bodyPr vert="horz" lIns="91440" tIns="45720" rIns="91440" bIns="45720" rtlCol="0" anchor="ctr"/>
+          <a:bodyPr lIns="0" tIns="0" rIns="0" bIns="0" anchorCtr="0"/>
           <a:lstStyle>
-            <a:lvl1pPr algn="r">
-              <a:defRPr sz="1200">
-                <a:solidFill>
-                  <a:schemeClr val="tx1">
-                    <a:tint val="75000"/>
-                  </a:schemeClr>
-                </a:solidFill>
+            <a:lvl1pPr lvl="0" algn="r" rtl="0" hangingPunct="0">
+              <a:buNone/>
+              <a:tabLst/>
+              <a:defRPr lang="en-GB" sz="1400" kern="1200">
+                <a:latin typeface="Times New Roman" pitchFamily="18"/>
+                <a:ea typeface="Arial Unicode MS" pitchFamily="2"/>
+                <a:cs typeface="Tahoma" pitchFamily="2"/>
               </a:defRPr>
             </a:lvl1pPr>
           </a:lstStyle>
           <a:p>
-            <a:fld id="{2F358FB4-2741-4E22-AB21-700D800219FA}" type="slidenum">
-              <a:rPr lang="en-AU" smtClean="0"/>
+            <a:pPr lvl="0"/>
+            <a:fld id="{4F2EB2E6-E481-4FE8-9F1E-3A44FD634D73}" type="slidenum">
               <a:t>‹#›</a:t>
             </a:fld>
-            <a:endParaRPr lang="en-AU"/>
+            <a:endParaRPr lang="en-GB"/>
           </a:p>
         </p:txBody>
       </p:sp>
     </p:spTree>
-    <p:extLst>
-      <p:ext uri="{BB962C8B-B14F-4D97-AF65-F5344CB8AC3E}">
-        <p14:creationId xmlns:p14="http://schemas.microsoft.com/office/powerpoint/2010/main" val="3291614142"/>
-      </p:ext>
-    </p:extLst>
   </p:cSld>
   <p:clrMap bg1="lt1" tx1="dk1" bg2="lt2" tx2="dk2" accent1="accent1" accent2="accent2" accent3="accent3" accent4="accent4" accent5="accent5" accent6="accent6" hlink="hlink" folHlink="folHlink"/>
   <p:sldLayoutIdLst>
@@ -2836,255 +4117,48 @@
     <p:sldLayoutId id="2147483658" r:id="rId10"/>
     <p:sldLayoutId id="2147483659" r:id="rId11"/>
   </p:sldLayoutIdLst>
+  <mc:AlternateContent xmlns:mc="http://schemas.openxmlformats.org/markup-compatibility/2006" xmlns:p14="http://schemas.microsoft.com/office/powerpoint/2010/main">
+    <mc:Choice Requires="p14">
+      <p:transition spd="slow" p14:dur="2000"/>
+    </mc:Choice>
+    <mc:Fallback xmlns="">
+      <p:transition spd="slow"/>
+    </mc:Fallback>
+  </mc:AlternateContent>
   <p:txStyles>
     <p:titleStyle>
-      <a:lvl1pPr algn="ctr" defTabSz="914400" rtl="0" eaLnBrk="1" latinLnBrk="0" hangingPunct="1">
-        <a:spcBef>
-          <a:spcPct val="0"/>
-        </a:spcBef>
-        <a:buNone/>
-        <a:defRPr sz="4400" kern="1200">
-          <a:solidFill>
-            <a:schemeClr val="tx1"/>
-          </a:solidFill>
-          <a:latin typeface="+mj-lt"/>
-          <a:ea typeface="+mj-ea"/>
-          <a:cs typeface="+mj-cs"/>
+      <a:lvl1pPr algn="ctr" rtl="0" hangingPunct="0">
+        <a:tabLst/>
+        <a:defRPr lang="en-GB" sz="4400" b="0" i="0" u="none" strike="noStrike" kern="1200">
+          <a:ln>
+            <a:noFill/>
+          </a:ln>
+          <a:latin typeface="Arial" pitchFamily="18"/>
+          <a:ea typeface="Microsoft YaHei" pitchFamily="2"/>
+          <a:cs typeface="Mangal" pitchFamily="2"/>
         </a:defRPr>
       </a:lvl1pPr>
     </p:titleStyle>
     <p:bodyStyle>
-      <a:lvl1pPr marL="342900" indent="-342900" algn="l" defTabSz="914400" rtl="0" eaLnBrk="1" latinLnBrk="0" hangingPunct="1">
+      <a:lvl1pPr rtl="0" hangingPunct="0">
         <a:spcBef>
-          <a:spcPct val="20000"/>
+          <a:spcPts val="0"/>
         </a:spcBef>
-        <a:buFont typeface="Arial" panose="020B0604020202020204" pitchFamily="34" charset="0"/>
-        <a:buChar char="•"/>
-        <a:defRPr sz="3200" kern="1200">
-          <a:solidFill>
-            <a:schemeClr val="tx1"/>
-          </a:solidFill>
-          <a:latin typeface="+mn-lt"/>
-          <a:ea typeface="+mn-ea"/>
-          <a:cs typeface="+mn-cs"/>
+        <a:spcAft>
+          <a:spcPts val="1417"/>
+        </a:spcAft>
+        <a:tabLst/>
+        <a:defRPr lang="en-GB" sz="3200" b="0" i="0" u="none" strike="noStrike" kern="1200">
+          <a:ln>
+            <a:noFill/>
+          </a:ln>
+          <a:latin typeface="Arial" pitchFamily="18"/>
+          <a:ea typeface="Microsoft YaHei" pitchFamily="2"/>
+          <a:cs typeface="Mangal" pitchFamily="2"/>
         </a:defRPr>
       </a:lvl1pPr>
-      <a:lvl2pPr marL="742950" indent="-285750" algn="l" defTabSz="914400" rtl="0" eaLnBrk="1" latinLnBrk="0" hangingPunct="1">
-        <a:spcBef>
-          <a:spcPct val="20000"/>
-        </a:spcBef>
-        <a:buFont typeface="Arial" panose="020B0604020202020204" pitchFamily="34" charset="0"/>
-        <a:buChar char="–"/>
-        <a:defRPr sz="2800" kern="1200">
-          <a:solidFill>
-            <a:schemeClr val="tx1"/>
-          </a:solidFill>
-          <a:latin typeface="+mn-lt"/>
-          <a:ea typeface="+mn-ea"/>
-          <a:cs typeface="+mn-cs"/>
-        </a:defRPr>
-      </a:lvl2pPr>
-      <a:lvl3pPr marL="1143000" indent="-228600" algn="l" defTabSz="914400" rtl="0" eaLnBrk="1" latinLnBrk="0" hangingPunct="1">
-        <a:spcBef>
-          <a:spcPct val="20000"/>
-        </a:spcBef>
-        <a:buFont typeface="Arial" panose="020B0604020202020204" pitchFamily="34" charset="0"/>
-        <a:buChar char="•"/>
-        <a:defRPr sz="2400" kern="1200">
-          <a:solidFill>
-            <a:schemeClr val="tx1"/>
-          </a:solidFill>
-          <a:latin typeface="+mn-lt"/>
-          <a:ea typeface="+mn-ea"/>
-          <a:cs typeface="+mn-cs"/>
-        </a:defRPr>
-      </a:lvl3pPr>
-      <a:lvl4pPr marL="1600200" indent="-228600" algn="l" defTabSz="914400" rtl="0" eaLnBrk="1" latinLnBrk="0" hangingPunct="1">
-        <a:spcBef>
-          <a:spcPct val="20000"/>
-        </a:spcBef>
-        <a:buFont typeface="Arial" panose="020B0604020202020204" pitchFamily="34" charset="0"/>
-        <a:buChar char="–"/>
-        <a:defRPr sz="2000" kern="1200">
-          <a:solidFill>
-            <a:schemeClr val="tx1"/>
-          </a:solidFill>
-          <a:latin typeface="+mn-lt"/>
-          <a:ea typeface="+mn-ea"/>
-          <a:cs typeface="+mn-cs"/>
-        </a:defRPr>
-      </a:lvl4pPr>
-      <a:lvl5pPr marL="2057400" indent="-228600" algn="l" defTabSz="914400" rtl="0" eaLnBrk="1" latinLnBrk="0" hangingPunct="1">
-        <a:spcBef>
-          <a:spcPct val="20000"/>
-        </a:spcBef>
-        <a:buFont typeface="Arial" panose="020B0604020202020204" pitchFamily="34" charset="0"/>
-        <a:buChar char="»"/>
-        <a:defRPr sz="2000" kern="1200">
-          <a:solidFill>
-            <a:schemeClr val="tx1"/>
-          </a:solidFill>
-          <a:latin typeface="+mn-lt"/>
-          <a:ea typeface="+mn-ea"/>
-          <a:cs typeface="+mn-cs"/>
-        </a:defRPr>
-      </a:lvl5pPr>
-      <a:lvl6pPr marL="2514600" indent="-228600" algn="l" defTabSz="914400" rtl="0" eaLnBrk="1" latinLnBrk="0" hangingPunct="1">
-        <a:spcBef>
-          <a:spcPct val="20000"/>
-        </a:spcBef>
-        <a:buFont typeface="Arial" panose="020B0604020202020204" pitchFamily="34" charset="0"/>
-        <a:buChar char="•"/>
-        <a:defRPr sz="2000" kern="1200">
-          <a:solidFill>
-            <a:schemeClr val="tx1"/>
-          </a:solidFill>
-          <a:latin typeface="+mn-lt"/>
-          <a:ea typeface="+mn-ea"/>
-          <a:cs typeface="+mn-cs"/>
-        </a:defRPr>
-      </a:lvl6pPr>
-      <a:lvl7pPr marL="2971800" indent="-228600" algn="l" defTabSz="914400" rtl="0" eaLnBrk="1" latinLnBrk="0" hangingPunct="1">
-        <a:spcBef>
-          <a:spcPct val="20000"/>
-        </a:spcBef>
-        <a:buFont typeface="Arial" panose="020B0604020202020204" pitchFamily="34" charset="0"/>
-        <a:buChar char="•"/>
-        <a:defRPr sz="2000" kern="1200">
-          <a:solidFill>
-            <a:schemeClr val="tx1"/>
-          </a:solidFill>
-          <a:latin typeface="+mn-lt"/>
-          <a:ea typeface="+mn-ea"/>
-          <a:cs typeface="+mn-cs"/>
-        </a:defRPr>
-      </a:lvl7pPr>
-      <a:lvl8pPr marL="3429000" indent="-228600" algn="l" defTabSz="914400" rtl="0" eaLnBrk="1" latinLnBrk="0" hangingPunct="1">
-        <a:spcBef>
-          <a:spcPct val="20000"/>
-        </a:spcBef>
-        <a:buFont typeface="Arial" panose="020B0604020202020204" pitchFamily="34" charset="0"/>
-        <a:buChar char="•"/>
-        <a:defRPr sz="2000" kern="1200">
-          <a:solidFill>
-            <a:schemeClr val="tx1"/>
-          </a:solidFill>
-          <a:latin typeface="+mn-lt"/>
-          <a:ea typeface="+mn-ea"/>
-          <a:cs typeface="+mn-cs"/>
-        </a:defRPr>
-      </a:lvl8pPr>
-      <a:lvl9pPr marL="3886200" indent="-228600" algn="l" defTabSz="914400" rtl="0" eaLnBrk="1" latinLnBrk="0" hangingPunct="1">
-        <a:spcBef>
-          <a:spcPct val="20000"/>
-        </a:spcBef>
-        <a:buFont typeface="Arial" panose="020B0604020202020204" pitchFamily="34" charset="0"/>
-        <a:buChar char="•"/>
-        <a:defRPr sz="2000" kern="1200">
-          <a:solidFill>
-            <a:schemeClr val="tx1"/>
-          </a:solidFill>
-          <a:latin typeface="+mn-lt"/>
-          <a:ea typeface="+mn-ea"/>
-          <a:cs typeface="+mn-cs"/>
-        </a:defRPr>
-      </a:lvl9pPr>
     </p:bodyStyle>
-    <p:otherStyle>
-      <a:defPPr>
-        <a:defRPr lang="en-US"/>
-      </a:defPPr>
-      <a:lvl1pPr marL="0" algn="l" defTabSz="914400" rtl="0" eaLnBrk="1" latinLnBrk="0" hangingPunct="1">
-        <a:defRPr sz="1800" kern="1200">
-          <a:solidFill>
-            <a:schemeClr val="tx1"/>
-          </a:solidFill>
-          <a:latin typeface="+mn-lt"/>
-          <a:ea typeface="+mn-ea"/>
-          <a:cs typeface="+mn-cs"/>
-        </a:defRPr>
-      </a:lvl1pPr>
-      <a:lvl2pPr marL="457200" algn="l" defTabSz="914400" rtl="0" eaLnBrk="1" latinLnBrk="0" hangingPunct="1">
-        <a:defRPr sz="1800" kern="1200">
-          <a:solidFill>
-            <a:schemeClr val="tx1"/>
-          </a:solidFill>
-          <a:latin typeface="+mn-lt"/>
-          <a:ea typeface="+mn-ea"/>
-          <a:cs typeface="+mn-cs"/>
-        </a:defRPr>
-      </a:lvl2pPr>
-      <a:lvl3pPr marL="914400" algn="l" defTabSz="914400" rtl="0" eaLnBrk="1" latinLnBrk="0" hangingPunct="1">
-        <a:defRPr sz="1800" kern="1200">
-          <a:solidFill>
-            <a:schemeClr val="tx1"/>
-          </a:solidFill>
-          <a:latin typeface="+mn-lt"/>
-          <a:ea typeface="+mn-ea"/>
-          <a:cs typeface="+mn-cs"/>
-        </a:defRPr>
-      </a:lvl3pPr>
-      <a:lvl4pPr marL="1371600" algn="l" defTabSz="914400" rtl="0" eaLnBrk="1" latinLnBrk="0" hangingPunct="1">
-        <a:defRPr sz="1800" kern="1200">
-          <a:solidFill>
-            <a:schemeClr val="tx1"/>
-          </a:solidFill>
-          <a:latin typeface="+mn-lt"/>
-          <a:ea typeface="+mn-ea"/>
-          <a:cs typeface="+mn-cs"/>
-        </a:defRPr>
-      </a:lvl4pPr>
-      <a:lvl5pPr marL="1828800" algn="l" defTabSz="914400" rtl="0" eaLnBrk="1" latinLnBrk="0" hangingPunct="1">
-        <a:defRPr sz="1800" kern="1200">
-          <a:solidFill>
-            <a:schemeClr val="tx1"/>
-          </a:solidFill>
-          <a:latin typeface="+mn-lt"/>
-          <a:ea typeface="+mn-ea"/>
-          <a:cs typeface="+mn-cs"/>
-        </a:defRPr>
-      </a:lvl5pPr>
-      <a:lvl6pPr marL="2286000" algn="l" defTabSz="914400" rtl="0" eaLnBrk="1" latinLnBrk="0" hangingPunct="1">
-        <a:defRPr sz="1800" kern="1200">
-          <a:solidFill>
-            <a:schemeClr val="tx1"/>
-          </a:solidFill>
-          <a:latin typeface="+mn-lt"/>
-          <a:ea typeface="+mn-ea"/>
-          <a:cs typeface="+mn-cs"/>
-        </a:defRPr>
-      </a:lvl6pPr>
-      <a:lvl7pPr marL="2743200" algn="l" defTabSz="914400" rtl="0" eaLnBrk="1" latinLnBrk="0" hangingPunct="1">
-        <a:defRPr sz="1800" kern="1200">
-          <a:solidFill>
-            <a:schemeClr val="tx1"/>
-          </a:solidFill>
-          <a:latin typeface="+mn-lt"/>
-          <a:ea typeface="+mn-ea"/>
-          <a:cs typeface="+mn-cs"/>
-        </a:defRPr>
-      </a:lvl7pPr>
-      <a:lvl8pPr marL="3200400" algn="l" defTabSz="914400" rtl="0" eaLnBrk="1" latinLnBrk="0" hangingPunct="1">
-        <a:defRPr sz="1800" kern="1200">
-          <a:solidFill>
-            <a:schemeClr val="tx1"/>
-          </a:solidFill>
-          <a:latin typeface="+mn-lt"/>
-          <a:ea typeface="+mn-ea"/>
-          <a:cs typeface="+mn-cs"/>
-        </a:defRPr>
-      </a:lvl8pPr>
-      <a:lvl9pPr marL="3657600" algn="l" defTabSz="914400" rtl="0" eaLnBrk="1" latinLnBrk="0" hangingPunct="1">
-        <a:defRPr sz="1800" kern="1200">
-          <a:solidFill>
-            <a:schemeClr val="tx1"/>
-          </a:solidFill>
-          <a:latin typeface="+mn-lt"/>
-          <a:ea typeface="+mn-ea"/>
-          <a:cs typeface="+mn-cs"/>
-        </a:defRPr>
-      </a:lvl9pPr>
-    </p:otherStyle>
+    <p:otherStyle/>
   </p:txStyles>
 </p:sldMaster>
 </file>
@@ -3113,74 +4187,124 @@
             <a:spLocks noGrp="1"/>
           </p:cNvSpPr>
           <p:nvPr>
-            <p:ph type="ctrTitle"/>
-          </p:nvPr>
-        </p:nvSpPr>
-        <p:spPr>
-          <a:xfrm>
-            <a:off x="467544" y="260648"/>
-            <a:ext cx="8132440" cy="1470025"/>
-          </a:xfrm>
-        </p:spPr>
+            <p:ph type="title"/>
+          </p:nvPr>
+        </p:nvSpPr>
+        <p:spPr/>
         <p:txBody>
           <a:bodyPr/>
           <a:lstStyle/>
           <a:p>
-            <a:r>
-              <a:rPr lang="en-AU" dirty="0" smtClean="0"/>
-              <a:t>Project : Predict if a patient will be readmitted or not?</a:t>
-            </a:r>
-            <a:endParaRPr lang="en-AU" dirty="0"/>
-          </a:p>
-        </p:txBody>
-      </p:sp>
-      <p:sp>
-        <p:nvSpPr>
-          <p:cNvPr id="3" name="Subtitle 2"/>
-          <p:cNvSpPr>
-            <a:spLocks noGrp="1"/>
-          </p:cNvSpPr>
-          <p:nvPr>
-            <p:ph type="subTitle" idx="1"/>
-          </p:nvPr>
-        </p:nvSpPr>
-        <p:spPr/>
-        <p:txBody>
-          <a:bodyPr/>
-          <a:lstStyle/>
-          <a:p>
-            <a:pPr algn="r"/>
-            <a:r>
-              <a:rPr lang="en-AU" dirty="0" smtClean="0">
+            <a:pPr>
+              <a:buNone/>
+            </a:pPr>
+            <a:r>
+              <a:rPr lang="en-US" dirty="0" smtClean="0"/>
+              <a:t>Predict whether a patient will be readmitted or not?</a:t>
+            </a:r>
+            <a:endParaRPr lang="en-US" dirty="0"/>
+          </a:p>
+        </p:txBody>
+      </p:sp>
+      <p:pic>
+        <p:nvPicPr>
+          <p:cNvPr id="1026" name="Picture 2"/>
+          <p:cNvPicPr>
+            <a:picLocks noGrp="1" noChangeAspect="1" noChangeArrowheads="1"/>
+          </p:cNvPicPr>
+          <p:nvPr>
+            <p:ph idx="1"/>
+          </p:nvPr>
+        </p:nvPicPr>
+        <p:blipFill>
+          <a:blip r:embed="rId2">
+            <a:extLst>
+              <a:ext uri="{28A0092B-C50C-407E-A947-70E740481C1C}">
+                <a14:useLocalDpi xmlns:a14="http://schemas.microsoft.com/office/drawing/2010/main" val="0"/>
+              </a:ext>
+            </a:extLst>
+          </a:blip>
+          <a:srcRect/>
+          <a:stretch>
+            <a:fillRect/>
+          </a:stretch>
+        </p:blipFill>
+        <p:spPr bwMode="auto">
+          <a:xfrm>
+            <a:off x="468312" y="2027237"/>
+            <a:ext cx="9072562" cy="3132194"/>
+          </a:xfrm>
+          <a:prstGeom prst="rect">
+            <a:avLst/>
+          </a:prstGeom>
+          <a:noFill/>
+          <a:ln>
+            <a:noFill/>
+          </a:ln>
+          <a:extLst>
+            <a:ext uri="{909E8E84-426E-40DD-AFC4-6F175D3DCCD1}">
+              <a14:hiddenFill xmlns:a14="http://schemas.microsoft.com/office/drawing/2010/main">
+                <a:solidFill>
+                  <a:schemeClr val="accent1"/>
+                </a:solidFill>
+              </a14:hiddenFill>
+            </a:ext>
+            <a:ext uri="{91240B29-F687-4F45-9708-019B960494DF}">
+              <a14:hiddenLine xmlns:a14="http://schemas.microsoft.com/office/drawing/2010/main" w="9525">
                 <a:solidFill>
                   <a:schemeClr val="tx1"/>
                 </a:solidFill>
+                <a:miter lim="800000"/>
+                <a:headEnd/>
+                <a:tailEnd/>
+              </a14:hiddenLine>
+            </a:ext>
+          </a:extLst>
+        </p:spPr>
+      </p:pic>
+      <p:sp>
+        <p:nvSpPr>
+          <p:cNvPr id="4" name="TextBox 3"/>
+          <p:cNvSpPr txBox="1"/>
+          <p:nvPr/>
+        </p:nvSpPr>
+        <p:spPr>
+          <a:xfrm>
+            <a:off x="6183312" y="5477088"/>
+            <a:ext cx="3388645" cy="1077218"/>
+          </a:xfrm>
+          <a:prstGeom prst="rect">
+            <a:avLst/>
+          </a:prstGeom>
+          <a:noFill/>
+        </p:spPr>
+        <p:txBody>
+          <a:bodyPr wrap="square" rtlCol="0">
+            <a:spAutoFit/>
+          </a:bodyPr>
+          <a:lstStyle/>
+          <a:p>
+            <a:pPr algn="r"/>
+            <a:r>
+              <a:rPr lang="en-US" sz="3200" dirty="0" smtClean="0">
+                <a:latin typeface="Arial" panose="020B0604020202020204" pitchFamily="34" charset="0"/>
+                <a:cs typeface="Arial" panose="020B0604020202020204" pitchFamily="34" charset="0"/>
               </a:rPr>
-              <a:t>Presenter :</a:t>
+              <a:t>Presenter : </a:t>
             </a:r>
           </a:p>
           <a:p>
             <a:pPr algn="r"/>
             <a:r>
-              <a:rPr lang="en-AU" dirty="0" err="1" smtClean="0">
-                <a:solidFill>
-                  <a:schemeClr val="tx1"/>
-                </a:solidFill>
+              <a:rPr lang="en-US" sz="3200" dirty="0" smtClean="0">
+                <a:latin typeface="Arial" panose="020B0604020202020204" pitchFamily="34" charset="0"/>
+                <a:cs typeface="Arial" panose="020B0604020202020204" pitchFamily="34" charset="0"/>
               </a:rPr>
-              <a:t>Anushi</a:t>
-            </a:r>
-            <a:r>
-              <a:rPr lang="en-AU" dirty="0" smtClean="0">
-                <a:solidFill>
-                  <a:schemeClr val="tx1"/>
-                </a:solidFill>
-              </a:rPr>
-              <a:t> Shah</a:t>
-            </a:r>
-            <a:endParaRPr lang="en-AU" dirty="0">
-              <a:solidFill>
-                <a:schemeClr val="tx1"/>
-              </a:solidFill>
+              <a:t>Anushi Shah</a:t>
+            </a:r>
+            <a:endParaRPr lang="en-US" sz="3200" dirty="0">
+              <a:latin typeface="Arial" panose="020B0604020202020204" pitchFamily="34" charset="0"/>
+              <a:cs typeface="Arial" panose="020B0604020202020204" pitchFamily="34" charset="0"/>
             </a:endParaRPr>
           </a:p>
         </p:txBody>
@@ -3188,19 +4312,34 @@
     </p:spTree>
     <p:extLst>
       <p:ext uri="{BB962C8B-B14F-4D97-AF65-F5344CB8AC3E}">
-        <p14:creationId xmlns:p14="http://schemas.microsoft.com/office/powerpoint/2010/main" val="187746680"/>
+        <p14:creationId xmlns:p14="http://schemas.microsoft.com/office/powerpoint/2010/main" val="1060047708"/>
       </p:ext>
     </p:extLst>
   </p:cSld>
   <p:clrMapOvr>
     <a:masterClrMapping/>
   </p:clrMapOvr>
+  <mc:AlternateContent xmlns:mc="http://schemas.openxmlformats.org/markup-compatibility/2006" xmlns:p14="http://schemas.microsoft.com/office/powerpoint/2010/main">
+    <mc:Choice Requires="p14">
+      <p:transition spd="slow" p14:dur="2000"/>
+    </mc:Choice>
+    <mc:Fallback xmlns="">
+      <p:transition spd="slow"/>
+    </mc:Fallback>
+  </mc:AlternateContent>
+  <p:timing>
+    <p:tnLst>
+      <p:par>
+        <p:cTn id="1" dur="indefinite" restart="never" nodeType="tmRoot"/>
+      </p:par>
+    </p:tnLst>
+  </p:timing>
 </p:sld>
 </file>
 
-<file path=ppt/slides/slide10.xml><?xml version="1.0" encoding="utf-8"?>
+<file path=ppt/slides/slide2.xml><?xml version="1.0" encoding="utf-8"?>
 <p:sld xmlns:a="http://schemas.openxmlformats.org/drawingml/2006/main" xmlns:r="http://schemas.openxmlformats.org/officeDocument/2006/relationships" xmlns:p="http://schemas.openxmlformats.org/presentationml/2006/main">
-  <p:cSld>
+  <p:cSld name="page1">
     <p:spTree>
       <p:nvGrpSpPr>
         <p:cNvPr id="1" name=""/>
@@ -3218,65 +4357,265 @@
       <p:sp>
         <p:nvSpPr>
           <p:cNvPr id="2" name="Title 1"/>
-          <p:cNvSpPr>
-            <a:spLocks noGrp="1"/>
-          </p:cNvSpPr>
-          <p:nvPr>
-            <p:ph type="title"/>
+          <p:cNvSpPr txBox="1">
+            <a:spLocks noGrp="1"/>
+          </p:cNvSpPr>
+          <p:nvPr>
+            <p:ph type="title" idx="4294967295"/>
           </p:nvPr>
         </p:nvSpPr>
         <p:spPr/>
         <p:txBody>
           <a:bodyPr/>
+          <a:lstStyle>
+            <a:defPPr lvl="0">
+              <a:buSzPct val="45000"/>
+              <a:buFont typeface="StarSymbol"/>
+              <a:buNone/>
+            </a:defPPr>
+            <a:lvl1pPr lvl="0">
+              <a:buSzPct val="45000"/>
+              <a:buFont typeface="StarSymbol"/>
+              <a:buChar char="●"/>
+            </a:lvl1pPr>
+            <a:lvl2pPr lvl="1">
+              <a:buSzPct val="45000"/>
+              <a:buFont typeface="StarSymbol"/>
+              <a:buChar char="●"/>
+            </a:lvl2pPr>
+            <a:lvl3pPr lvl="2">
+              <a:buSzPct val="45000"/>
+              <a:buFont typeface="StarSymbol"/>
+              <a:buChar char="●"/>
+            </a:lvl3pPr>
+            <a:lvl4pPr lvl="3">
+              <a:buSzPct val="45000"/>
+              <a:buFont typeface="StarSymbol"/>
+              <a:buChar char="●"/>
+            </a:lvl4pPr>
+            <a:lvl5pPr lvl="4">
+              <a:buSzPct val="45000"/>
+              <a:buFont typeface="StarSymbol"/>
+              <a:buChar char="●"/>
+            </a:lvl5pPr>
+            <a:lvl6pPr lvl="5">
+              <a:buSzPct val="45000"/>
+              <a:buFont typeface="StarSymbol"/>
+              <a:buChar char="●"/>
+            </a:lvl6pPr>
+            <a:lvl7pPr lvl="6">
+              <a:buSzPct val="45000"/>
+              <a:buFont typeface="StarSymbol"/>
+              <a:buChar char="●"/>
+            </a:lvl7pPr>
+            <a:lvl8pPr lvl="7">
+              <a:buSzPct val="45000"/>
+              <a:buFont typeface="StarSymbol"/>
+              <a:buChar char="●"/>
+            </a:lvl8pPr>
+            <a:lvl9pPr lvl="8">
+              <a:buSzPct val="45000"/>
+              <a:buFont typeface="StarSymbol"/>
+              <a:buChar char="●"/>
+            </a:lvl9pPr>
+          </a:lstStyle>
+          <a:p>
+            <a:pPr lvl="0" algn="l">
+              <a:buNone/>
+            </a:pPr>
+            <a:r>
+              <a:rPr lang="en-GB" sz="3600" dirty="0"/>
+              <a:t>Hospital readmission : A hospitalization that occurs within 30 days after a discharge.</a:t>
+            </a:r>
+          </a:p>
+        </p:txBody>
+      </p:sp>
+      <p:sp>
+        <p:nvSpPr>
+          <p:cNvPr id="3" name="Subtitle 2"/>
+          <p:cNvSpPr txBox="1">
+            <a:spLocks noGrp="1"/>
+          </p:cNvSpPr>
+          <p:nvPr>
+            <p:ph type="subTitle" idx="4294967295"/>
+          </p:nvPr>
+        </p:nvSpPr>
+        <p:spPr>
+          <a:xfrm>
+            <a:off x="503999" y="1769040"/>
+            <a:ext cx="9071640" cy="3534797"/>
+          </a:xfrm>
+        </p:spPr>
+        <p:txBody>
+          <a:bodyPr anchor="ctr"/>
+          <a:lstStyle>
+            <a:defPPr lvl="0">
+              <a:buSzPct val="45000"/>
+              <a:buFont typeface="StarSymbol"/>
+              <a:buNone/>
+            </a:defPPr>
+            <a:lvl1pPr lvl="0">
+              <a:buSzPct val="45000"/>
+              <a:buFont typeface="StarSymbol"/>
+              <a:buChar char="●"/>
+            </a:lvl1pPr>
+            <a:lvl2pPr lvl="1">
+              <a:buSzPct val="45000"/>
+              <a:buFont typeface="StarSymbol"/>
+              <a:buChar char="●"/>
+            </a:lvl2pPr>
+            <a:lvl3pPr lvl="2">
+              <a:buSzPct val="45000"/>
+              <a:buFont typeface="StarSymbol"/>
+              <a:buChar char="●"/>
+            </a:lvl3pPr>
+            <a:lvl4pPr lvl="3">
+              <a:buSzPct val="45000"/>
+              <a:buFont typeface="StarSymbol"/>
+              <a:buChar char="●"/>
+            </a:lvl4pPr>
+            <a:lvl5pPr lvl="4">
+              <a:buSzPct val="45000"/>
+              <a:buFont typeface="StarSymbol"/>
+              <a:buChar char="●"/>
+            </a:lvl5pPr>
+            <a:lvl6pPr lvl="5">
+              <a:buSzPct val="45000"/>
+              <a:buFont typeface="StarSymbol"/>
+              <a:buChar char="●"/>
+            </a:lvl6pPr>
+            <a:lvl7pPr lvl="6">
+              <a:buSzPct val="45000"/>
+              <a:buFont typeface="StarSymbol"/>
+              <a:buChar char="●"/>
+            </a:lvl7pPr>
+            <a:lvl8pPr lvl="7">
+              <a:buSzPct val="45000"/>
+              <a:buFont typeface="StarSymbol"/>
+              <a:buChar char="●"/>
+            </a:lvl8pPr>
+            <a:lvl9pPr lvl="8">
+              <a:buSzPct val="45000"/>
+              <a:buFont typeface="StarSymbol"/>
+              <a:buChar char="●"/>
+            </a:lvl9pPr>
+          </a:lstStyle>
+          <a:p>
+            <a:pPr marL="0" indent="0" algn="ctr"/>
+            <a:endParaRPr lang="en-GB" dirty="0" smtClean="0"/>
+          </a:p>
+          <a:p>
+            <a:pPr marL="0" indent="0" algn="ctr"/>
+            <a:endParaRPr lang="en-GB" dirty="0"/>
+          </a:p>
+          <a:p>
+            <a:pPr marL="0" indent="0" algn="ctr"/>
+            <a:endParaRPr lang="en-GB" dirty="0" smtClean="0"/>
+          </a:p>
+          <a:p>
+            <a:pPr marL="0" indent="0" algn="ctr"/>
+            <a:endParaRPr lang="en-GB" dirty="0"/>
+          </a:p>
+          <a:p>
+            <a:pPr marL="0" indent="0" algn="ctr"/>
+            <a:endParaRPr lang="en-GB" dirty="0" smtClean="0"/>
+          </a:p>
+          <a:p>
+            <a:pPr marL="0" indent="0" algn="ctr">
+              <a:buNone/>
+            </a:pPr>
+            <a:endParaRPr lang="en-GB" dirty="0" smtClean="0"/>
+          </a:p>
+        </p:txBody>
+      </p:sp>
+      <p:pic>
+        <p:nvPicPr>
+          <p:cNvPr id="4" name="Picture 3"/>
+          <p:cNvPicPr>
+            <a:picLocks noChangeAspect="1"/>
+          </p:cNvPicPr>
+          <p:nvPr/>
+        </p:nvPicPr>
+        <p:blipFill>
+          <a:blip r:embed="rId3">
+            <a:lum/>
+            <a:alphaModFix/>
+          </a:blip>
+          <a:srcRect/>
+          <a:stretch>
+            <a:fillRect/>
+          </a:stretch>
+        </p:blipFill>
+        <p:spPr>
+          <a:xfrm>
+            <a:off x="2232000" y="2448000"/>
+            <a:ext cx="5903999" cy="3384000"/>
+          </a:xfrm>
+          <a:prstGeom prst="rect">
+            <a:avLst/>
+          </a:prstGeom>
+          <a:noFill/>
+          <a:ln>
+            <a:noFill/>
+          </a:ln>
+        </p:spPr>
+      </p:pic>
+      <p:sp>
+        <p:nvSpPr>
+          <p:cNvPr id="8" name="TextBox 7"/>
+          <p:cNvSpPr txBox="1"/>
+          <p:nvPr/>
+        </p:nvSpPr>
+        <p:spPr>
+          <a:xfrm>
+            <a:off x="3059112" y="5790971"/>
+            <a:ext cx="1752600" cy="276999"/>
+          </a:xfrm>
+          <a:prstGeom prst="rect">
+            <a:avLst/>
+          </a:prstGeom>
+          <a:noFill/>
+        </p:spPr>
+        <p:txBody>
+          <a:bodyPr wrap="square" rtlCol="0">
+            <a:spAutoFit/>
+          </a:bodyPr>
           <a:lstStyle/>
           <a:p>
             <a:r>
-              <a:rPr lang="en-AU" dirty="0" smtClean="0"/>
-              <a:t>Results -2 </a:t>
-            </a:r>
-            <a:endParaRPr lang="en-AU" dirty="0"/>
-          </a:p>
-        </p:txBody>
-      </p:sp>
-      <p:sp>
-        <p:nvSpPr>
-          <p:cNvPr id="3" name="Content Placeholder 2"/>
-          <p:cNvSpPr>
-            <a:spLocks noGrp="1"/>
-          </p:cNvSpPr>
-          <p:nvPr>
-            <p:ph idx="1"/>
-          </p:nvPr>
-        </p:nvSpPr>
-        <p:spPr/>
-        <p:txBody>
-          <a:bodyPr/>
-          <a:lstStyle/>
-          <a:p>
-            <a:r>
-              <a:rPr lang="en-AU" dirty="0" smtClean="0"/>
-              <a:t>Comparing ROC curves for different models</a:t>
-            </a:r>
-            <a:endParaRPr lang="en-AU" dirty="0"/>
+              <a:rPr lang="en-US" sz="1200" dirty="0" smtClean="0"/>
+              <a:t>(Within 30 days)</a:t>
+            </a:r>
+            <a:endParaRPr lang="en-US" sz="1200" dirty="0"/>
           </a:p>
         </p:txBody>
       </p:sp>
     </p:spTree>
-    <p:extLst>
-      <p:ext uri="{BB962C8B-B14F-4D97-AF65-F5344CB8AC3E}">
-        <p14:creationId xmlns:p14="http://schemas.microsoft.com/office/powerpoint/2010/main" val="3723321786"/>
-      </p:ext>
-    </p:extLst>
   </p:cSld>
   <p:clrMapOvr>
     <a:masterClrMapping/>
   </p:clrMapOvr>
+  <mc:AlternateContent xmlns:mc="http://schemas.openxmlformats.org/markup-compatibility/2006" xmlns:p14="http://schemas.microsoft.com/office/powerpoint/2010/main">
+    <mc:Choice Requires="p14">
+      <p:transition spd="slow" p14:dur="2000"/>
+    </mc:Choice>
+    <mc:Fallback xmlns="">
+      <p:transition spd="slow"/>
+    </mc:Fallback>
+  </mc:AlternateContent>
+  <p:timing>
+    <p:tnLst>
+      <p:par>
+        <p:cTn id="1" dur="indefinite" restart="never" nodeType="tmRoot"/>
+      </p:par>
+    </p:tnLst>
+  </p:timing>
 </p:sld>
 </file>
 
-<file path=ppt/slides/slide11.xml><?xml version="1.0" encoding="utf-8"?>
+<file path=ppt/slides/slide3.xml><?xml version="1.0" encoding="utf-8"?>
 <p:sld xmlns:a="http://schemas.openxmlformats.org/drawingml/2006/main" xmlns:r="http://schemas.openxmlformats.org/officeDocument/2006/relationships" xmlns:p="http://schemas.openxmlformats.org/presentationml/2006/main">
-  <p:cSld>
+  <p:cSld name="page2">
     <p:spTree>
       <p:nvGrpSpPr>
         <p:cNvPr id="1" name=""/>
@@ -3293,62 +4632,890 @@
       </p:grpSpPr>
       <p:sp>
         <p:nvSpPr>
-          <p:cNvPr id="2" name="Title 1"/>
-          <p:cNvSpPr>
-            <a:spLocks noGrp="1"/>
-          </p:cNvSpPr>
-          <p:nvPr>
-            <p:ph type="title"/>
-          </p:nvPr>
-        </p:nvSpPr>
-        <p:spPr/>
-        <p:txBody>
-          <a:bodyPr/>
-          <a:lstStyle/>
-          <a:p>
-            <a:r>
-              <a:rPr lang="en-AU" dirty="0" smtClean="0"/>
-              <a:t>Learning / Future Steps</a:t>
-            </a:r>
-            <a:endParaRPr lang="en-AU" dirty="0"/>
-          </a:p>
-        </p:txBody>
-      </p:sp>
-      <p:sp>
-        <p:nvSpPr>
-          <p:cNvPr id="3" name="Content Placeholder 2"/>
-          <p:cNvSpPr>
-            <a:spLocks noGrp="1"/>
-          </p:cNvSpPr>
-          <p:nvPr>
-            <p:ph idx="1"/>
-          </p:nvPr>
-        </p:nvSpPr>
-        <p:spPr/>
-        <p:txBody>
-          <a:bodyPr/>
-          <a:lstStyle/>
-          <a:p>
-            <a:endParaRPr lang="en-AU" dirty="0"/>
-          </a:p>
-        </p:txBody>
-      </p:sp>
+          <p:cNvPr id="2" name="Text Placeholder 1"/>
+          <p:cNvSpPr txBox="1">
+            <a:spLocks noGrp="1"/>
+          </p:cNvSpPr>
+          <p:nvPr>
+            <p:ph type="body" idx="4294967295"/>
+          </p:nvPr>
+        </p:nvSpPr>
+        <p:spPr>
+          <a:xfrm>
+            <a:off x="503999" y="1769040"/>
+            <a:ext cx="4426560" cy="4989240"/>
+          </a:xfrm>
+        </p:spPr>
+        <p:txBody>
+          <a:bodyPr>
+            <a:spAutoFit/>
+          </a:bodyPr>
+          <a:lstStyle>
+            <a:defPPr marL="432000" lvl="0" indent="-324000">
+              <a:spcBef>
+                <a:spcPts val="0"/>
+              </a:spcBef>
+              <a:spcAft>
+                <a:spcPts val="1417"/>
+              </a:spcAft>
+              <a:buSzPct val="45000"/>
+              <a:buFont typeface="StarSymbol"/>
+              <a:buNone/>
+              <a:defRPr lang="en-GB" sz="3200" b="0" i="0" u="none" strike="noStrike" kern="1200">
+                <a:ln>
+                  <a:noFill/>
+                </a:ln>
+                <a:latin typeface="Arial" pitchFamily="18"/>
+                <a:ea typeface="Microsoft YaHei" pitchFamily="2"/>
+                <a:cs typeface="Mangal" pitchFamily="2"/>
+              </a:defRPr>
+            </a:defPPr>
+            <a:lvl1pPr marL="432000" lvl="0" indent="-324000">
+              <a:spcBef>
+                <a:spcPts val="0"/>
+              </a:spcBef>
+              <a:spcAft>
+                <a:spcPts val="1417"/>
+              </a:spcAft>
+              <a:buSzPct val="45000"/>
+              <a:buFont typeface="StarSymbol"/>
+              <a:buChar char="●"/>
+              <a:defRPr lang="en-GB" sz="3200" b="0" i="0" u="none" strike="noStrike" kern="1200">
+                <a:ln>
+                  <a:noFill/>
+                </a:ln>
+                <a:latin typeface="Arial" pitchFamily="18"/>
+                <a:ea typeface="Microsoft YaHei" pitchFamily="2"/>
+                <a:cs typeface="Mangal" pitchFamily="2"/>
+              </a:defRPr>
+            </a:lvl1pPr>
+            <a:lvl2pPr marL="864000" lvl="1" indent="-324000">
+              <a:spcBef>
+                <a:spcPts val="0"/>
+              </a:spcBef>
+              <a:spcAft>
+                <a:spcPts val="1134"/>
+              </a:spcAft>
+              <a:buSzPct val="75000"/>
+              <a:buFont typeface="StarSymbol"/>
+              <a:buChar char="–"/>
+              <a:defRPr lang="en-GB" sz="2800" b="0" i="0" u="none" strike="noStrike" kern="1200">
+                <a:ln>
+                  <a:noFill/>
+                </a:ln>
+                <a:latin typeface="Arial" pitchFamily="18"/>
+                <a:ea typeface="Microsoft YaHei" pitchFamily="2"/>
+                <a:cs typeface="Mangal" pitchFamily="2"/>
+              </a:defRPr>
+            </a:lvl2pPr>
+            <a:lvl3pPr marL="1295999" lvl="2" indent="-288000">
+              <a:spcBef>
+                <a:spcPts val="0"/>
+              </a:spcBef>
+              <a:spcAft>
+                <a:spcPts val="850"/>
+              </a:spcAft>
+              <a:buSzPct val="45000"/>
+              <a:buFont typeface="StarSymbol"/>
+              <a:buChar char="●"/>
+              <a:defRPr lang="en-GB" sz="2400" b="0" i="0" u="none" strike="noStrike" kern="1200">
+                <a:ln>
+                  <a:noFill/>
+                </a:ln>
+                <a:latin typeface="Arial" pitchFamily="18"/>
+                <a:ea typeface="Microsoft YaHei" pitchFamily="2"/>
+                <a:cs typeface="Mangal" pitchFamily="2"/>
+              </a:defRPr>
+            </a:lvl3pPr>
+            <a:lvl4pPr marL="1728000" lvl="3" indent="-216000">
+              <a:spcBef>
+                <a:spcPts val="0"/>
+              </a:spcBef>
+              <a:spcAft>
+                <a:spcPts val="567"/>
+              </a:spcAft>
+              <a:buSzPct val="75000"/>
+              <a:buFont typeface="StarSymbol"/>
+              <a:buChar char="–"/>
+              <a:defRPr lang="en-GB" sz="2000" b="0" i="0" u="none" strike="noStrike" kern="1200">
+                <a:ln>
+                  <a:noFill/>
+                </a:ln>
+                <a:latin typeface="Arial" pitchFamily="18"/>
+                <a:ea typeface="Microsoft YaHei" pitchFamily="2"/>
+                <a:cs typeface="Mangal" pitchFamily="2"/>
+              </a:defRPr>
+            </a:lvl4pPr>
+            <a:lvl5pPr marL="2160000" lvl="4" indent="-216000">
+              <a:spcBef>
+                <a:spcPts val="0"/>
+              </a:spcBef>
+              <a:spcAft>
+                <a:spcPts val="283"/>
+              </a:spcAft>
+              <a:buSzPct val="45000"/>
+              <a:buFont typeface="StarSymbol"/>
+              <a:buChar char="●"/>
+              <a:defRPr lang="en-GB" sz="2000" b="0" i="0" u="none" strike="noStrike" kern="1200">
+                <a:ln>
+                  <a:noFill/>
+                </a:ln>
+                <a:latin typeface="Arial" pitchFamily="18"/>
+                <a:ea typeface="Microsoft YaHei" pitchFamily="2"/>
+                <a:cs typeface="Mangal" pitchFamily="2"/>
+              </a:defRPr>
+            </a:lvl5pPr>
+            <a:lvl6pPr marL="2592000" lvl="5" indent="-216000">
+              <a:spcBef>
+                <a:spcPts val="0"/>
+              </a:spcBef>
+              <a:spcAft>
+                <a:spcPts val="283"/>
+              </a:spcAft>
+              <a:buSzPct val="45000"/>
+              <a:buFont typeface="StarSymbol"/>
+              <a:buChar char="●"/>
+              <a:defRPr lang="en-GB" sz="2000" b="0" i="0" u="none" strike="noStrike" kern="1200">
+                <a:ln>
+                  <a:noFill/>
+                </a:ln>
+                <a:latin typeface="Arial" pitchFamily="18"/>
+                <a:ea typeface="Microsoft YaHei" pitchFamily="2"/>
+                <a:cs typeface="Mangal" pitchFamily="2"/>
+              </a:defRPr>
+            </a:lvl6pPr>
+            <a:lvl7pPr marL="3024000" lvl="6" indent="-216000">
+              <a:spcBef>
+                <a:spcPts val="0"/>
+              </a:spcBef>
+              <a:spcAft>
+                <a:spcPts val="283"/>
+              </a:spcAft>
+              <a:buSzPct val="45000"/>
+              <a:buFont typeface="StarSymbol"/>
+              <a:buChar char="●"/>
+              <a:defRPr lang="en-GB" sz="2000" b="0" i="0" u="none" strike="noStrike" kern="1200">
+                <a:ln>
+                  <a:noFill/>
+                </a:ln>
+                <a:latin typeface="Arial" pitchFamily="18"/>
+                <a:ea typeface="Microsoft YaHei" pitchFamily="2"/>
+                <a:cs typeface="Mangal" pitchFamily="2"/>
+              </a:defRPr>
+            </a:lvl7pPr>
+            <a:lvl8pPr marL="3456000" lvl="7" indent="-216000">
+              <a:spcBef>
+                <a:spcPts val="0"/>
+              </a:spcBef>
+              <a:spcAft>
+                <a:spcPts val="283"/>
+              </a:spcAft>
+              <a:buSzPct val="45000"/>
+              <a:buFont typeface="StarSymbol"/>
+              <a:buChar char="●"/>
+              <a:defRPr lang="en-GB" sz="2000" b="0" i="0" u="none" strike="noStrike" kern="1200">
+                <a:ln>
+                  <a:noFill/>
+                </a:ln>
+                <a:latin typeface="Arial" pitchFamily="18"/>
+                <a:ea typeface="Microsoft YaHei" pitchFamily="2"/>
+                <a:cs typeface="Mangal" pitchFamily="2"/>
+              </a:defRPr>
+            </a:lvl8pPr>
+            <a:lvl9pPr marL="3887999" lvl="8" indent="-216000">
+              <a:spcBef>
+                <a:spcPts val="0"/>
+              </a:spcBef>
+              <a:spcAft>
+                <a:spcPts val="283"/>
+              </a:spcAft>
+              <a:buSzPct val="45000"/>
+              <a:buFont typeface="StarSymbol"/>
+              <a:buChar char="●"/>
+              <a:defRPr lang="en-GB" sz="2000" b="0" i="0" u="none" strike="noStrike" kern="1200">
+                <a:ln>
+                  <a:noFill/>
+                </a:ln>
+                <a:latin typeface="Arial" pitchFamily="18"/>
+                <a:ea typeface="Microsoft YaHei" pitchFamily="2"/>
+                <a:cs typeface="Mangal" pitchFamily="2"/>
+              </a:defRPr>
+            </a:lvl9pPr>
+          </a:lstStyle>
+          <a:p>
+            <a:pPr lvl="0">
+              <a:buNone/>
+            </a:pPr>
+            <a:endParaRPr lang="en-GB" u="sng" dirty="0"/>
+          </a:p>
+          <a:p>
+            <a:pPr lvl="0">
+              <a:buNone/>
+            </a:pPr>
+            <a:endParaRPr lang="en-GB" u="sng" dirty="0"/>
+          </a:p>
+          <a:p>
+            <a:pPr lvl="0">
+              <a:buNone/>
+            </a:pPr>
+            <a:endParaRPr lang="en-GB" u="sng" dirty="0"/>
+          </a:p>
+          <a:p>
+            <a:pPr lvl="0">
+              <a:buNone/>
+            </a:pPr>
+            <a:endParaRPr lang="en-GB" u="sng" dirty="0"/>
+          </a:p>
+        </p:txBody>
+      </p:sp>
+      <p:sp>
+        <p:nvSpPr>
+          <p:cNvPr id="3" name="Title 2"/>
+          <p:cNvSpPr txBox="1">
+            <a:spLocks noGrp="1"/>
+          </p:cNvSpPr>
+          <p:nvPr>
+            <p:ph type="title" idx="4294967295"/>
+          </p:nvPr>
+        </p:nvSpPr>
+        <p:spPr>
+          <a:xfrm>
+            <a:off x="468312" y="259992"/>
+            <a:ext cx="9071640" cy="553998"/>
+          </a:xfrm>
+        </p:spPr>
+        <p:txBody>
+          <a:bodyPr>
+            <a:spAutoFit/>
+          </a:bodyPr>
+          <a:lstStyle>
+            <a:defPPr lvl="0">
+              <a:buSzPct val="45000"/>
+              <a:buFont typeface="StarSymbol"/>
+              <a:buNone/>
+            </a:defPPr>
+            <a:lvl1pPr lvl="0">
+              <a:buSzPct val="45000"/>
+              <a:buFont typeface="StarSymbol"/>
+              <a:buChar char="●"/>
+            </a:lvl1pPr>
+            <a:lvl2pPr lvl="1">
+              <a:buSzPct val="45000"/>
+              <a:buFont typeface="StarSymbol"/>
+              <a:buChar char="●"/>
+            </a:lvl2pPr>
+            <a:lvl3pPr lvl="2">
+              <a:buSzPct val="45000"/>
+              <a:buFont typeface="StarSymbol"/>
+              <a:buChar char="●"/>
+            </a:lvl3pPr>
+            <a:lvl4pPr lvl="3">
+              <a:buSzPct val="45000"/>
+              <a:buFont typeface="StarSymbol"/>
+              <a:buChar char="●"/>
+            </a:lvl4pPr>
+            <a:lvl5pPr lvl="4">
+              <a:buSzPct val="45000"/>
+              <a:buFont typeface="StarSymbol"/>
+              <a:buChar char="●"/>
+            </a:lvl5pPr>
+            <a:lvl6pPr lvl="5">
+              <a:buSzPct val="45000"/>
+              <a:buFont typeface="StarSymbol"/>
+              <a:buChar char="●"/>
+            </a:lvl6pPr>
+            <a:lvl7pPr lvl="6">
+              <a:buSzPct val="45000"/>
+              <a:buFont typeface="StarSymbol"/>
+              <a:buChar char="●"/>
+            </a:lvl7pPr>
+            <a:lvl8pPr lvl="7">
+              <a:buSzPct val="45000"/>
+              <a:buFont typeface="StarSymbol"/>
+              <a:buChar char="●"/>
+            </a:lvl8pPr>
+            <a:lvl9pPr lvl="8">
+              <a:buSzPct val="45000"/>
+              <a:buFont typeface="StarSymbol"/>
+              <a:buChar char="●"/>
+            </a:lvl9pPr>
+          </a:lstStyle>
+          <a:p>
+            <a:pPr algn="l">
+              <a:buNone/>
+            </a:pPr>
+            <a:r>
+              <a:rPr lang="en-GB" sz="3600" dirty="0" smtClean="0"/>
+              <a:t>Why are readmissions a problem?</a:t>
+            </a:r>
+            <a:endParaRPr lang="en-GB" sz="3600" dirty="0"/>
+          </a:p>
+        </p:txBody>
+      </p:sp>
+      <p:sp>
+        <p:nvSpPr>
+          <p:cNvPr id="4" name="Text Placeholder 3"/>
+          <p:cNvSpPr txBox="1">
+            <a:spLocks noGrp="1"/>
+          </p:cNvSpPr>
+          <p:nvPr>
+            <p:ph type="body" idx="4294967295"/>
+          </p:nvPr>
+        </p:nvSpPr>
+        <p:spPr>
+          <a:xfrm>
+            <a:off x="5116512" y="4008437"/>
+            <a:ext cx="4426560" cy="2944396"/>
+          </a:xfrm>
+        </p:spPr>
+        <p:txBody>
+          <a:bodyPr>
+            <a:spAutoFit/>
+          </a:bodyPr>
+          <a:lstStyle>
+            <a:defPPr marL="432000" lvl="0" indent="-324000">
+              <a:spcBef>
+                <a:spcPts val="0"/>
+              </a:spcBef>
+              <a:spcAft>
+                <a:spcPts val="1417"/>
+              </a:spcAft>
+              <a:buSzPct val="45000"/>
+              <a:buFont typeface="StarSymbol"/>
+              <a:buNone/>
+              <a:defRPr lang="en-GB" sz="3200" b="0" i="0" u="none" strike="noStrike" kern="1200">
+                <a:ln>
+                  <a:noFill/>
+                </a:ln>
+                <a:latin typeface="Arial" pitchFamily="18"/>
+                <a:ea typeface="Microsoft YaHei" pitchFamily="2"/>
+                <a:cs typeface="Mangal" pitchFamily="2"/>
+              </a:defRPr>
+            </a:defPPr>
+            <a:lvl1pPr marL="432000" lvl="0" indent="-324000">
+              <a:spcBef>
+                <a:spcPts val="0"/>
+              </a:spcBef>
+              <a:spcAft>
+                <a:spcPts val="1417"/>
+              </a:spcAft>
+              <a:buSzPct val="45000"/>
+              <a:buFont typeface="StarSymbol"/>
+              <a:buChar char="●"/>
+              <a:defRPr lang="en-GB" sz="3200" b="0" i="0" u="none" strike="noStrike" kern="1200">
+                <a:ln>
+                  <a:noFill/>
+                </a:ln>
+                <a:latin typeface="Arial" pitchFamily="18"/>
+                <a:ea typeface="Microsoft YaHei" pitchFamily="2"/>
+                <a:cs typeface="Mangal" pitchFamily="2"/>
+              </a:defRPr>
+            </a:lvl1pPr>
+            <a:lvl2pPr marL="864000" lvl="1" indent="-324000">
+              <a:spcBef>
+                <a:spcPts val="0"/>
+              </a:spcBef>
+              <a:spcAft>
+                <a:spcPts val="1134"/>
+              </a:spcAft>
+              <a:buSzPct val="75000"/>
+              <a:buFont typeface="StarSymbol"/>
+              <a:buChar char="–"/>
+              <a:defRPr lang="en-GB" sz="2800" b="0" i="0" u="none" strike="noStrike" kern="1200">
+                <a:ln>
+                  <a:noFill/>
+                </a:ln>
+                <a:latin typeface="Arial" pitchFamily="18"/>
+                <a:ea typeface="Microsoft YaHei" pitchFamily="2"/>
+                <a:cs typeface="Mangal" pitchFamily="2"/>
+              </a:defRPr>
+            </a:lvl2pPr>
+            <a:lvl3pPr marL="1295999" lvl="2" indent="-288000">
+              <a:spcBef>
+                <a:spcPts val="0"/>
+              </a:spcBef>
+              <a:spcAft>
+                <a:spcPts val="850"/>
+              </a:spcAft>
+              <a:buSzPct val="45000"/>
+              <a:buFont typeface="StarSymbol"/>
+              <a:buChar char="●"/>
+              <a:defRPr lang="en-GB" sz="2400" b="0" i="0" u="none" strike="noStrike" kern="1200">
+                <a:ln>
+                  <a:noFill/>
+                </a:ln>
+                <a:latin typeface="Arial" pitchFamily="18"/>
+                <a:ea typeface="Microsoft YaHei" pitchFamily="2"/>
+                <a:cs typeface="Mangal" pitchFamily="2"/>
+              </a:defRPr>
+            </a:lvl3pPr>
+            <a:lvl4pPr marL="1728000" lvl="3" indent="-216000">
+              <a:spcBef>
+                <a:spcPts val="0"/>
+              </a:spcBef>
+              <a:spcAft>
+                <a:spcPts val="567"/>
+              </a:spcAft>
+              <a:buSzPct val="75000"/>
+              <a:buFont typeface="StarSymbol"/>
+              <a:buChar char="–"/>
+              <a:defRPr lang="en-GB" sz="2000" b="0" i="0" u="none" strike="noStrike" kern="1200">
+                <a:ln>
+                  <a:noFill/>
+                </a:ln>
+                <a:latin typeface="Arial" pitchFamily="18"/>
+                <a:ea typeface="Microsoft YaHei" pitchFamily="2"/>
+                <a:cs typeface="Mangal" pitchFamily="2"/>
+              </a:defRPr>
+            </a:lvl4pPr>
+            <a:lvl5pPr marL="2160000" lvl="4" indent="-216000">
+              <a:spcBef>
+                <a:spcPts val="0"/>
+              </a:spcBef>
+              <a:spcAft>
+                <a:spcPts val="283"/>
+              </a:spcAft>
+              <a:buSzPct val="45000"/>
+              <a:buFont typeface="StarSymbol"/>
+              <a:buChar char="●"/>
+              <a:defRPr lang="en-GB" sz="2000" b="0" i="0" u="none" strike="noStrike" kern="1200">
+                <a:ln>
+                  <a:noFill/>
+                </a:ln>
+                <a:latin typeface="Arial" pitchFamily="18"/>
+                <a:ea typeface="Microsoft YaHei" pitchFamily="2"/>
+                <a:cs typeface="Mangal" pitchFamily="2"/>
+              </a:defRPr>
+            </a:lvl5pPr>
+            <a:lvl6pPr marL="2592000" lvl="5" indent="-216000">
+              <a:spcBef>
+                <a:spcPts val="0"/>
+              </a:spcBef>
+              <a:spcAft>
+                <a:spcPts val="283"/>
+              </a:spcAft>
+              <a:buSzPct val="45000"/>
+              <a:buFont typeface="StarSymbol"/>
+              <a:buChar char="●"/>
+              <a:defRPr lang="en-GB" sz="2000" b="0" i="0" u="none" strike="noStrike" kern="1200">
+                <a:ln>
+                  <a:noFill/>
+                </a:ln>
+                <a:latin typeface="Arial" pitchFamily="18"/>
+                <a:ea typeface="Microsoft YaHei" pitchFamily="2"/>
+                <a:cs typeface="Mangal" pitchFamily="2"/>
+              </a:defRPr>
+            </a:lvl6pPr>
+            <a:lvl7pPr marL="3024000" lvl="6" indent="-216000">
+              <a:spcBef>
+                <a:spcPts val="0"/>
+              </a:spcBef>
+              <a:spcAft>
+                <a:spcPts val="283"/>
+              </a:spcAft>
+              <a:buSzPct val="45000"/>
+              <a:buFont typeface="StarSymbol"/>
+              <a:buChar char="●"/>
+              <a:defRPr lang="en-GB" sz="2000" b="0" i="0" u="none" strike="noStrike" kern="1200">
+                <a:ln>
+                  <a:noFill/>
+                </a:ln>
+                <a:latin typeface="Arial" pitchFamily="18"/>
+                <a:ea typeface="Microsoft YaHei" pitchFamily="2"/>
+                <a:cs typeface="Mangal" pitchFamily="2"/>
+              </a:defRPr>
+            </a:lvl7pPr>
+            <a:lvl8pPr marL="3456000" lvl="7" indent="-216000">
+              <a:spcBef>
+                <a:spcPts val="0"/>
+              </a:spcBef>
+              <a:spcAft>
+                <a:spcPts val="283"/>
+              </a:spcAft>
+              <a:buSzPct val="45000"/>
+              <a:buFont typeface="StarSymbol"/>
+              <a:buChar char="●"/>
+              <a:defRPr lang="en-GB" sz="2000" b="0" i="0" u="none" strike="noStrike" kern="1200">
+                <a:ln>
+                  <a:noFill/>
+                </a:ln>
+                <a:latin typeface="Arial" pitchFamily="18"/>
+                <a:ea typeface="Microsoft YaHei" pitchFamily="2"/>
+                <a:cs typeface="Mangal" pitchFamily="2"/>
+              </a:defRPr>
+            </a:lvl8pPr>
+            <a:lvl9pPr marL="3887999" lvl="8" indent="-216000">
+              <a:spcBef>
+                <a:spcPts val="0"/>
+              </a:spcBef>
+              <a:spcAft>
+                <a:spcPts val="283"/>
+              </a:spcAft>
+              <a:buSzPct val="45000"/>
+              <a:buFont typeface="StarSymbol"/>
+              <a:buChar char="●"/>
+              <a:defRPr lang="en-GB" sz="2000" b="0" i="0" u="none" strike="noStrike" kern="1200">
+                <a:ln>
+                  <a:noFill/>
+                </a:ln>
+                <a:latin typeface="Arial" pitchFamily="18"/>
+                <a:ea typeface="Microsoft YaHei" pitchFamily="2"/>
+                <a:cs typeface="Mangal" pitchFamily="2"/>
+              </a:defRPr>
+            </a:lvl9pPr>
+          </a:lstStyle>
+          <a:p>
+            <a:r>
+              <a:rPr lang="en-GB" sz="2800" dirty="0" smtClean="0"/>
+              <a:t>Huge cost burden</a:t>
+            </a:r>
+          </a:p>
+          <a:p>
+            <a:r>
+              <a:rPr lang="en-GB" sz="2800" dirty="0" smtClean="0"/>
+              <a:t>2011(US) </a:t>
+            </a:r>
+            <a:r>
+              <a:rPr lang="en-GB" sz="2800" dirty="0"/>
+              <a:t>– Readmissions cost $41 billion </a:t>
+            </a:r>
+          </a:p>
+          <a:p>
+            <a:pPr lvl="0"/>
+            <a:r>
+              <a:rPr lang="en-GB" sz="2800" dirty="0" smtClean="0"/>
+              <a:t>High </a:t>
+            </a:r>
+            <a:r>
+              <a:rPr lang="en-GB" sz="2800" dirty="0"/>
+              <a:t>readmission rate – Poor quality of care</a:t>
+            </a:r>
+          </a:p>
+        </p:txBody>
+      </p:sp>
+      <p:sp>
+        <p:nvSpPr>
+          <p:cNvPr id="5" name="Text Placeholder 4"/>
+          <p:cNvSpPr txBox="1">
+            <a:spLocks noGrp="1"/>
+          </p:cNvSpPr>
+          <p:nvPr>
+            <p:ph type="body" idx="4294967295"/>
+          </p:nvPr>
+        </p:nvSpPr>
+        <p:spPr>
+          <a:xfrm>
+            <a:off x="338172" y="4313237"/>
+            <a:ext cx="4426560" cy="2082621"/>
+          </a:xfrm>
+        </p:spPr>
+        <p:txBody>
+          <a:bodyPr>
+            <a:spAutoFit/>
+          </a:bodyPr>
+          <a:lstStyle>
+            <a:defPPr marL="432000" lvl="0" indent="-324000">
+              <a:spcBef>
+                <a:spcPts val="0"/>
+              </a:spcBef>
+              <a:spcAft>
+                <a:spcPts val="1417"/>
+              </a:spcAft>
+              <a:buSzPct val="45000"/>
+              <a:buFont typeface="StarSymbol"/>
+              <a:buNone/>
+              <a:defRPr lang="en-GB" sz="3200" b="0" i="0" u="none" strike="noStrike" kern="1200">
+                <a:ln>
+                  <a:noFill/>
+                </a:ln>
+                <a:latin typeface="Arial" pitchFamily="18"/>
+                <a:ea typeface="Microsoft YaHei" pitchFamily="2"/>
+                <a:cs typeface="Mangal" pitchFamily="2"/>
+              </a:defRPr>
+            </a:defPPr>
+            <a:lvl1pPr marL="432000" lvl="0" indent="-324000">
+              <a:spcBef>
+                <a:spcPts val="0"/>
+              </a:spcBef>
+              <a:spcAft>
+                <a:spcPts val="1417"/>
+              </a:spcAft>
+              <a:buSzPct val="45000"/>
+              <a:buFont typeface="StarSymbol"/>
+              <a:buChar char="●"/>
+              <a:defRPr lang="en-GB" sz="3200" b="0" i="0" u="none" strike="noStrike" kern="1200">
+                <a:ln>
+                  <a:noFill/>
+                </a:ln>
+                <a:latin typeface="Arial" pitchFamily="18"/>
+                <a:ea typeface="Microsoft YaHei" pitchFamily="2"/>
+                <a:cs typeface="Mangal" pitchFamily="2"/>
+              </a:defRPr>
+            </a:lvl1pPr>
+            <a:lvl2pPr marL="864000" lvl="1" indent="-324000">
+              <a:spcBef>
+                <a:spcPts val="0"/>
+              </a:spcBef>
+              <a:spcAft>
+                <a:spcPts val="1134"/>
+              </a:spcAft>
+              <a:buSzPct val="75000"/>
+              <a:buFont typeface="StarSymbol"/>
+              <a:buChar char="–"/>
+              <a:defRPr lang="en-GB" sz="2800" b="0" i="0" u="none" strike="noStrike" kern="1200">
+                <a:ln>
+                  <a:noFill/>
+                </a:ln>
+                <a:latin typeface="Arial" pitchFamily="18"/>
+                <a:ea typeface="Microsoft YaHei" pitchFamily="2"/>
+                <a:cs typeface="Mangal" pitchFamily="2"/>
+              </a:defRPr>
+            </a:lvl2pPr>
+            <a:lvl3pPr marL="1295999" lvl="2" indent="-288000">
+              <a:spcBef>
+                <a:spcPts val="0"/>
+              </a:spcBef>
+              <a:spcAft>
+                <a:spcPts val="850"/>
+              </a:spcAft>
+              <a:buSzPct val="45000"/>
+              <a:buFont typeface="StarSymbol"/>
+              <a:buChar char="●"/>
+              <a:defRPr lang="en-GB" sz="2400" b="0" i="0" u="none" strike="noStrike" kern="1200">
+                <a:ln>
+                  <a:noFill/>
+                </a:ln>
+                <a:latin typeface="Arial" pitchFamily="18"/>
+                <a:ea typeface="Microsoft YaHei" pitchFamily="2"/>
+                <a:cs typeface="Mangal" pitchFamily="2"/>
+              </a:defRPr>
+            </a:lvl3pPr>
+            <a:lvl4pPr marL="1728000" lvl="3" indent="-216000">
+              <a:spcBef>
+                <a:spcPts val="0"/>
+              </a:spcBef>
+              <a:spcAft>
+                <a:spcPts val="567"/>
+              </a:spcAft>
+              <a:buSzPct val="75000"/>
+              <a:buFont typeface="StarSymbol"/>
+              <a:buChar char="–"/>
+              <a:defRPr lang="en-GB" sz="2000" b="0" i="0" u="none" strike="noStrike" kern="1200">
+                <a:ln>
+                  <a:noFill/>
+                </a:ln>
+                <a:latin typeface="Arial" pitchFamily="18"/>
+                <a:ea typeface="Microsoft YaHei" pitchFamily="2"/>
+                <a:cs typeface="Mangal" pitchFamily="2"/>
+              </a:defRPr>
+            </a:lvl4pPr>
+            <a:lvl5pPr marL="2160000" lvl="4" indent="-216000">
+              <a:spcBef>
+                <a:spcPts val="0"/>
+              </a:spcBef>
+              <a:spcAft>
+                <a:spcPts val="283"/>
+              </a:spcAft>
+              <a:buSzPct val="45000"/>
+              <a:buFont typeface="StarSymbol"/>
+              <a:buChar char="●"/>
+              <a:defRPr lang="en-GB" sz="2000" b="0" i="0" u="none" strike="noStrike" kern="1200">
+                <a:ln>
+                  <a:noFill/>
+                </a:ln>
+                <a:latin typeface="Arial" pitchFamily="18"/>
+                <a:ea typeface="Microsoft YaHei" pitchFamily="2"/>
+                <a:cs typeface="Mangal" pitchFamily="2"/>
+              </a:defRPr>
+            </a:lvl5pPr>
+            <a:lvl6pPr marL="2592000" lvl="5" indent="-216000">
+              <a:spcBef>
+                <a:spcPts val="0"/>
+              </a:spcBef>
+              <a:spcAft>
+                <a:spcPts val="283"/>
+              </a:spcAft>
+              <a:buSzPct val="45000"/>
+              <a:buFont typeface="StarSymbol"/>
+              <a:buChar char="●"/>
+              <a:defRPr lang="en-GB" sz="2000" b="0" i="0" u="none" strike="noStrike" kern="1200">
+                <a:ln>
+                  <a:noFill/>
+                </a:ln>
+                <a:latin typeface="Arial" pitchFamily="18"/>
+                <a:ea typeface="Microsoft YaHei" pitchFamily="2"/>
+                <a:cs typeface="Mangal" pitchFamily="2"/>
+              </a:defRPr>
+            </a:lvl6pPr>
+            <a:lvl7pPr marL="3024000" lvl="6" indent="-216000">
+              <a:spcBef>
+                <a:spcPts val="0"/>
+              </a:spcBef>
+              <a:spcAft>
+                <a:spcPts val="283"/>
+              </a:spcAft>
+              <a:buSzPct val="45000"/>
+              <a:buFont typeface="StarSymbol"/>
+              <a:buChar char="●"/>
+              <a:defRPr lang="en-GB" sz="2000" b="0" i="0" u="none" strike="noStrike" kern="1200">
+                <a:ln>
+                  <a:noFill/>
+                </a:ln>
+                <a:latin typeface="Arial" pitchFamily="18"/>
+                <a:ea typeface="Microsoft YaHei" pitchFamily="2"/>
+                <a:cs typeface="Mangal" pitchFamily="2"/>
+              </a:defRPr>
+            </a:lvl7pPr>
+            <a:lvl8pPr marL="3456000" lvl="7" indent="-216000">
+              <a:spcBef>
+                <a:spcPts val="0"/>
+              </a:spcBef>
+              <a:spcAft>
+                <a:spcPts val="283"/>
+              </a:spcAft>
+              <a:buSzPct val="45000"/>
+              <a:buFont typeface="StarSymbol"/>
+              <a:buChar char="●"/>
+              <a:defRPr lang="en-GB" sz="2000" b="0" i="0" u="none" strike="noStrike" kern="1200">
+                <a:ln>
+                  <a:noFill/>
+                </a:ln>
+                <a:latin typeface="Arial" pitchFamily="18"/>
+                <a:ea typeface="Microsoft YaHei" pitchFamily="2"/>
+                <a:cs typeface="Mangal" pitchFamily="2"/>
+              </a:defRPr>
+            </a:lvl8pPr>
+            <a:lvl9pPr marL="3887999" lvl="8" indent="-216000">
+              <a:spcBef>
+                <a:spcPts val="0"/>
+              </a:spcBef>
+              <a:spcAft>
+                <a:spcPts val="283"/>
+              </a:spcAft>
+              <a:buSzPct val="45000"/>
+              <a:buFont typeface="StarSymbol"/>
+              <a:buChar char="●"/>
+              <a:defRPr lang="en-GB" sz="2000" b="0" i="0" u="none" strike="noStrike" kern="1200">
+                <a:ln>
+                  <a:noFill/>
+                </a:ln>
+                <a:latin typeface="Arial" pitchFamily="18"/>
+                <a:ea typeface="Microsoft YaHei" pitchFamily="2"/>
+                <a:cs typeface="Mangal" pitchFamily="2"/>
+              </a:defRPr>
+            </a:lvl9pPr>
+          </a:lstStyle>
+          <a:p>
+            <a:pPr lvl="0"/>
+            <a:r>
+              <a:rPr lang="en-GB" sz="2800" dirty="0"/>
+              <a:t>Increased wait times</a:t>
+            </a:r>
+          </a:p>
+          <a:p>
+            <a:pPr lvl="0"/>
+            <a:r>
+              <a:rPr lang="en-GB" sz="2800" dirty="0"/>
+              <a:t>Increased medical </a:t>
+            </a:r>
+            <a:r>
+              <a:rPr lang="en-GB" sz="2800" dirty="0" err="1"/>
+              <a:t>erros</a:t>
+            </a:r>
+            <a:r>
+              <a:rPr lang="en-GB" sz="2800" dirty="0"/>
+              <a:t> &amp; negligence</a:t>
+            </a:r>
+          </a:p>
+          <a:p>
+            <a:pPr lvl="0"/>
+            <a:r>
+              <a:rPr lang="en-GB" sz="2800" dirty="0"/>
+              <a:t>Patient health at risk</a:t>
+            </a:r>
+          </a:p>
+        </p:txBody>
+      </p:sp>
+      <p:pic>
+        <p:nvPicPr>
+          <p:cNvPr id="2050" name="Picture 2"/>
+          <p:cNvPicPr>
+            <a:picLocks noChangeAspect="1" noChangeArrowheads="1"/>
+          </p:cNvPicPr>
+          <p:nvPr/>
+        </p:nvPicPr>
+        <p:blipFill>
+          <a:blip r:embed="rId3">
+            <a:extLst>
+              <a:ext uri="{28A0092B-C50C-407E-A947-70E740481C1C}">
+                <a14:useLocalDpi xmlns:a14="http://schemas.microsoft.com/office/drawing/2010/main" val="0"/>
+              </a:ext>
+            </a:extLst>
+          </a:blip>
+          <a:srcRect/>
+          <a:stretch>
+            <a:fillRect/>
+          </a:stretch>
+        </p:blipFill>
+        <p:spPr bwMode="auto">
+          <a:xfrm>
+            <a:off x="1382712" y="1112837"/>
+            <a:ext cx="6801852" cy="2499023"/>
+          </a:xfrm>
+          <a:prstGeom prst="rect">
+            <a:avLst/>
+          </a:prstGeom>
+          <a:noFill/>
+          <a:ln>
+            <a:noFill/>
+          </a:ln>
+          <a:extLst>
+            <a:ext uri="{909E8E84-426E-40DD-AFC4-6F175D3DCCD1}">
+              <a14:hiddenFill xmlns:a14="http://schemas.microsoft.com/office/drawing/2010/main">
+                <a:solidFill>
+                  <a:schemeClr val="accent1"/>
+                </a:solidFill>
+              </a14:hiddenFill>
+            </a:ext>
+            <a:ext uri="{91240B29-F687-4F45-9708-019B960494DF}">
+              <a14:hiddenLine xmlns:a14="http://schemas.microsoft.com/office/drawing/2010/main" w="9525">
+                <a:solidFill>
+                  <a:schemeClr val="tx1"/>
+                </a:solidFill>
+                <a:miter lim="800000"/>
+                <a:headEnd/>
+                <a:tailEnd/>
+              </a14:hiddenLine>
+            </a:ext>
+          </a:extLst>
+        </p:spPr>
+      </p:pic>
     </p:spTree>
-    <p:extLst>
-      <p:ext uri="{BB962C8B-B14F-4D97-AF65-F5344CB8AC3E}">
-        <p14:creationId xmlns:p14="http://schemas.microsoft.com/office/powerpoint/2010/main" val="1938223279"/>
-      </p:ext>
-    </p:extLst>
   </p:cSld>
   <p:clrMapOvr>
     <a:masterClrMapping/>
   </p:clrMapOvr>
+  <mc:AlternateContent xmlns:mc="http://schemas.openxmlformats.org/markup-compatibility/2006" xmlns:p14="http://schemas.microsoft.com/office/powerpoint/2010/main">
+    <mc:Choice Requires="p14">
+      <p:transition spd="slow" p14:dur="2000"/>
+    </mc:Choice>
+    <mc:Fallback xmlns="">
+      <p:transition spd="slow"/>
+    </mc:Fallback>
+  </mc:AlternateContent>
+  <p:timing>
+    <p:tnLst>
+      <p:par>
+        <p:cTn id="1" dur="indefinite" restart="never" nodeType="tmRoot"/>
+      </p:par>
+    </p:tnLst>
+  </p:timing>
 </p:sld>
 </file>
 
-<file path=ppt/slides/slide12.xml><?xml version="1.0" encoding="utf-8"?>
+<file path=ppt/slides/slide4.xml><?xml version="1.0" encoding="utf-8"?>
 <p:sld xmlns:a="http://schemas.openxmlformats.org/drawingml/2006/main" xmlns:r="http://schemas.openxmlformats.org/officeDocument/2006/relationships" xmlns:p="http://schemas.openxmlformats.org/presentationml/2006/main">
-  <p:cSld>
+  <p:cSld name="page3">
     <p:spTree>
       <p:nvGrpSpPr>
         <p:cNvPr id="1" name=""/>
@@ -3366,316 +5533,355 @@
       <p:sp>
         <p:nvSpPr>
           <p:cNvPr id="2" name="Title 1"/>
-          <p:cNvSpPr>
-            <a:spLocks noGrp="1"/>
-          </p:cNvSpPr>
-          <p:nvPr>
-            <p:ph type="title"/>
+          <p:cNvSpPr txBox="1">
+            <a:spLocks noGrp="1"/>
+          </p:cNvSpPr>
+          <p:nvPr>
+            <p:ph type="title" idx="4294967295"/>
           </p:nvPr>
         </p:nvSpPr>
         <p:spPr/>
         <p:txBody>
           <a:bodyPr/>
-          <a:lstStyle/>
-          <a:p>
-            <a:endParaRPr lang="en-AU" dirty="0"/>
-          </a:p>
-        </p:txBody>
-      </p:sp>
-      <p:sp>
-        <p:nvSpPr>
-          <p:cNvPr id="3" name="Content Placeholder 2"/>
-          <p:cNvSpPr>
-            <a:spLocks noGrp="1"/>
-          </p:cNvSpPr>
-          <p:nvPr>
-            <p:ph idx="1"/>
-          </p:nvPr>
-        </p:nvSpPr>
-        <p:spPr/>
+          <a:lstStyle>
+            <a:defPPr lvl="0">
+              <a:buSzPct val="45000"/>
+              <a:buFont typeface="StarSymbol"/>
+              <a:buNone/>
+            </a:defPPr>
+            <a:lvl1pPr lvl="0">
+              <a:buSzPct val="45000"/>
+              <a:buFont typeface="StarSymbol"/>
+              <a:buChar char="●"/>
+            </a:lvl1pPr>
+            <a:lvl2pPr lvl="1">
+              <a:buSzPct val="45000"/>
+              <a:buFont typeface="StarSymbol"/>
+              <a:buChar char="●"/>
+            </a:lvl2pPr>
+            <a:lvl3pPr lvl="2">
+              <a:buSzPct val="45000"/>
+              <a:buFont typeface="StarSymbol"/>
+              <a:buChar char="●"/>
+            </a:lvl3pPr>
+            <a:lvl4pPr lvl="3">
+              <a:buSzPct val="45000"/>
+              <a:buFont typeface="StarSymbol"/>
+              <a:buChar char="●"/>
+            </a:lvl4pPr>
+            <a:lvl5pPr lvl="4">
+              <a:buSzPct val="45000"/>
+              <a:buFont typeface="StarSymbol"/>
+              <a:buChar char="●"/>
+            </a:lvl5pPr>
+            <a:lvl6pPr lvl="5">
+              <a:buSzPct val="45000"/>
+              <a:buFont typeface="StarSymbol"/>
+              <a:buChar char="●"/>
+            </a:lvl6pPr>
+            <a:lvl7pPr lvl="6">
+              <a:buSzPct val="45000"/>
+              <a:buFont typeface="StarSymbol"/>
+              <a:buChar char="●"/>
+            </a:lvl7pPr>
+            <a:lvl8pPr lvl="7">
+              <a:buSzPct val="45000"/>
+              <a:buFont typeface="StarSymbol"/>
+              <a:buChar char="●"/>
+            </a:lvl8pPr>
+            <a:lvl9pPr lvl="8">
+              <a:buSzPct val="45000"/>
+              <a:buFont typeface="StarSymbol"/>
+              <a:buChar char="●"/>
+            </a:lvl9pPr>
+          </a:lstStyle>
+          <a:p>
+            <a:pPr lvl="0">
+              <a:buNone/>
+            </a:pPr>
+            <a:r>
+              <a:rPr lang="en-GB"/>
+              <a:t>Data set</a:t>
+            </a:r>
+          </a:p>
+        </p:txBody>
+      </p:sp>
+      <p:sp>
+        <p:nvSpPr>
+          <p:cNvPr id="3" name="Text Placeholder 2"/>
+          <p:cNvSpPr txBox="1">
+            <a:spLocks noGrp="1"/>
+          </p:cNvSpPr>
+          <p:nvPr>
+            <p:ph type="body" idx="4294967295"/>
+          </p:nvPr>
+        </p:nvSpPr>
+        <p:spPr>
+          <a:xfrm>
+            <a:off x="503999" y="1594440"/>
+            <a:ext cx="9072000" cy="5153040"/>
+          </a:xfrm>
+        </p:spPr>
         <p:txBody>
           <a:bodyPr/>
-          <a:lstStyle/>
-          <a:p>
-            <a:pPr marL="0" indent="0">
-              <a:buNone/>
-            </a:pPr>
-            <a:endParaRPr lang="en-AU" dirty="0" smtClean="0"/>
-          </a:p>
-          <a:p>
-            <a:pPr marL="0" indent="0">
-              <a:buNone/>
-            </a:pPr>
-            <a:endParaRPr lang="en-AU" dirty="0"/>
-          </a:p>
-          <a:p>
-            <a:pPr marL="0" indent="0" algn="ctr">
-              <a:buNone/>
-            </a:pPr>
-            <a:r>
-              <a:rPr lang="en-AU" dirty="0" smtClean="0"/>
-              <a:t>Thank you!!!</a:t>
-            </a:r>
-            <a:endParaRPr lang="en-AU" dirty="0"/>
+          <a:lstStyle>
+            <a:defPPr marL="432000" lvl="0" indent="-324000">
+              <a:spcBef>
+                <a:spcPts val="0"/>
+              </a:spcBef>
+              <a:spcAft>
+                <a:spcPts val="1417"/>
+              </a:spcAft>
+              <a:buSzPct val="45000"/>
+              <a:buFont typeface="StarSymbol"/>
+              <a:buNone/>
+              <a:defRPr lang="en-GB" sz="3200" b="0" i="0" u="none" strike="noStrike" kern="1200">
+                <a:ln>
+                  <a:noFill/>
+                </a:ln>
+                <a:latin typeface="Arial" pitchFamily="18"/>
+                <a:ea typeface="Microsoft YaHei" pitchFamily="2"/>
+                <a:cs typeface="Mangal" pitchFamily="2"/>
+              </a:defRPr>
+            </a:defPPr>
+            <a:lvl1pPr marL="432000" lvl="0" indent="-324000">
+              <a:spcBef>
+                <a:spcPts val="0"/>
+              </a:spcBef>
+              <a:spcAft>
+                <a:spcPts val="1417"/>
+              </a:spcAft>
+              <a:buSzPct val="45000"/>
+              <a:buFont typeface="StarSymbol"/>
+              <a:buChar char="●"/>
+              <a:defRPr lang="en-GB" sz="3200" b="0" i="0" u="none" strike="noStrike" kern="1200">
+                <a:ln>
+                  <a:noFill/>
+                </a:ln>
+                <a:latin typeface="Arial" pitchFamily="18"/>
+                <a:ea typeface="Microsoft YaHei" pitchFamily="2"/>
+                <a:cs typeface="Mangal" pitchFamily="2"/>
+              </a:defRPr>
+            </a:lvl1pPr>
+            <a:lvl2pPr marL="864000" lvl="1" indent="-324000">
+              <a:spcBef>
+                <a:spcPts val="0"/>
+              </a:spcBef>
+              <a:spcAft>
+                <a:spcPts val="1134"/>
+              </a:spcAft>
+              <a:buSzPct val="75000"/>
+              <a:buFont typeface="StarSymbol"/>
+              <a:buChar char="–"/>
+              <a:defRPr lang="en-GB" sz="2800" b="0" i="0" u="none" strike="noStrike" kern="1200">
+                <a:ln>
+                  <a:noFill/>
+                </a:ln>
+                <a:latin typeface="Arial" pitchFamily="18"/>
+                <a:ea typeface="Microsoft YaHei" pitchFamily="2"/>
+                <a:cs typeface="Mangal" pitchFamily="2"/>
+              </a:defRPr>
+            </a:lvl2pPr>
+            <a:lvl3pPr marL="1295999" lvl="2" indent="-288000">
+              <a:spcBef>
+                <a:spcPts val="0"/>
+              </a:spcBef>
+              <a:spcAft>
+                <a:spcPts val="850"/>
+              </a:spcAft>
+              <a:buSzPct val="45000"/>
+              <a:buFont typeface="StarSymbol"/>
+              <a:buChar char="●"/>
+              <a:defRPr lang="en-GB" sz="2400" b="0" i="0" u="none" strike="noStrike" kern="1200">
+                <a:ln>
+                  <a:noFill/>
+                </a:ln>
+                <a:latin typeface="Arial" pitchFamily="18"/>
+                <a:ea typeface="Microsoft YaHei" pitchFamily="2"/>
+                <a:cs typeface="Mangal" pitchFamily="2"/>
+              </a:defRPr>
+            </a:lvl3pPr>
+            <a:lvl4pPr marL="1728000" lvl="3" indent="-216000">
+              <a:spcBef>
+                <a:spcPts val="0"/>
+              </a:spcBef>
+              <a:spcAft>
+                <a:spcPts val="567"/>
+              </a:spcAft>
+              <a:buSzPct val="75000"/>
+              <a:buFont typeface="StarSymbol"/>
+              <a:buChar char="–"/>
+              <a:defRPr lang="en-GB" sz="2000" b="0" i="0" u="none" strike="noStrike" kern="1200">
+                <a:ln>
+                  <a:noFill/>
+                </a:ln>
+                <a:latin typeface="Arial" pitchFamily="18"/>
+                <a:ea typeface="Microsoft YaHei" pitchFamily="2"/>
+                <a:cs typeface="Mangal" pitchFamily="2"/>
+              </a:defRPr>
+            </a:lvl4pPr>
+            <a:lvl5pPr marL="2160000" lvl="4" indent="-216000">
+              <a:spcBef>
+                <a:spcPts val="0"/>
+              </a:spcBef>
+              <a:spcAft>
+                <a:spcPts val="283"/>
+              </a:spcAft>
+              <a:buSzPct val="45000"/>
+              <a:buFont typeface="StarSymbol"/>
+              <a:buChar char="●"/>
+              <a:defRPr lang="en-GB" sz="2000" b="0" i="0" u="none" strike="noStrike" kern="1200">
+                <a:ln>
+                  <a:noFill/>
+                </a:ln>
+                <a:latin typeface="Arial" pitchFamily="18"/>
+                <a:ea typeface="Microsoft YaHei" pitchFamily="2"/>
+                <a:cs typeface="Mangal" pitchFamily="2"/>
+              </a:defRPr>
+            </a:lvl5pPr>
+            <a:lvl6pPr marL="2592000" lvl="5" indent="-216000">
+              <a:spcBef>
+                <a:spcPts val="0"/>
+              </a:spcBef>
+              <a:spcAft>
+                <a:spcPts val="283"/>
+              </a:spcAft>
+              <a:buSzPct val="45000"/>
+              <a:buFont typeface="StarSymbol"/>
+              <a:buChar char="●"/>
+              <a:defRPr lang="en-GB" sz="2000" b="0" i="0" u="none" strike="noStrike" kern="1200">
+                <a:ln>
+                  <a:noFill/>
+                </a:ln>
+                <a:latin typeface="Arial" pitchFamily="18"/>
+                <a:ea typeface="Microsoft YaHei" pitchFamily="2"/>
+                <a:cs typeface="Mangal" pitchFamily="2"/>
+              </a:defRPr>
+            </a:lvl6pPr>
+            <a:lvl7pPr marL="3024000" lvl="6" indent="-216000">
+              <a:spcBef>
+                <a:spcPts val="0"/>
+              </a:spcBef>
+              <a:spcAft>
+                <a:spcPts val="283"/>
+              </a:spcAft>
+              <a:buSzPct val="45000"/>
+              <a:buFont typeface="StarSymbol"/>
+              <a:buChar char="●"/>
+              <a:defRPr lang="en-GB" sz="2000" b="0" i="0" u="none" strike="noStrike" kern="1200">
+                <a:ln>
+                  <a:noFill/>
+                </a:ln>
+                <a:latin typeface="Arial" pitchFamily="18"/>
+                <a:ea typeface="Microsoft YaHei" pitchFamily="2"/>
+                <a:cs typeface="Mangal" pitchFamily="2"/>
+              </a:defRPr>
+            </a:lvl7pPr>
+            <a:lvl8pPr marL="3456000" lvl="7" indent="-216000">
+              <a:spcBef>
+                <a:spcPts val="0"/>
+              </a:spcBef>
+              <a:spcAft>
+                <a:spcPts val="283"/>
+              </a:spcAft>
+              <a:buSzPct val="45000"/>
+              <a:buFont typeface="StarSymbol"/>
+              <a:buChar char="●"/>
+              <a:defRPr lang="en-GB" sz="2000" b="0" i="0" u="none" strike="noStrike" kern="1200">
+                <a:ln>
+                  <a:noFill/>
+                </a:ln>
+                <a:latin typeface="Arial" pitchFamily="18"/>
+                <a:ea typeface="Microsoft YaHei" pitchFamily="2"/>
+                <a:cs typeface="Mangal" pitchFamily="2"/>
+              </a:defRPr>
+            </a:lvl8pPr>
+            <a:lvl9pPr marL="3887999" lvl="8" indent="-216000">
+              <a:spcBef>
+                <a:spcPts val="0"/>
+              </a:spcBef>
+              <a:spcAft>
+                <a:spcPts val="283"/>
+              </a:spcAft>
+              <a:buSzPct val="45000"/>
+              <a:buFont typeface="StarSymbol"/>
+              <a:buChar char="●"/>
+              <a:defRPr lang="en-GB" sz="2000" b="0" i="0" u="none" strike="noStrike" kern="1200">
+                <a:ln>
+                  <a:noFill/>
+                </a:ln>
+                <a:latin typeface="Arial" pitchFamily="18"/>
+                <a:ea typeface="Microsoft YaHei" pitchFamily="2"/>
+                <a:cs typeface="Mangal" pitchFamily="2"/>
+              </a:defRPr>
+            </a:lvl9pPr>
+          </a:lstStyle>
+          <a:p>
+            <a:pPr lvl="0"/>
+            <a:r>
+              <a:rPr lang="en-GB" dirty="0"/>
+              <a:t>Diabetes 130-US hospitals for years 1999-2008 Data Set</a:t>
+            </a:r>
+          </a:p>
+          <a:p>
+            <a:pPr lvl="0"/>
+            <a:endParaRPr lang="en-GB" dirty="0"/>
+          </a:p>
+          <a:p>
+            <a:pPr lvl="0"/>
+            <a:r>
+              <a:rPr lang="en-GB" dirty="0" err="1"/>
+              <a:t>Center</a:t>
+            </a:r>
+            <a:r>
+              <a:rPr lang="en-GB" dirty="0"/>
+              <a:t> for Clinical and Translational Research, Virginia Commonwealth University</a:t>
+            </a:r>
+          </a:p>
+          <a:p>
+            <a:pPr lvl="0"/>
+            <a:endParaRPr lang="en-GB" dirty="0"/>
+          </a:p>
+          <a:p>
+            <a:pPr lvl="0"/>
+            <a:r>
+              <a:rPr lang="en-GB" dirty="0"/>
+              <a:t>UCI Machine learning repository</a:t>
+            </a:r>
+          </a:p>
+          <a:p>
+            <a:pPr lvl="0"/>
+            <a:endParaRPr lang="en-GB" dirty="0"/>
+          </a:p>
+          <a:p>
+            <a:pPr lvl="0"/>
+            <a:r>
+              <a:rPr lang="en-GB" dirty="0"/>
+              <a:t>101766 observations, 55 features</a:t>
+            </a:r>
           </a:p>
         </p:txBody>
       </p:sp>
     </p:spTree>
-    <p:extLst>
-      <p:ext uri="{BB962C8B-B14F-4D97-AF65-F5344CB8AC3E}">
-        <p14:creationId xmlns:p14="http://schemas.microsoft.com/office/powerpoint/2010/main" val="951755795"/>
-      </p:ext>
-    </p:extLst>
   </p:cSld>
   <p:clrMapOvr>
     <a:masterClrMapping/>
   </p:clrMapOvr>
-</p:sld>
-</file>
-
-<file path=ppt/slides/slide2.xml><?xml version="1.0" encoding="utf-8"?>
-<p:sld xmlns:a="http://schemas.openxmlformats.org/drawingml/2006/main" xmlns:r="http://schemas.openxmlformats.org/officeDocument/2006/relationships" xmlns:p="http://schemas.openxmlformats.org/presentationml/2006/main">
-  <p:cSld>
-    <p:spTree>
-      <p:nvGrpSpPr>
-        <p:cNvPr id="1" name=""/>
-        <p:cNvGrpSpPr/>
-        <p:nvPr/>
-      </p:nvGrpSpPr>
-      <p:grpSpPr>
-        <a:xfrm>
-          <a:off x="0" y="0"/>
-          <a:ext cx="0" cy="0"/>
-          <a:chOff x="0" y="0"/>
-          <a:chExt cx="0" cy="0"/>
-        </a:xfrm>
-      </p:grpSpPr>
-      <p:sp>
-        <p:nvSpPr>
-          <p:cNvPr id="2" name="Title 1"/>
-          <p:cNvSpPr>
-            <a:spLocks noGrp="1"/>
-          </p:cNvSpPr>
-          <p:nvPr>
-            <p:ph type="title"/>
-          </p:nvPr>
-        </p:nvSpPr>
-        <p:spPr/>
-        <p:txBody>
-          <a:bodyPr/>
-          <a:lstStyle/>
-          <a:p>
-            <a:r>
-              <a:rPr lang="en-AU" dirty="0" smtClean="0"/>
-              <a:t>Problem / Background</a:t>
-            </a:r>
-            <a:endParaRPr lang="en-AU" dirty="0"/>
-          </a:p>
-        </p:txBody>
-      </p:sp>
-      <p:sp>
-        <p:nvSpPr>
-          <p:cNvPr id="3" name="Content Placeholder 2"/>
-          <p:cNvSpPr>
-            <a:spLocks noGrp="1"/>
-          </p:cNvSpPr>
-          <p:nvPr>
-            <p:ph idx="1"/>
-          </p:nvPr>
-        </p:nvSpPr>
-        <p:spPr/>
-        <p:txBody>
-          <a:bodyPr/>
-          <a:lstStyle/>
-          <a:p>
-            <a:r>
-              <a:rPr lang="en-AU" dirty="0" smtClean="0"/>
-              <a:t>What is readmission in hospitals?</a:t>
-            </a:r>
-          </a:p>
-          <a:p>
-            <a:r>
-              <a:rPr lang="en-AU" dirty="0" smtClean="0"/>
-              <a:t>What problems are caused due to readmissions?</a:t>
-            </a:r>
-            <a:endParaRPr lang="en-AU" dirty="0"/>
-          </a:p>
-        </p:txBody>
-      </p:sp>
-    </p:spTree>
-    <p:extLst>
-      <p:ext uri="{BB962C8B-B14F-4D97-AF65-F5344CB8AC3E}">
-        <p14:creationId xmlns:p14="http://schemas.microsoft.com/office/powerpoint/2010/main" val="4037261230"/>
-      </p:ext>
-    </p:extLst>
-  </p:cSld>
-  <p:clrMapOvr>
-    <a:masterClrMapping/>
-  </p:clrMapOvr>
-</p:sld>
-</file>
-
-<file path=ppt/slides/slide3.xml><?xml version="1.0" encoding="utf-8"?>
-<p:sld xmlns:a="http://schemas.openxmlformats.org/drawingml/2006/main" xmlns:r="http://schemas.openxmlformats.org/officeDocument/2006/relationships" xmlns:p="http://schemas.openxmlformats.org/presentationml/2006/main">
-  <p:cSld>
-    <p:spTree>
-      <p:nvGrpSpPr>
-        <p:cNvPr id="1" name=""/>
-        <p:cNvGrpSpPr/>
-        <p:nvPr/>
-      </p:nvGrpSpPr>
-      <p:grpSpPr>
-        <a:xfrm>
-          <a:off x="0" y="0"/>
-          <a:ext cx="0" cy="0"/>
-          <a:chOff x="0" y="0"/>
-          <a:chExt cx="0" cy="0"/>
-        </a:xfrm>
-      </p:grpSpPr>
-      <p:sp>
-        <p:nvSpPr>
-          <p:cNvPr id="2" name="Title 1"/>
-          <p:cNvSpPr>
-            <a:spLocks noGrp="1"/>
-          </p:cNvSpPr>
-          <p:nvPr>
-            <p:ph type="title"/>
-          </p:nvPr>
-        </p:nvSpPr>
-        <p:spPr/>
-        <p:txBody>
-          <a:bodyPr/>
-          <a:lstStyle/>
-          <a:p>
-            <a:r>
-              <a:rPr lang="en-AU" dirty="0" smtClean="0"/>
-              <a:t>Solution</a:t>
-            </a:r>
-            <a:endParaRPr lang="en-AU" dirty="0"/>
-          </a:p>
-        </p:txBody>
-      </p:sp>
-      <p:sp>
-        <p:nvSpPr>
-          <p:cNvPr id="3" name="Content Placeholder 2"/>
-          <p:cNvSpPr>
-            <a:spLocks noGrp="1"/>
-          </p:cNvSpPr>
-          <p:nvPr>
-            <p:ph idx="1"/>
-          </p:nvPr>
-        </p:nvSpPr>
-        <p:spPr/>
-        <p:txBody>
-          <a:bodyPr/>
-          <a:lstStyle/>
-          <a:p>
-            <a:r>
-              <a:rPr lang="en-AU" dirty="0" smtClean="0"/>
-              <a:t>How can predicting readmission of patients be helpful to solve problem?</a:t>
-            </a:r>
-            <a:endParaRPr lang="en-AU" dirty="0"/>
-          </a:p>
-        </p:txBody>
-      </p:sp>
-    </p:spTree>
-    <p:extLst>
-      <p:ext uri="{BB962C8B-B14F-4D97-AF65-F5344CB8AC3E}">
-        <p14:creationId xmlns:p14="http://schemas.microsoft.com/office/powerpoint/2010/main" val="1194358091"/>
-      </p:ext>
-    </p:extLst>
-  </p:cSld>
-  <p:clrMapOvr>
-    <a:masterClrMapping/>
-  </p:clrMapOvr>
-</p:sld>
-</file>
-
-<file path=ppt/slides/slide4.xml><?xml version="1.0" encoding="utf-8"?>
-<p:sld xmlns:a="http://schemas.openxmlformats.org/drawingml/2006/main" xmlns:r="http://schemas.openxmlformats.org/officeDocument/2006/relationships" xmlns:p="http://schemas.openxmlformats.org/presentationml/2006/main">
-  <p:cSld>
-    <p:spTree>
-      <p:nvGrpSpPr>
-        <p:cNvPr id="1" name=""/>
-        <p:cNvGrpSpPr/>
-        <p:nvPr/>
-      </p:nvGrpSpPr>
-      <p:grpSpPr>
-        <a:xfrm>
-          <a:off x="0" y="0"/>
-          <a:ext cx="0" cy="0"/>
-          <a:chOff x="0" y="0"/>
-          <a:chExt cx="0" cy="0"/>
-        </a:xfrm>
-      </p:grpSpPr>
-      <p:sp>
-        <p:nvSpPr>
-          <p:cNvPr id="2" name="Title 1"/>
-          <p:cNvSpPr>
-            <a:spLocks noGrp="1"/>
-          </p:cNvSpPr>
-          <p:nvPr>
-            <p:ph type="title"/>
-          </p:nvPr>
-        </p:nvSpPr>
-        <p:spPr/>
-        <p:txBody>
-          <a:bodyPr/>
-          <a:lstStyle/>
-          <a:p>
-            <a:r>
-              <a:rPr lang="en-AU" dirty="0" smtClean="0"/>
-              <a:t>Dataset</a:t>
-            </a:r>
-            <a:endParaRPr lang="en-AU" dirty="0"/>
-          </a:p>
-        </p:txBody>
-      </p:sp>
-      <p:sp>
-        <p:nvSpPr>
-          <p:cNvPr id="3" name="Content Placeholder 2"/>
-          <p:cNvSpPr>
-            <a:spLocks noGrp="1"/>
-          </p:cNvSpPr>
-          <p:nvPr>
-            <p:ph idx="1"/>
-          </p:nvPr>
-        </p:nvSpPr>
-        <p:spPr/>
-        <p:txBody>
-          <a:bodyPr/>
-          <a:lstStyle/>
-          <a:p>
-            <a:r>
-              <a:rPr lang="en-AU" dirty="0" smtClean="0"/>
-              <a:t>What dataset is about?</a:t>
-            </a:r>
-          </a:p>
-          <a:p>
-            <a:r>
-              <a:rPr lang="en-AU" dirty="0" smtClean="0"/>
-              <a:t>Where is it obtained from?</a:t>
-            </a:r>
-          </a:p>
-          <a:p>
-            <a:r>
-              <a:rPr lang="en-AU" dirty="0" smtClean="0"/>
-              <a:t># data points &amp; # features</a:t>
-            </a:r>
-            <a:endParaRPr lang="en-AU" dirty="0"/>
-          </a:p>
-        </p:txBody>
-      </p:sp>
-    </p:spTree>
-    <p:extLst>
-      <p:ext uri="{BB962C8B-B14F-4D97-AF65-F5344CB8AC3E}">
-        <p14:creationId xmlns:p14="http://schemas.microsoft.com/office/powerpoint/2010/main" val="2217356344"/>
-      </p:ext>
-    </p:extLst>
-  </p:cSld>
-  <p:clrMapOvr>
-    <a:masterClrMapping/>
-  </p:clrMapOvr>
+  <mc:AlternateContent xmlns:mc="http://schemas.openxmlformats.org/markup-compatibility/2006" xmlns:p14="http://schemas.microsoft.com/office/powerpoint/2010/main">
+    <mc:Choice Requires="p14">
+      <p:transition spd="slow" p14:dur="2000"/>
+    </mc:Choice>
+    <mc:Fallback xmlns="">
+      <p:transition spd="slow"/>
+    </mc:Fallback>
+  </mc:AlternateContent>
+  <p:timing>
+    <p:tnLst>
+      <p:par>
+        <p:cTn id="1" dur="indefinite" restart="never" nodeType="tmRoot"/>
+      </p:par>
+    </p:tnLst>
+  </p:timing>
 </p:sld>
 </file>
 
@@ -3711,9 +5917,12 @@
           <a:bodyPr/>
           <a:lstStyle/>
           <a:p>
+            <a:pPr>
+              <a:buNone/>
+            </a:pPr>
             <a:r>
               <a:rPr lang="en-AU" dirty="0" smtClean="0"/>
-              <a:t>Data preparation</a:t>
+              <a:t>Data exploration</a:t>
             </a:r>
             <a:endParaRPr lang="en-AU" dirty="0"/>
           </a:p>
@@ -3734,54 +5943,157 @@
           <a:bodyPr/>
           <a:lstStyle/>
           <a:p>
-            <a:r>
-              <a:rPr lang="en-AU" dirty="0" smtClean="0"/>
-              <a:t>Eliminating any non-required features</a:t>
-            </a:r>
-          </a:p>
-          <a:p>
-            <a:r>
-              <a:rPr lang="en-AU" dirty="0" smtClean="0"/>
-              <a:t>Numerical features</a:t>
-            </a:r>
-          </a:p>
-          <a:p>
-            <a:r>
-              <a:rPr lang="en-AU" dirty="0" smtClean="0"/>
-              <a:t>Nominal features</a:t>
-            </a:r>
-          </a:p>
-          <a:p>
-            <a:r>
-              <a:rPr lang="en-AU" dirty="0" smtClean="0"/>
-              <a:t>Transformations</a:t>
-            </a:r>
-          </a:p>
-          <a:p>
-            <a:r>
-              <a:rPr lang="en-AU" dirty="0" smtClean="0"/>
-              <a:t>Features selected for modelling</a:t>
-            </a:r>
             <a:endParaRPr lang="en-AU" dirty="0"/>
           </a:p>
         </p:txBody>
       </p:sp>
+      <p:pic>
+        <p:nvPicPr>
+          <p:cNvPr id="1026" name="Picture 2" descr="E:\Anushi\general_assembly\hospital_readmissions\patinets_per_age.png"/>
+          <p:cNvPicPr>
+            <a:picLocks noChangeAspect="1" noChangeArrowheads="1"/>
+          </p:cNvPicPr>
+          <p:nvPr/>
+        </p:nvPicPr>
+        <p:blipFill>
+          <a:blip r:embed="rId2">
+            <a:extLst>
+              <a:ext uri="{28A0092B-C50C-407E-A947-70E740481C1C}">
+                <a14:useLocalDpi xmlns:a14="http://schemas.microsoft.com/office/drawing/2010/main" val="0"/>
+              </a:ext>
+            </a:extLst>
+          </a:blip>
+          <a:srcRect/>
+          <a:stretch>
+            <a:fillRect/>
+          </a:stretch>
+        </p:blipFill>
+        <p:spPr bwMode="auto">
+          <a:xfrm>
+            <a:off x="620713" y="1695417"/>
+            <a:ext cx="3810000" cy="2540000"/>
+          </a:xfrm>
+          <a:prstGeom prst="rect">
+            <a:avLst/>
+          </a:prstGeom>
+          <a:noFill/>
+          <a:extLst>
+            <a:ext uri="{909E8E84-426E-40DD-AFC4-6F175D3DCCD1}">
+              <a14:hiddenFill xmlns:a14="http://schemas.microsoft.com/office/drawing/2010/main">
+                <a:solidFill>
+                  <a:srgbClr val="FFFFFF"/>
+                </a:solidFill>
+              </a14:hiddenFill>
+            </a:ext>
+          </a:extLst>
+        </p:spPr>
+      </p:pic>
+      <p:pic>
+        <p:nvPicPr>
+          <p:cNvPr id="1027" name="Picture 3" descr="E:\Anushi\general_assembly\hospital_readmissions\num_lab_procedures.png"/>
+          <p:cNvPicPr>
+            <a:picLocks noChangeAspect="1" noChangeArrowheads="1"/>
+          </p:cNvPicPr>
+          <p:nvPr/>
+        </p:nvPicPr>
+        <p:blipFill>
+          <a:blip r:embed="rId3">
+            <a:extLst>
+              <a:ext uri="{28A0092B-C50C-407E-A947-70E740481C1C}">
+                <a14:useLocalDpi xmlns:a14="http://schemas.microsoft.com/office/drawing/2010/main" val="0"/>
+              </a:ext>
+            </a:extLst>
+          </a:blip>
+          <a:srcRect/>
+          <a:stretch>
+            <a:fillRect/>
+          </a:stretch>
+        </p:blipFill>
+        <p:spPr bwMode="auto">
+          <a:xfrm>
+            <a:off x="5726112" y="1768474"/>
+            <a:ext cx="3810626" cy="2540417"/>
+          </a:xfrm>
+          <a:prstGeom prst="rect">
+            <a:avLst/>
+          </a:prstGeom>
+          <a:noFill/>
+          <a:extLst>
+            <a:ext uri="{909E8E84-426E-40DD-AFC4-6F175D3DCCD1}">
+              <a14:hiddenFill xmlns:a14="http://schemas.microsoft.com/office/drawing/2010/main">
+                <a:solidFill>
+                  <a:srgbClr val="FFFFFF"/>
+                </a:solidFill>
+              </a14:hiddenFill>
+            </a:ext>
+          </a:extLst>
+        </p:spPr>
+      </p:pic>
+      <p:pic>
+        <p:nvPicPr>
+          <p:cNvPr id="1028" name="Picture 4" descr="E:\Anushi\general_assembly\hospital_readmissions\lab_meds_scatter.png"/>
+          <p:cNvPicPr>
+            <a:picLocks noChangeAspect="1" noChangeArrowheads="1"/>
+          </p:cNvPicPr>
+          <p:nvPr/>
+        </p:nvPicPr>
+        <p:blipFill>
+          <a:blip r:embed="rId4">
+            <a:extLst>
+              <a:ext uri="{28A0092B-C50C-407E-A947-70E740481C1C}">
+                <a14:useLocalDpi xmlns:a14="http://schemas.microsoft.com/office/drawing/2010/main" val="0"/>
+              </a:ext>
+            </a:extLst>
+          </a:blip>
+          <a:srcRect/>
+          <a:stretch>
+            <a:fillRect/>
+          </a:stretch>
+        </p:blipFill>
+        <p:spPr bwMode="auto">
+          <a:xfrm>
+            <a:off x="2982912" y="4341923"/>
+            <a:ext cx="3657600" cy="2438400"/>
+          </a:xfrm>
+          <a:prstGeom prst="rect">
+            <a:avLst/>
+          </a:prstGeom>
+          <a:noFill/>
+          <a:extLst>
+            <a:ext uri="{909E8E84-426E-40DD-AFC4-6F175D3DCCD1}">
+              <a14:hiddenFill xmlns:a14="http://schemas.microsoft.com/office/drawing/2010/main">
+                <a:solidFill>
+                  <a:srgbClr val="FFFFFF"/>
+                </a:solidFill>
+              </a14:hiddenFill>
+            </a:ext>
+          </a:extLst>
+        </p:spPr>
+      </p:pic>
     </p:spTree>
     <p:extLst>
       <p:ext uri="{BB962C8B-B14F-4D97-AF65-F5344CB8AC3E}">
-        <p14:creationId xmlns:p14="http://schemas.microsoft.com/office/powerpoint/2010/main" val="2313791469"/>
+        <p14:creationId xmlns:p14="http://schemas.microsoft.com/office/powerpoint/2010/main" val="3710066483"/>
       </p:ext>
     </p:extLst>
   </p:cSld>
   <p:clrMapOvr>
     <a:masterClrMapping/>
   </p:clrMapOvr>
+  <mc:AlternateContent xmlns:mc="http://schemas.openxmlformats.org/markup-compatibility/2006" xmlns:p14="http://schemas.microsoft.com/office/powerpoint/2010/main">
+    <mc:Choice Requires="p14">
+      <p:transition spd="slow" p14:dur="2000"/>
+    </mc:Choice>
+    <mc:Fallback xmlns="">
+      <p:transition spd="slow"/>
+    </mc:Fallback>
+  </mc:AlternateContent>
 </p:sld>
 </file>
 
 <file path=ppt/slides/slide6.xml><?xml version="1.0" encoding="utf-8"?>
 <p:sld xmlns:a="http://schemas.openxmlformats.org/drawingml/2006/main" xmlns:r="http://schemas.openxmlformats.org/officeDocument/2006/relationships" xmlns:p="http://schemas.openxmlformats.org/presentationml/2006/main">
-  <p:cSld>
+  <p:cSld name="page4">
     <p:spTree>
       <p:nvGrpSpPr>
         <p:cNvPr id="1" name=""/>
@@ -3799,59 +6111,393 @@
       <p:sp>
         <p:nvSpPr>
           <p:cNvPr id="2" name="Title 1"/>
-          <p:cNvSpPr>
-            <a:spLocks noGrp="1"/>
-          </p:cNvSpPr>
-          <p:nvPr>
-            <p:ph type="title"/>
-          </p:nvPr>
-        </p:nvSpPr>
-        <p:spPr/>
+          <p:cNvSpPr txBox="1">
+            <a:spLocks noGrp="1"/>
+          </p:cNvSpPr>
+          <p:nvPr>
+            <p:ph type="title" idx="4294967295"/>
+          </p:nvPr>
+        </p:nvSpPr>
+        <p:spPr>
+          <a:xfrm>
+            <a:off x="544512" y="274637"/>
+            <a:ext cx="9071640" cy="1262160"/>
+          </a:xfrm>
+        </p:spPr>
         <p:txBody>
           <a:bodyPr/>
-          <a:lstStyle/>
-          <a:p>
-            <a:r>
-              <a:rPr lang="en-AU" dirty="0" smtClean="0"/>
-              <a:t>Data exploration - 1</a:t>
-            </a:r>
-            <a:endParaRPr lang="en-AU" dirty="0"/>
-          </a:p>
-        </p:txBody>
-      </p:sp>
-      <p:sp>
-        <p:nvSpPr>
-          <p:cNvPr id="3" name="Content Placeholder 2"/>
-          <p:cNvSpPr>
-            <a:spLocks noGrp="1"/>
-          </p:cNvSpPr>
-          <p:nvPr>
-            <p:ph idx="1"/>
-          </p:nvPr>
-        </p:nvSpPr>
-        <p:spPr/>
+          <a:lstStyle>
+            <a:defPPr lvl="0">
+              <a:buSzPct val="45000"/>
+              <a:buFont typeface="StarSymbol"/>
+              <a:buNone/>
+            </a:defPPr>
+            <a:lvl1pPr lvl="0">
+              <a:buSzPct val="45000"/>
+              <a:buFont typeface="StarSymbol"/>
+              <a:buChar char="●"/>
+            </a:lvl1pPr>
+            <a:lvl2pPr lvl="1">
+              <a:buSzPct val="45000"/>
+              <a:buFont typeface="StarSymbol"/>
+              <a:buChar char="●"/>
+            </a:lvl2pPr>
+            <a:lvl3pPr lvl="2">
+              <a:buSzPct val="45000"/>
+              <a:buFont typeface="StarSymbol"/>
+              <a:buChar char="●"/>
+            </a:lvl3pPr>
+            <a:lvl4pPr lvl="3">
+              <a:buSzPct val="45000"/>
+              <a:buFont typeface="StarSymbol"/>
+              <a:buChar char="●"/>
+            </a:lvl4pPr>
+            <a:lvl5pPr lvl="4">
+              <a:buSzPct val="45000"/>
+              <a:buFont typeface="StarSymbol"/>
+              <a:buChar char="●"/>
+            </a:lvl5pPr>
+            <a:lvl6pPr lvl="5">
+              <a:buSzPct val="45000"/>
+              <a:buFont typeface="StarSymbol"/>
+              <a:buChar char="●"/>
+            </a:lvl6pPr>
+            <a:lvl7pPr lvl="6">
+              <a:buSzPct val="45000"/>
+              <a:buFont typeface="StarSymbol"/>
+              <a:buChar char="●"/>
+            </a:lvl7pPr>
+            <a:lvl8pPr lvl="7">
+              <a:buSzPct val="45000"/>
+              <a:buFont typeface="StarSymbol"/>
+              <a:buChar char="●"/>
+            </a:lvl8pPr>
+            <a:lvl9pPr lvl="8">
+              <a:buSzPct val="45000"/>
+              <a:buFont typeface="StarSymbol"/>
+              <a:buChar char="●"/>
+            </a:lvl9pPr>
+          </a:lstStyle>
+          <a:p>
+            <a:pPr lvl="0">
+              <a:buNone/>
+            </a:pPr>
+            <a:r>
+              <a:rPr lang="en-GB" dirty="0"/>
+              <a:t>Data </a:t>
+            </a:r>
+            <a:r>
+              <a:rPr lang="en-GB" dirty="0" smtClean="0"/>
+              <a:t>pre-processing</a:t>
+            </a:r>
+            <a:endParaRPr lang="en-GB" dirty="0"/>
+          </a:p>
+        </p:txBody>
+      </p:sp>
+      <p:sp>
+        <p:nvSpPr>
+          <p:cNvPr id="3" name="Text Placeholder 2"/>
+          <p:cNvSpPr txBox="1">
+            <a:spLocks noGrp="1"/>
+          </p:cNvSpPr>
+          <p:nvPr>
+            <p:ph type="body" idx="4294967295"/>
+          </p:nvPr>
+        </p:nvSpPr>
+        <p:spPr>
+          <a:xfrm>
+            <a:off x="503999" y="1769040"/>
+            <a:ext cx="9000000" cy="5430960"/>
+          </a:xfrm>
+        </p:spPr>
         <p:txBody>
           <a:bodyPr/>
-          <a:lstStyle/>
-          <a:p>
-            <a:r>
-              <a:rPr lang="en-AU" dirty="0" smtClean="0"/>
-              <a:t>1 or 2 graphs of interesting features and their relationship</a:t>
-            </a:r>
-            <a:endParaRPr lang="en-AU" dirty="0"/>
+          <a:lstStyle>
+            <a:defPPr marL="432000" lvl="0" indent="-324000">
+              <a:spcBef>
+                <a:spcPts val="0"/>
+              </a:spcBef>
+              <a:spcAft>
+                <a:spcPts val="1417"/>
+              </a:spcAft>
+              <a:buSzPct val="45000"/>
+              <a:buFont typeface="StarSymbol"/>
+              <a:buNone/>
+              <a:defRPr lang="en-GB" sz="3200" b="0" i="0" u="none" strike="noStrike" kern="1200">
+                <a:ln>
+                  <a:noFill/>
+                </a:ln>
+                <a:latin typeface="Arial" pitchFamily="18"/>
+                <a:ea typeface="Microsoft YaHei" pitchFamily="2"/>
+                <a:cs typeface="Mangal" pitchFamily="2"/>
+              </a:defRPr>
+            </a:defPPr>
+            <a:lvl1pPr marL="432000" lvl="0" indent="-324000">
+              <a:spcBef>
+                <a:spcPts val="0"/>
+              </a:spcBef>
+              <a:spcAft>
+                <a:spcPts val="1417"/>
+              </a:spcAft>
+              <a:buSzPct val="45000"/>
+              <a:buFont typeface="StarSymbol"/>
+              <a:buChar char="●"/>
+              <a:defRPr lang="en-GB" sz="3200" b="0" i="0" u="none" strike="noStrike" kern="1200">
+                <a:ln>
+                  <a:noFill/>
+                </a:ln>
+                <a:latin typeface="Arial" pitchFamily="18"/>
+                <a:ea typeface="Microsoft YaHei" pitchFamily="2"/>
+                <a:cs typeface="Mangal" pitchFamily="2"/>
+              </a:defRPr>
+            </a:lvl1pPr>
+            <a:lvl2pPr marL="864000" lvl="1" indent="-324000">
+              <a:spcBef>
+                <a:spcPts val="0"/>
+              </a:spcBef>
+              <a:spcAft>
+                <a:spcPts val="1134"/>
+              </a:spcAft>
+              <a:buSzPct val="75000"/>
+              <a:buFont typeface="StarSymbol"/>
+              <a:buChar char="–"/>
+              <a:defRPr lang="en-GB" sz="2800" b="0" i="0" u="none" strike="noStrike" kern="1200">
+                <a:ln>
+                  <a:noFill/>
+                </a:ln>
+                <a:latin typeface="Arial" pitchFamily="18"/>
+                <a:ea typeface="Microsoft YaHei" pitchFamily="2"/>
+                <a:cs typeface="Mangal" pitchFamily="2"/>
+              </a:defRPr>
+            </a:lvl2pPr>
+            <a:lvl3pPr marL="1295999" lvl="2" indent="-288000">
+              <a:spcBef>
+                <a:spcPts val="0"/>
+              </a:spcBef>
+              <a:spcAft>
+                <a:spcPts val="850"/>
+              </a:spcAft>
+              <a:buSzPct val="45000"/>
+              <a:buFont typeface="StarSymbol"/>
+              <a:buChar char="●"/>
+              <a:defRPr lang="en-GB" sz="2400" b="0" i="0" u="none" strike="noStrike" kern="1200">
+                <a:ln>
+                  <a:noFill/>
+                </a:ln>
+                <a:latin typeface="Arial" pitchFamily="18"/>
+                <a:ea typeface="Microsoft YaHei" pitchFamily="2"/>
+                <a:cs typeface="Mangal" pitchFamily="2"/>
+              </a:defRPr>
+            </a:lvl3pPr>
+            <a:lvl4pPr marL="1728000" lvl="3" indent="-216000">
+              <a:spcBef>
+                <a:spcPts val="0"/>
+              </a:spcBef>
+              <a:spcAft>
+                <a:spcPts val="567"/>
+              </a:spcAft>
+              <a:buSzPct val="75000"/>
+              <a:buFont typeface="StarSymbol"/>
+              <a:buChar char="–"/>
+              <a:defRPr lang="en-GB" sz="2000" b="0" i="0" u="none" strike="noStrike" kern="1200">
+                <a:ln>
+                  <a:noFill/>
+                </a:ln>
+                <a:latin typeface="Arial" pitchFamily="18"/>
+                <a:ea typeface="Microsoft YaHei" pitchFamily="2"/>
+                <a:cs typeface="Mangal" pitchFamily="2"/>
+              </a:defRPr>
+            </a:lvl4pPr>
+            <a:lvl5pPr marL="2160000" lvl="4" indent="-216000">
+              <a:spcBef>
+                <a:spcPts val="0"/>
+              </a:spcBef>
+              <a:spcAft>
+                <a:spcPts val="283"/>
+              </a:spcAft>
+              <a:buSzPct val="45000"/>
+              <a:buFont typeface="StarSymbol"/>
+              <a:buChar char="●"/>
+              <a:defRPr lang="en-GB" sz="2000" b="0" i="0" u="none" strike="noStrike" kern="1200">
+                <a:ln>
+                  <a:noFill/>
+                </a:ln>
+                <a:latin typeface="Arial" pitchFamily="18"/>
+                <a:ea typeface="Microsoft YaHei" pitchFamily="2"/>
+                <a:cs typeface="Mangal" pitchFamily="2"/>
+              </a:defRPr>
+            </a:lvl5pPr>
+            <a:lvl6pPr marL="2592000" lvl="5" indent="-216000">
+              <a:spcBef>
+                <a:spcPts val="0"/>
+              </a:spcBef>
+              <a:spcAft>
+                <a:spcPts val="283"/>
+              </a:spcAft>
+              <a:buSzPct val="45000"/>
+              <a:buFont typeface="StarSymbol"/>
+              <a:buChar char="●"/>
+              <a:defRPr lang="en-GB" sz="2000" b="0" i="0" u="none" strike="noStrike" kern="1200">
+                <a:ln>
+                  <a:noFill/>
+                </a:ln>
+                <a:latin typeface="Arial" pitchFamily="18"/>
+                <a:ea typeface="Microsoft YaHei" pitchFamily="2"/>
+                <a:cs typeface="Mangal" pitchFamily="2"/>
+              </a:defRPr>
+            </a:lvl6pPr>
+            <a:lvl7pPr marL="3024000" lvl="6" indent="-216000">
+              <a:spcBef>
+                <a:spcPts val="0"/>
+              </a:spcBef>
+              <a:spcAft>
+                <a:spcPts val="283"/>
+              </a:spcAft>
+              <a:buSzPct val="45000"/>
+              <a:buFont typeface="StarSymbol"/>
+              <a:buChar char="●"/>
+              <a:defRPr lang="en-GB" sz="2000" b="0" i="0" u="none" strike="noStrike" kern="1200">
+                <a:ln>
+                  <a:noFill/>
+                </a:ln>
+                <a:latin typeface="Arial" pitchFamily="18"/>
+                <a:ea typeface="Microsoft YaHei" pitchFamily="2"/>
+                <a:cs typeface="Mangal" pitchFamily="2"/>
+              </a:defRPr>
+            </a:lvl7pPr>
+            <a:lvl8pPr marL="3456000" lvl="7" indent="-216000">
+              <a:spcBef>
+                <a:spcPts val="0"/>
+              </a:spcBef>
+              <a:spcAft>
+                <a:spcPts val="283"/>
+              </a:spcAft>
+              <a:buSzPct val="45000"/>
+              <a:buFont typeface="StarSymbol"/>
+              <a:buChar char="●"/>
+              <a:defRPr lang="en-GB" sz="2000" b="0" i="0" u="none" strike="noStrike" kern="1200">
+                <a:ln>
+                  <a:noFill/>
+                </a:ln>
+                <a:latin typeface="Arial" pitchFamily="18"/>
+                <a:ea typeface="Microsoft YaHei" pitchFamily="2"/>
+                <a:cs typeface="Mangal" pitchFamily="2"/>
+              </a:defRPr>
+            </a:lvl8pPr>
+            <a:lvl9pPr marL="3887999" lvl="8" indent="-216000">
+              <a:spcBef>
+                <a:spcPts val="0"/>
+              </a:spcBef>
+              <a:spcAft>
+                <a:spcPts val="283"/>
+              </a:spcAft>
+              <a:buSzPct val="45000"/>
+              <a:buFont typeface="StarSymbol"/>
+              <a:buChar char="●"/>
+              <a:defRPr lang="en-GB" sz="2000" b="0" i="0" u="none" strike="noStrike" kern="1200">
+                <a:ln>
+                  <a:noFill/>
+                </a:ln>
+                <a:latin typeface="Arial" pitchFamily="18"/>
+                <a:ea typeface="Microsoft YaHei" pitchFamily="2"/>
+                <a:cs typeface="Mangal" pitchFamily="2"/>
+              </a:defRPr>
+            </a:lvl9pPr>
+          </a:lstStyle>
+          <a:p>
+            <a:pPr lvl="0"/>
+            <a:r>
+              <a:rPr lang="en-GB" dirty="0"/>
+              <a:t>Drop :</a:t>
+            </a:r>
+          </a:p>
+          <a:p>
+            <a:pPr lvl="2" rtl="0" hangingPunct="0"/>
+            <a:r>
+              <a:rPr lang="en-GB" dirty="0"/>
+              <a:t>irrelevant columns (</a:t>
+            </a:r>
+            <a:r>
+              <a:rPr lang="en-GB" dirty="0" err="1"/>
+              <a:t>Payer_code</a:t>
+            </a:r>
+            <a:r>
+              <a:rPr lang="en-GB" dirty="0"/>
+              <a:t>)</a:t>
+            </a:r>
+          </a:p>
+          <a:p>
+            <a:pPr lvl="2" rtl="0" hangingPunct="0"/>
+            <a:r>
+              <a:rPr lang="en-GB" dirty="0"/>
+              <a:t>features with high % of missing values : weight (97%), </a:t>
+            </a:r>
+            <a:r>
+              <a:rPr lang="en-GB" dirty="0" err="1"/>
+              <a:t>medical_speciality</a:t>
+            </a:r>
+            <a:r>
+              <a:rPr lang="en-GB" dirty="0"/>
+              <a:t> (50%)</a:t>
+            </a:r>
+          </a:p>
+          <a:p>
+            <a:pPr lvl="2" rtl="0" hangingPunct="0"/>
+            <a:r>
+              <a:rPr lang="en-GB" dirty="0"/>
+              <a:t>rows with missing values.</a:t>
+            </a:r>
+          </a:p>
+          <a:p>
+            <a:pPr lvl="0"/>
+            <a:r>
+              <a:rPr lang="en-GB" dirty="0"/>
+              <a:t>Transformation of categorical features</a:t>
+            </a:r>
+          </a:p>
+          <a:p>
+            <a:pPr lvl="0"/>
+            <a:r>
+              <a:rPr lang="en-GB" dirty="0"/>
+              <a:t>Use only first hospitalization per patient</a:t>
+            </a:r>
+          </a:p>
+          <a:p>
+            <a:pPr lvl="0"/>
+            <a:r>
+              <a:rPr lang="en-GB" dirty="0"/>
+              <a:t>Simplified goal (Balance distribution of classes)</a:t>
+            </a:r>
+          </a:p>
+          <a:p>
+            <a:pPr lvl="1" rtl="0" hangingPunct="0"/>
+            <a:r>
+              <a:rPr lang="en-GB" dirty="0"/>
+              <a:t>Predict whether a patient would be ever readmitted?</a:t>
+            </a:r>
           </a:p>
         </p:txBody>
       </p:sp>
     </p:spTree>
-    <p:extLst>
-      <p:ext uri="{BB962C8B-B14F-4D97-AF65-F5344CB8AC3E}">
-        <p14:creationId xmlns:p14="http://schemas.microsoft.com/office/powerpoint/2010/main" val="2284277840"/>
-      </p:ext>
-    </p:extLst>
   </p:cSld>
   <p:clrMapOvr>
     <a:masterClrMapping/>
   </p:clrMapOvr>
+  <mc:AlternateContent xmlns:mc="http://schemas.openxmlformats.org/markup-compatibility/2006" xmlns:p14="http://schemas.microsoft.com/office/powerpoint/2010/main">
+    <mc:Choice Requires="p14">
+      <p:transition spd="slow" p14:dur="2000"/>
+    </mc:Choice>
+    <mc:Fallback xmlns="">
+      <p:transition spd="slow"/>
+    </mc:Fallback>
+  </mc:AlternateContent>
+  <p:timing>
+    <p:tnLst>
+      <p:par>
+        <p:cTn id="1" dur="indefinite" restart="never" nodeType="tmRoot"/>
+      </p:par>
+    </p:tnLst>
+  </p:timing>
 </p:sld>
 </file>
 
@@ -3887,11 +6533,14 @@
           <a:bodyPr/>
           <a:lstStyle/>
           <a:p>
-            <a:r>
-              <a:rPr lang="en-AU" dirty="0" smtClean="0"/>
-              <a:t>Data exploration - 2</a:t>
-            </a:r>
-            <a:endParaRPr lang="en-AU" dirty="0"/>
+            <a:pPr>
+              <a:buNone/>
+            </a:pPr>
+            <a:r>
+              <a:rPr lang="en-US" dirty="0" smtClean="0"/>
+              <a:t>Modelling Techniques</a:t>
+            </a:r>
+            <a:endParaRPr lang="en-US" dirty="0"/>
           </a:p>
         </p:txBody>
       </p:sp>
@@ -3905,34 +6554,173 @@
             <p:ph idx="1"/>
           </p:nvPr>
         </p:nvSpPr>
-        <p:spPr/>
+        <p:spPr>
+          <a:xfrm>
+            <a:off x="503999" y="1769039"/>
+            <a:ext cx="9071640" cy="5515998"/>
+          </a:xfrm>
+        </p:spPr>
         <p:txBody>
           <a:bodyPr/>
           <a:lstStyle/>
           <a:p>
-            <a:r>
-              <a:rPr lang="en-AU" dirty="0" smtClean="0"/>
-              <a:t>1 or 2 graphs of interesting features and their relationship</a:t>
-            </a:r>
-          </a:p>
-          <a:p>
-            <a:pPr marL="0" indent="0">
+            <a:pPr marL="0" indent="0" algn="l">
               <a:buNone/>
             </a:pPr>
-            <a:endParaRPr lang="en-AU" dirty="0"/>
+            <a:r>
+              <a:rPr lang="en-GB" dirty="0" smtClean="0"/>
+              <a:t>Total sample size </a:t>
+            </a:r>
+            <a:r>
+              <a:rPr lang="en-GB" dirty="0" smtClean="0"/>
+              <a:t>: 71518</a:t>
+            </a:r>
+            <a:endParaRPr lang="en-GB" dirty="0" smtClean="0"/>
+          </a:p>
+          <a:p>
+            <a:pPr marL="0" lvl="0" indent="0" algn="l">
+              <a:buNone/>
+            </a:pPr>
+            <a:r>
+              <a:rPr lang="en-GB" dirty="0" smtClean="0"/>
+              <a:t>Features </a:t>
+            </a:r>
+            <a:r>
+              <a:rPr lang="en-GB" dirty="0" smtClean="0"/>
+              <a:t>:</a:t>
+            </a:r>
+          </a:p>
+          <a:p>
+            <a:pPr marL="0" lvl="0" indent="0" algn="l">
+              <a:buNone/>
+            </a:pPr>
+            <a:r>
+              <a:rPr lang="en-GB" dirty="0" smtClean="0"/>
+              <a:t>Split data set : Training(80%), Test(20%)</a:t>
+            </a:r>
+            <a:endParaRPr lang="en-GB" dirty="0" smtClean="0"/>
+          </a:p>
+          <a:p>
+            <a:pPr marL="0" lvl="0" indent="0" algn="l">
+              <a:buNone/>
+            </a:pPr>
+            <a:r>
+              <a:rPr lang="en-GB" dirty="0" smtClean="0"/>
+              <a:t>Target/Outcome : Readmitted (1/0)</a:t>
+            </a:r>
+          </a:p>
+          <a:p>
+            <a:pPr marL="0" lvl="0" indent="0" algn="l">
+              <a:buNone/>
+            </a:pPr>
+            <a:r>
+              <a:rPr lang="en-GB" dirty="0" smtClean="0"/>
+              <a:t>Models :</a:t>
+            </a:r>
+            <a:endParaRPr lang="en-GB" dirty="0"/>
+          </a:p>
+          <a:p>
+            <a:pPr marL="0" lvl="0" indent="0" algn="l">
+              <a:buNone/>
+            </a:pPr>
+            <a:r>
+              <a:rPr lang="en-GB" sz="2000" dirty="0" smtClean="0"/>
+              <a:t>	</a:t>
+            </a:r>
+            <a:r>
+              <a:rPr lang="en-GB" sz="2000" dirty="0" smtClean="0"/>
+              <a:t>- </a:t>
+            </a:r>
+            <a:r>
+              <a:rPr lang="en-GB" sz="2000" dirty="0" smtClean="0"/>
+              <a:t>Logistic regression</a:t>
+            </a:r>
+          </a:p>
+          <a:p>
+            <a:pPr marL="0" lvl="0" indent="0" algn="l">
+              <a:buNone/>
+            </a:pPr>
+            <a:r>
+              <a:rPr lang="en-GB" sz="2000" dirty="0" smtClean="0"/>
+              <a:t>	- Regularized logistic regression</a:t>
+            </a:r>
+          </a:p>
+          <a:p>
+            <a:pPr marL="0" lvl="0" indent="0" algn="l">
+              <a:buNone/>
+            </a:pPr>
+            <a:r>
+              <a:rPr lang="en-GB" sz="2000" dirty="0" smtClean="0"/>
+              <a:t>	- Decision trees</a:t>
+            </a:r>
+          </a:p>
+          <a:p>
+            <a:pPr marL="0" lvl="0" indent="0" algn="l">
+              <a:buNone/>
+            </a:pPr>
+            <a:r>
+              <a:rPr lang="en-GB" sz="2000" dirty="0" smtClean="0"/>
+              <a:t>	- Random </a:t>
+            </a:r>
+            <a:r>
+              <a:rPr lang="en-GB" sz="2000" dirty="0" smtClean="0"/>
+              <a:t>Forest</a:t>
+            </a:r>
+          </a:p>
+          <a:p>
+            <a:pPr marL="0" lvl="0" indent="0" algn="l">
+              <a:buNone/>
+            </a:pPr>
+            <a:r>
+              <a:rPr lang="en-GB" sz="2000" dirty="0"/>
+              <a:t>	</a:t>
+            </a:r>
+            <a:r>
+              <a:rPr lang="en-GB" sz="2000" dirty="0" smtClean="0"/>
+              <a:t>- </a:t>
+            </a:r>
+            <a:r>
+              <a:rPr lang="en-GB" sz="2000" dirty="0" err="1" smtClean="0"/>
+              <a:t>Xgboost</a:t>
+            </a:r>
+            <a:endParaRPr lang="en-GB" sz="2000" dirty="0" smtClean="0"/>
+          </a:p>
+          <a:p>
+            <a:pPr marL="0" lvl="0" indent="0" algn="l">
+              <a:buNone/>
+            </a:pPr>
+            <a:endParaRPr lang="en-GB" sz="2400" dirty="0" smtClean="0"/>
+          </a:p>
+          <a:p>
+            <a:endParaRPr lang="en-US" dirty="0"/>
           </a:p>
         </p:txBody>
       </p:sp>
     </p:spTree>
     <p:extLst>
       <p:ext uri="{BB962C8B-B14F-4D97-AF65-F5344CB8AC3E}">
-        <p14:creationId xmlns:p14="http://schemas.microsoft.com/office/powerpoint/2010/main" val="258935072"/>
+        <p14:creationId xmlns:p14="http://schemas.microsoft.com/office/powerpoint/2010/main" val="1750065738"/>
       </p:ext>
     </p:extLst>
   </p:cSld>
   <p:clrMapOvr>
     <a:masterClrMapping/>
   </p:clrMapOvr>
+  <mc:AlternateContent xmlns:mc="http://schemas.openxmlformats.org/markup-compatibility/2006" xmlns:p14="http://schemas.microsoft.com/office/powerpoint/2010/main">
+    <mc:Choice Requires="p14">
+      <p:transition spd="slow" p14:dur="2000"/>
+    </mc:Choice>
+    <mc:Fallback xmlns="">
+      <p:transition spd="slow"/>
+    </mc:Fallback>
+  </mc:AlternateContent>
+  <p:timing>
+    <p:tnLst>
+      <p:par>
+        <p:cTn id="1" dur="indefinite" restart="never" nodeType="tmRoot"/>
+      </p:par>
+    </p:tnLst>
+  </p:timing>
 </p:sld>
 </file>
 
@@ -3955,7 +6743,7 @@
       </p:grpSpPr>
       <p:sp>
         <p:nvSpPr>
-          <p:cNvPr id="2" name="Title 1"/>
+          <p:cNvPr id="4" name="Title 3"/>
           <p:cNvSpPr>
             <a:spLocks noGrp="1"/>
           </p:cNvSpPr>
@@ -3968,49 +6756,345 @@
           <a:bodyPr/>
           <a:lstStyle/>
           <a:p>
+            <a:pPr>
+              <a:buNone/>
+            </a:pPr>
             <a:r>
               <a:rPr lang="en-AU" dirty="0" smtClean="0"/>
-              <a:t>Modelling techniques</a:t>
+              <a:t>Results</a:t>
             </a:r>
             <a:endParaRPr lang="en-AU" dirty="0"/>
           </a:p>
         </p:txBody>
       </p:sp>
-      <p:sp>
-        <p:nvSpPr>
-          <p:cNvPr id="3" name="Content Placeholder 2"/>
-          <p:cNvSpPr>
-            <a:spLocks noGrp="1"/>
-          </p:cNvSpPr>
+      <p:graphicFrame>
+        <p:nvGraphicFramePr>
+          <p:cNvPr id="6" name="Content Placeholder 5"/>
+          <p:cNvGraphicFramePr>
+            <a:graphicFrameLocks noGrp="1"/>
+          </p:cNvGraphicFramePr>
           <p:nvPr>
             <p:ph idx="1"/>
-          </p:nvPr>
-        </p:nvSpPr>
-        <p:spPr/>
-        <p:txBody>
-          <a:bodyPr/>
+            <p:extLst>
+              <p:ext uri="{D42A27DB-BD31-4B8C-83A1-F6EECF244321}">
+                <p14:modId xmlns:p14="http://schemas.microsoft.com/office/powerpoint/2010/main" val="2048282890"/>
+              </p:ext>
+            </p:extLst>
+          </p:nvPr>
+        </p:nvGraphicFramePr>
+        <p:xfrm>
+          <a:off x="503238" y="1768475"/>
+          <a:ext cx="9072561" cy="2225040"/>
+        </p:xfrm>
+        <a:graphic>
+          <a:graphicData uri="http://schemas.openxmlformats.org/drawingml/2006/table">
+            <a:tbl>
+              <a:tblPr firstRow="1" bandRow="1">
+                <a:tableStyleId>{5C22544A-7EE6-4342-B048-85BDC9FD1C3A}</a:tableStyleId>
+              </a:tblPr>
+              <a:tblGrid>
+                <a:gridCol w="3317874"/>
+                <a:gridCol w="2730500"/>
+                <a:gridCol w="3024187"/>
+              </a:tblGrid>
+              <a:tr h="370840">
+                <a:tc>
+                  <a:txBody>
+                    <a:bodyPr/>
+                    <a:lstStyle/>
+                    <a:p>
+                      <a:r>
+                        <a:rPr lang="en-AU" dirty="0" smtClean="0"/>
+                        <a:t>Classifier</a:t>
+                      </a:r>
+                      <a:endParaRPr lang="en-AU" dirty="0"/>
+                    </a:p>
+                  </a:txBody>
+                  <a:tcPr/>
+                </a:tc>
+                <a:tc>
+                  <a:txBody>
+                    <a:bodyPr/>
+                    <a:lstStyle/>
+                    <a:p>
+                      <a:r>
+                        <a:rPr lang="en-AU" dirty="0" smtClean="0"/>
+                        <a:t>Accuracy</a:t>
+                      </a:r>
+                      <a:endParaRPr lang="en-AU" dirty="0"/>
+                    </a:p>
+                  </a:txBody>
+                  <a:tcPr/>
+                </a:tc>
+                <a:tc>
+                  <a:txBody>
+                    <a:bodyPr/>
+                    <a:lstStyle/>
+                    <a:p>
+                      <a:r>
+                        <a:rPr lang="en-AU" dirty="0" smtClean="0"/>
+                        <a:t>AUC</a:t>
+                      </a:r>
+                      <a:endParaRPr lang="en-AU" dirty="0"/>
+                    </a:p>
+                  </a:txBody>
+                  <a:tcPr/>
+                </a:tc>
+              </a:tr>
+              <a:tr h="370840">
+                <a:tc>
+                  <a:txBody>
+                    <a:bodyPr/>
+                    <a:lstStyle/>
+                    <a:p>
+                      <a:r>
+                        <a:rPr lang="en-AU" dirty="0" smtClean="0"/>
+                        <a:t>Logistic regression</a:t>
+                      </a:r>
+                      <a:endParaRPr lang="en-AU" dirty="0"/>
+                    </a:p>
+                  </a:txBody>
+                  <a:tcPr/>
+                </a:tc>
+                <a:tc>
+                  <a:txBody>
+                    <a:bodyPr/>
+                    <a:lstStyle/>
+                    <a:p>
+                      <a:endParaRPr lang="en-AU"/>
+                    </a:p>
+                  </a:txBody>
+                  <a:tcPr/>
+                </a:tc>
+                <a:tc>
+                  <a:txBody>
+                    <a:bodyPr/>
+                    <a:lstStyle/>
+                    <a:p>
+                      <a:endParaRPr lang="en-AU"/>
+                    </a:p>
+                  </a:txBody>
+                  <a:tcPr/>
+                </a:tc>
+              </a:tr>
+              <a:tr h="370840">
+                <a:tc>
+                  <a:txBody>
+                    <a:bodyPr/>
+                    <a:lstStyle/>
+                    <a:p>
+                      <a:pPr marL="0" marR="0" indent="0" defTabSz="914400" eaLnBrk="1" fontAlgn="auto" latinLnBrk="0" hangingPunct="1">
+                        <a:lnSpc>
+                          <a:spcPct val="100000"/>
+                        </a:lnSpc>
+                        <a:spcBef>
+                          <a:spcPts val="0"/>
+                        </a:spcBef>
+                        <a:spcAft>
+                          <a:spcPts val="0"/>
+                        </a:spcAft>
+                        <a:buClrTx/>
+                        <a:buSzTx/>
+                        <a:buFontTx/>
+                        <a:buNone/>
+                        <a:tabLst/>
+                        <a:defRPr/>
+                      </a:pPr>
+                      <a:r>
+                        <a:rPr lang="en-AU" dirty="0" smtClean="0"/>
+                        <a:t>Regularized Logistic regression</a:t>
+                      </a:r>
+                    </a:p>
+                  </a:txBody>
+                  <a:tcPr/>
+                </a:tc>
+                <a:tc>
+                  <a:txBody>
+                    <a:bodyPr/>
+                    <a:lstStyle/>
+                    <a:p>
+                      <a:endParaRPr lang="en-AU"/>
+                    </a:p>
+                  </a:txBody>
+                  <a:tcPr/>
+                </a:tc>
+                <a:tc>
+                  <a:txBody>
+                    <a:bodyPr/>
+                    <a:lstStyle/>
+                    <a:p>
+                      <a:endParaRPr lang="en-AU" dirty="0"/>
+                    </a:p>
+                  </a:txBody>
+                  <a:tcPr/>
+                </a:tc>
+              </a:tr>
+              <a:tr h="370840">
+                <a:tc>
+                  <a:txBody>
+                    <a:bodyPr/>
+                    <a:lstStyle/>
+                    <a:p>
+                      <a:r>
+                        <a:rPr lang="en-AU" dirty="0" smtClean="0"/>
+                        <a:t>Decision Trees</a:t>
+                      </a:r>
+                      <a:endParaRPr lang="en-AU" dirty="0"/>
+                    </a:p>
+                  </a:txBody>
+                  <a:tcPr/>
+                </a:tc>
+                <a:tc>
+                  <a:txBody>
+                    <a:bodyPr/>
+                    <a:lstStyle/>
+                    <a:p>
+                      <a:endParaRPr lang="en-AU"/>
+                    </a:p>
+                  </a:txBody>
+                  <a:tcPr/>
+                </a:tc>
+                <a:tc>
+                  <a:txBody>
+                    <a:bodyPr/>
+                    <a:lstStyle/>
+                    <a:p>
+                      <a:endParaRPr lang="en-AU"/>
+                    </a:p>
+                  </a:txBody>
+                  <a:tcPr/>
+                </a:tc>
+              </a:tr>
+              <a:tr h="370840">
+                <a:tc>
+                  <a:txBody>
+                    <a:bodyPr/>
+                    <a:lstStyle/>
+                    <a:p>
+                      <a:r>
+                        <a:rPr lang="en-AU" dirty="0" smtClean="0"/>
+                        <a:t>Random Forest</a:t>
+                      </a:r>
+                      <a:endParaRPr lang="en-AU" dirty="0"/>
+                    </a:p>
+                  </a:txBody>
+                  <a:tcPr/>
+                </a:tc>
+                <a:tc>
+                  <a:txBody>
+                    <a:bodyPr/>
+                    <a:lstStyle/>
+                    <a:p>
+                      <a:endParaRPr lang="en-AU"/>
+                    </a:p>
+                  </a:txBody>
+                  <a:tcPr/>
+                </a:tc>
+                <a:tc>
+                  <a:txBody>
+                    <a:bodyPr/>
+                    <a:lstStyle/>
+                    <a:p>
+                      <a:endParaRPr lang="en-AU" dirty="0"/>
+                    </a:p>
+                  </a:txBody>
+                  <a:tcPr/>
+                </a:tc>
+              </a:tr>
+              <a:tr h="370840">
+                <a:tc>
+                  <a:txBody>
+                    <a:bodyPr/>
+                    <a:lstStyle/>
+                    <a:p>
+                      <a:r>
+                        <a:rPr lang="en-AU" dirty="0" err="1" smtClean="0"/>
+                        <a:t>Xgboost</a:t>
+                      </a:r>
+                      <a:endParaRPr lang="en-AU" dirty="0"/>
+                    </a:p>
+                  </a:txBody>
+                  <a:tcPr/>
+                </a:tc>
+                <a:tc>
+                  <a:txBody>
+                    <a:bodyPr/>
+                    <a:lstStyle/>
+                    <a:p>
+                      <a:endParaRPr lang="en-AU"/>
+                    </a:p>
+                  </a:txBody>
+                  <a:tcPr/>
+                </a:tc>
+                <a:tc>
+                  <a:txBody>
+                    <a:bodyPr/>
+                    <a:lstStyle/>
+                    <a:p>
+                      <a:endParaRPr lang="en-AU" dirty="0"/>
+                    </a:p>
+                  </a:txBody>
+                  <a:tcPr/>
+                </a:tc>
+              </a:tr>
+            </a:tbl>
+          </a:graphicData>
+        </a:graphic>
+      </p:graphicFrame>
+      <p:sp>
+        <p:nvSpPr>
+          <p:cNvPr id="7" name="TextBox 6"/>
+          <p:cNvSpPr txBox="1"/>
+          <p:nvPr/>
+        </p:nvSpPr>
+        <p:spPr>
+          <a:xfrm>
+            <a:off x="3744912" y="4839442"/>
+            <a:ext cx="1672509" cy="369332"/>
+          </a:xfrm>
+          <a:prstGeom prst="rect">
+            <a:avLst/>
+          </a:prstGeom>
+          <a:noFill/>
+        </p:spPr>
+        <p:txBody>
+          <a:bodyPr wrap="none" rtlCol="0">
+            <a:spAutoFit/>
+          </a:bodyPr>
           <a:lstStyle/>
           <a:p>
-            <a:endParaRPr lang="en-AU"/>
+            <a:r>
+              <a:rPr lang="en-AU" dirty="0" smtClean="0"/>
+              <a:t>Add Graph here</a:t>
+            </a:r>
+            <a:endParaRPr lang="en-AU" dirty="0"/>
           </a:p>
         </p:txBody>
       </p:sp>
     </p:spTree>
     <p:extLst>
       <p:ext uri="{BB962C8B-B14F-4D97-AF65-F5344CB8AC3E}">
-        <p14:creationId xmlns:p14="http://schemas.microsoft.com/office/powerpoint/2010/main" val="1743158418"/>
+        <p14:creationId xmlns:p14="http://schemas.microsoft.com/office/powerpoint/2010/main" val="2397503289"/>
       </p:ext>
     </p:extLst>
   </p:cSld>
   <p:clrMapOvr>
     <a:masterClrMapping/>
   </p:clrMapOvr>
+  <mc:AlternateContent xmlns:mc="http://schemas.openxmlformats.org/markup-compatibility/2006" xmlns:p14="http://schemas.microsoft.com/office/powerpoint/2010/main">
+    <mc:Choice Requires="p14">
+      <p:transition spd="slow" p14:dur="2000"/>
+    </mc:Choice>
+    <mc:Fallback xmlns="">
+      <p:transition spd="slow"/>
+    </mc:Fallback>
+  </mc:AlternateContent>
 </p:sld>
 </file>
 
 <file path=ppt/slides/slide9.xml><?xml version="1.0" encoding="utf-8"?>
 <p:sld xmlns:a="http://schemas.openxmlformats.org/drawingml/2006/main" xmlns:r="http://schemas.openxmlformats.org/officeDocument/2006/relationships" xmlns:p="http://schemas.openxmlformats.org/presentationml/2006/main">
-  <p:cSld>
+  <p:cSld name="page6">
     <p:spTree>
       <p:nvGrpSpPr>
         <p:cNvPr id="1" name=""/>
@@ -4027,75 +7111,1119 @@
       </p:grpSpPr>
       <p:sp>
         <p:nvSpPr>
-          <p:cNvPr id="2" name="Title 1"/>
-          <p:cNvSpPr>
-            <a:spLocks noGrp="1"/>
-          </p:cNvSpPr>
-          <p:nvPr>
-            <p:ph type="title"/>
-          </p:nvPr>
-        </p:nvSpPr>
-        <p:spPr/>
+          <p:cNvPr id="2" name="Text Placeholder 1"/>
+          <p:cNvSpPr txBox="1">
+            <a:spLocks noGrp="1"/>
+          </p:cNvSpPr>
+          <p:nvPr>
+            <p:ph type="body" idx="4294967295"/>
+          </p:nvPr>
+        </p:nvSpPr>
+        <p:spPr>
+          <a:xfrm>
+            <a:off x="503999" y="576000"/>
+            <a:ext cx="4426560" cy="6182280"/>
+          </a:xfrm>
+        </p:spPr>
         <p:txBody>
           <a:bodyPr/>
-          <a:lstStyle/>
-          <a:p>
-            <a:r>
-              <a:rPr lang="en-AU" dirty="0" smtClean="0"/>
-              <a:t>Results - 1</a:t>
-            </a:r>
-            <a:endParaRPr lang="en-AU" dirty="0"/>
-          </a:p>
-        </p:txBody>
-      </p:sp>
-      <p:sp>
-        <p:nvSpPr>
-          <p:cNvPr id="3" name="Content Placeholder 2"/>
-          <p:cNvSpPr>
-            <a:spLocks noGrp="1"/>
-          </p:cNvSpPr>
-          <p:nvPr>
-            <p:ph idx="1"/>
-          </p:nvPr>
-        </p:nvSpPr>
-        <p:spPr/>
+          <a:lstStyle>
+            <a:defPPr marL="432000" lvl="0" indent="-324000">
+              <a:spcBef>
+                <a:spcPts val="0"/>
+              </a:spcBef>
+              <a:spcAft>
+                <a:spcPts val="1417"/>
+              </a:spcAft>
+              <a:buSzPct val="45000"/>
+              <a:buFont typeface="StarSymbol"/>
+              <a:buNone/>
+              <a:defRPr lang="en-GB" sz="3200" b="0" i="0" u="none" strike="noStrike" kern="1200">
+                <a:ln>
+                  <a:noFill/>
+                </a:ln>
+                <a:latin typeface="Arial" pitchFamily="18"/>
+                <a:ea typeface="Microsoft YaHei" pitchFamily="2"/>
+                <a:cs typeface="Mangal" pitchFamily="2"/>
+              </a:defRPr>
+            </a:defPPr>
+            <a:lvl1pPr marL="432000" lvl="0" indent="-324000">
+              <a:spcBef>
+                <a:spcPts val="0"/>
+              </a:spcBef>
+              <a:spcAft>
+                <a:spcPts val="1417"/>
+              </a:spcAft>
+              <a:buSzPct val="45000"/>
+              <a:buFont typeface="StarSymbol"/>
+              <a:buChar char="●"/>
+              <a:defRPr lang="en-GB" sz="3200" b="0" i="0" u="none" strike="noStrike" kern="1200">
+                <a:ln>
+                  <a:noFill/>
+                </a:ln>
+                <a:latin typeface="Arial" pitchFamily="18"/>
+                <a:ea typeface="Microsoft YaHei" pitchFamily="2"/>
+                <a:cs typeface="Mangal" pitchFamily="2"/>
+              </a:defRPr>
+            </a:lvl1pPr>
+            <a:lvl2pPr marL="864000" lvl="1" indent="-324000">
+              <a:spcBef>
+                <a:spcPts val="0"/>
+              </a:spcBef>
+              <a:spcAft>
+                <a:spcPts val="1134"/>
+              </a:spcAft>
+              <a:buSzPct val="75000"/>
+              <a:buFont typeface="StarSymbol"/>
+              <a:buChar char="–"/>
+              <a:defRPr lang="en-GB" sz="2800" b="0" i="0" u="none" strike="noStrike" kern="1200">
+                <a:ln>
+                  <a:noFill/>
+                </a:ln>
+                <a:latin typeface="Arial" pitchFamily="18"/>
+                <a:ea typeface="Microsoft YaHei" pitchFamily="2"/>
+                <a:cs typeface="Mangal" pitchFamily="2"/>
+              </a:defRPr>
+            </a:lvl2pPr>
+            <a:lvl3pPr marL="1295999" lvl="2" indent="-288000">
+              <a:spcBef>
+                <a:spcPts val="0"/>
+              </a:spcBef>
+              <a:spcAft>
+                <a:spcPts val="850"/>
+              </a:spcAft>
+              <a:buSzPct val="45000"/>
+              <a:buFont typeface="StarSymbol"/>
+              <a:buChar char="●"/>
+              <a:defRPr lang="en-GB" sz="2400" b="0" i="0" u="none" strike="noStrike" kern="1200">
+                <a:ln>
+                  <a:noFill/>
+                </a:ln>
+                <a:latin typeface="Arial" pitchFamily="18"/>
+                <a:ea typeface="Microsoft YaHei" pitchFamily="2"/>
+                <a:cs typeface="Mangal" pitchFamily="2"/>
+              </a:defRPr>
+            </a:lvl3pPr>
+            <a:lvl4pPr marL="1728000" lvl="3" indent="-216000">
+              <a:spcBef>
+                <a:spcPts val="0"/>
+              </a:spcBef>
+              <a:spcAft>
+                <a:spcPts val="567"/>
+              </a:spcAft>
+              <a:buSzPct val="75000"/>
+              <a:buFont typeface="StarSymbol"/>
+              <a:buChar char="–"/>
+              <a:defRPr lang="en-GB" sz="2000" b="0" i="0" u="none" strike="noStrike" kern="1200">
+                <a:ln>
+                  <a:noFill/>
+                </a:ln>
+                <a:latin typeface="Arial" pitchFamily="18"/>
+                <a:ea typeface="Microsoft YaHei" pitchFamily="2"/>
+                <a:cs typeface="Mangal" pitchFamily="2"/>
+              </a:defRPr>
+            </a:lvl4pPr>
+            <a:lvl5pPr marL="2160000" lvl="4" indent="-216000">
+              <a:spcBef>
+                <a:spcPts val="0"/>
+              </a:spcBef>
+              <a:spcAft>
+                <a:spcPts val="283"/>
+              </a:spcAft>
+              <a:buSzPct val="45000"/>
+              <a:buFont typeface="StarSymbol"/>
+              <a:buChar char="●"/>
+              <a:defRPr lang="en-GB" sz="2000" b="0" i="0" u="none" strike="noStrike" kern="1200">
+                <a:ln>
+                  <a:noFill/>
+                </a:ln>
+                <a:latin typeface="Arial" pitchFamily="18"/>
+                <a:ea typeface="Microsoft YaHei" pitchFamily="2"/>
+                <a:cs typeface="Mangal" pitchFamily="2"/>
+              </a:defRPr>
+            </a:lvl5pPr>
+            <a:lvl6pPr marL="2592000" lvl="5" indent="-216000">
+              <a:spcBef>
+                <a:spcPts val="0"/>
+              </a:spcBef>
+              <a:spcAft>
+                <a:spcPts val="283"/>
+              </a:spcAft>
+              <a:buSzPct val="45000"/>
+              <a:buFont typeface="StarSymbol"/>
+              <a:buChar char="●"/>
+              <a:defRPr lang="en-GB" sz="2000" b="0" i="0" u="none" strike="noStrike" kern="1200">
+                <a:ln>
+                  <a:noFill/>
+                </a:ln>
+                <a:latin typeface="Arial" pitchFamily="18"/>
+                <a:ea typeface="Microsoft YaHei" pitchFamily="2"/>
+                <a:cs typeface="Mangal" pitchFamily="2"/>
+              </a:defRPr>
+            </a:lvl6pPr>
+            <a:lvl7pPr marL="3024000" lvl="6" indent="-216000">
+              <a:spcBef>
+                <a:spcPts val="0"/>
+              </a:spcBef>
+              <a:spcAft>
+                <a:spcPts val="283"/>
+              </a:spcAft>
+              <a:buSzPct val="45000"/>
+              <a:buFont typeface="StarSymbol"/>
+              <a:buChar char="●"/>
+              <a:defRPr lang="en-GB" sz="2000" b="0" i="0" u="none" strike="noStrike" kern="1200">
+                <a:ln>
+                  <a:noFill/>
+                </a:ln>
+                <a:latin typeface="Arial" pitchFamily="18"/>
+                <a:ea typeface="Microsoft YaHei" pitchFamily="2"/>
+                <a:cs typeface="Mangal" pitchFamily="2"/>
+              </a:defRPr>
+            </a:lvl7pPr>
+            <a:lvl8pPr marL="3456000" lvl="7" indent="-216000">
+              <a:spcBef>
+                <a:spcPts val="0"/>
+              </a:spcBef>
+              <a:spcAft>
+                <a:spcPts val="283"/>
+              </a:spcAft>
+              <a:buSzPct val="45000"/>
+              <a:buFont typeface="StarSymbol"/>
+              <a:buChar char="●"/>
+              <a:defRPr lang="en-GB" sz="2000" b="0" i="0" u="none" strike="noStrike" kern="1200">
+                <a:ln>
+                  <a:noFill/>
+                </a:ln>
+                <a:latin typeface="Arial" pitchFamily="18"/>
+                <a:ea typeface="Microsoft YaHei" pitchFamily="2"/>
+                <a:cs typeface="Mangal" pitchFamily="2"/>
+              </a:defRPr>
+            </a:lvl8pPr>
+            <a:lvl9pPr marL="3887999" lvl="8" indent="-216000">
+              <a:spcBef>
+                <a:spcPts val="0"/>
+              </a:spcBef>
+              <a:spcAft>
+                <a:spcPts val="283"/>
+              </a:spcAft>
+              <a:buSzPct val="45000"/>
+              <a:buFont typeface="StarSymbol"/>
+              <a:buChar char="●"/>
+              <a:defRPr lang="en-GB" sz="2000" b="0" i="0" u="none" strike="noStrike" kern="1200">
+                <a:ln>
+                  <a:noFill/>
+                </a:ln>
+                <a:latin typeface="Arial" pitchFamily="18"/>
+                <a:ea typeface="Microsoft YaHei" pitchFamily="2"/>
+                <a:cs typeface="Mangal" pitchFamily="2"/>
+              </a:defRPr>
+            </a:lvl9pPr>
+          </a:lstStyle>
+          <a:p>
+            <a:pPr lvl="0">
+              <a:buNone/>
+            </a:pPr>
+            <a:r>
+              <a:rPr lang="en-GB" u="sng" dirty="0" smtClean="0"/>
+              <a:t>Learning</a:t>
+            </a:r>
+          </a:p>
+          <a:p>
+            <a:pPr lvl="0">
+              <a:buNone/>
+            </a:pPr>
+            <a:endParaRPr lang="en-GB" u="sng" dirty="0"/>
+          </a:p>
+          <a:p>
+            <a:pPr lvl="0"/>
+            <a:r>
+              <a:rPr lang="en-GB" dirty="0" smtClean="0"/>
+              <a:t>Models</a:t>
+            </a:r>
+          </a:p>
+          <a:p>
+            <a:pPr marL="108000" lvl="0" indent="0">
+              <a:buNone/>
+            </a:pPr>
+            <a:endParaRPr lang="en-GB" dirty="0"/>
+          </a:p>
+          <a:p>
+            <a:pPr lvl="0"/>
+            <a:r>
+              <a:rPr lang="en-GB" dirty="0"/>
+              <a:t>Statistical </a:t>
+            </a:r>
+            <a:r>
+              <a:rPr lang="en-GB" dirty="0" smtClean="0"/>
+              <a:t>&amp; </a:t>
+            </a:r>
+            <a:r>
+              <a:rPr lang="en-GB" dirty="0" smtClean="0"/>
+              <a:t>theoretical </a:t>
+            </a:r>
+            <a:r>
+              <a:rPr lang="en-GB" dirty="0" smtClean="0"/>
+              <a:t>concepts</a:t>
+            </a:r>
+          </a:p>
+          <a:p>
+            <a:pPr marL="108000" lvl="0" indent="0">
+              <a:buNone/>
+            </a:pPr>
+            <a:endParaRPr lang="en-GB" dirty="0"/>
+          </a:p>
+        </p:txBody>
+      </p:sp>
+      <p:sp>
+        <p:nvSpPr>
+          <p:cNvPr id="3" name="Text Placeholder 2"/>
+          <p:cNvSpPr txBox="1">
+            <a:spLocks noGrp="1"/>
+          </p:cNvSpPr>
+          <p:nvPr>
+            <p:ph type="body" idx="4294967295"/>
+          </p:nvPr>
+        </p:nvSpPr>
+        <p:spPr>
+          <a:xfrm>
+            <a:off x="5151960" y="576000"/>
+            <a:ext cx="4426560" cy="6182280"/>
+          </a:xfrm>
+        </p:spPr>
         <p:txBody>
           <a:bodyPr/>
-          <a:lstStyle/>
-          <a:p>
-            <a:r>
-              <a:rPr lang="en-AU" dirty="0" smtClean="0"/>
-              <a:t>Table for comparing accuracy of different models : accuracy score, precision, recall, sensitivity, specificity, overall accuracy</a:t>
-            </a:r>
-          </a:p>
-          <a:p>
-            <a:pPr marL="0" indent="0">
+          <a:lstStyle>
+            <a:defPPr marL="432000" lvl="0" indent="-324000">
+              <a:spcBef>
+                <a:spcPts val="0"/>
+              </a:spcBef>
+              <a:spcAft>
+                <a:spcPts val="1417"/>
+              </a:spcAft>
+              <a:buSzPct val="45000"/>
+              <a:buFont typeface="StarSymbol"/>
+              <a:buNone/>
+              <a:defRPr lang="en-GB" sz="3200" b="0" i="0" u="none" strike="noStrike" kern="1200">
+                <a:ln>
+                  <a:noFill/>
+                </a:ln>
+                <a:latin typeface="Arial" pitchFamily="18"/>
+                <a:ea typeface="Microsoft YaHei" pitchFamily="2"/>
+                <a:cs typeface="Mangal" pitchFamily="2"/>
+              </a:defRPr>
+            </a:defPPr>
+            <a:lvl1pPr marL="432000" lvl="0" indent="-324000">
+              <a:spcBef>
+                <a:spcPts val="0"/>
+              </a:spcBef>
+              <a:spcAft>
+                <a:spcPts val="1417"/>
+              </a:spcAft>
+              <a:buSzPct val="45000"/>
+              <a:buFont typeface="StarSymbol"/>
+              <a:buChar char="●"/>
+              <a:defRPr lang="en-GB" sz="3200" b="0" i="0" u="none" strike="noStrike" kern="1200">
+                <a:ln>
+                  <a:noFill/>
+                </a:ln>
+                <a:latin typeface="Arial" pitchFamily="18"/>
+                <a:ea typeface="Microsoft YaHei" pitchFamily="2"/>
+                <a:cs typeface="Mangal" pitchFamily="2"/>
+              </a:defRPr>
+            </a:lvl1pPr>
+            <a:lvl2pPr marL="864000" lvl="1" indent="-324000">
+              <a:spcBef>
+                <a:spcPts val="0"/>
+              </a:spcBef>
+              <a:spcAft>
+                <a:spcPts val="1134"/>
+              </a:spcAft>
+              <a:buSzPct val="75000"/>
+              <a:buFont typeface="StarSymbol"/>
+              <a:buChar char="–"/>
+              <a:defRPr lang="en-GB" sz="2800" b="0" i="0" u="none" strike="noStrike" kern="1200">
+                <a:ln>
+                  <a:noFill/>
+                </a:ln>
+                <a:latin typeface="Arial" pitchFamily="18"/>
+                <a:ea typeface="Microsoft YaHei" pitchFamily="2"/>
+                <a:cs typeface="Mangal" pitchFamily="2"/>
+              </a:defRPr>
+            </a:lvl2pPr>
+            <a:lvl3pPr marL="1295999" lvl="2" indent="-288000">
+              <a:spcBef>
+                <a:spcPts val="0"/>
+              </a:spcBef>
+              <a:spcAft>
+                <a:spcPts val="850"/>
+              </a:spcAft>
+              <a:buSzPct val="45000"/>
+              <a:buFont typeface="StarSymbol"/>
+              <a:buChar char="●"/>
+              <a:defRPr lang="en-GB" sz="2400" b="0" i="0" u="none" strike="noStrike" kern="1200">
+                <a:ln>
+                  <a:noFill/>
+                </a:ln>
+                <a:latin typeface="Arial" pitchFamily="18"/>
+                <a:ea typeface="Microsoft YaHei" pitchFamily="2"/>
+                <a:cs typeface="Mangal" pitchFamily="2"/>
+              </a:defRPr>
+            </a:lvl3pPr>
+            <a:lvl4pPr marL="1728000" lvl="3" indent="-216000">
+              <a:spcBef>
+                <a:spcPts val="0"/>
+              </a:spcBef>
+              <a:spcAft>
+                <a:spcPts val="567"/>
+              </a:spcAft>
+              <a:buSzPct val="75000"/>
+              <a:buFont typeface="StarSymbol"/>
+              <a:buChar char="–"/>
+              <a:defRPr lang="en-GB" sz="2000" b="0" i="0" u="none" strike="noStrike" kern="1200">
+                <a:ln>
+                  <a:noFill/>
+                </a:ln>
+                <a:latin typeface="Arial" pitchFamily="18"/>
+                <a:ea typeface="Microsoft YaHei" pitchFamily="2"/>
+                <a:cs typeface="Mangal" pitchFamily="2"/>
+              </a:defRPr>
+            </a:lvl4pPr>
+            <a:lvl5pPr marL="2160000" lvl="4" indent="-216000">
+              <a:spcBef>
+                <a:spcPts val="0"/>
+              </a:spcBef>
+              <a:spcAft>
+                <a:spcPts val="283"/>
+              </a:spcAft>
+              <a:buSzPct val="45000"/>
+              <a:buFont typeface="StarSymbol"/>
+              <a:buChar char="●"/>
+              <a:defRPr lang="en-GB" sz="2000" b="0" i="0" u="none" strike="noStrike" kern="1200">
+                <a:ln>
+                  <a:noFill/>
+                </a:ln>
+                <a:latin typeface="Arial" pitchFamily="18"/>
+                <a:ea typeface="Microsoft YaHei" pitchFamily="2"/>
+                <a:cs typeface="Mangal" pitchFamily="2"/>
+              </a:defRPr>
+            </a:lvl5pPr>
+            <a:lvl6pPr marL="2592000" lvl="5" indent="-216000">
+              <a:spcBef>
+                <a:spcPts val="0"/>
+              </a:spcBef>
+              <a:spcAft>
+                <a:spcPts val="283"/>
+              </a:spcAft>
+              <a:buSzPct val="45000"/>
+              <a:buFont typeface="StarSymbol"/>
+              <a:buChar char="●"/>
+              <a:defRPr lang="en-GB" sz="2000" b="0" i="0" u="none" strike="noStrike" kern="1200">
+                <a:ln>
+                  <a:noFill/>
+                </a:ln>
+                <a:latin typeface="Arial" pitchFamily="18"/>
+                <a:ea typeface="Microsoft YaHei" pitchFamily="2"/>
+                <a:cs typeface="Mangal" pitchFamily="2"/>
+              </a:defRPr>
+            </a:lvl6pPr>
+            <a:lvl7pPr marL="3024000" lvl="6" indent="-216000">
+              <a:spcBef>
+                <a:spcPts val="0"/>
+              </a:spcBef>
+              <a:spcAft>
+                <a:spcPts val="283"/>
+              </a:spcAft>
+              <a:buSzPct val="45000"/>
+              <a:buFont typeface="StarSymbol"/>
+              <a:buChar char="●"/>
+              <a:defRPr lang="en-GB" sz="2000" b="0" i="0" u="none" strike="noStrike" kern="1200">
+                <a:ln>
+                  <a:noFill/>
+                </a:ln>
+                <a:latin typeface="Arial" pitchFamily="18"/>
+                <a:ea typeface="Microsoft YaHei" pitchFamily="2"/>
+                <a:cs typeface="Mangal" pitchFamily="2"/>
+              </a:defRPr>
+            </a:lvl7pPr>
+            <a:lvl8pPr marL="3456000" lvl="7" indent="-216000">
+              <a:spcBef>
+                <a:spcPts val="0"/>
+              </a:spcBef>
+              <a:spcAft>
+                <a:spcPts val="283"/>
+              </a:spcAft>
+              <a:buSzPct val="45000"/>
+              <a:buFont typeface="StarSymbol"/>
+              <a:buChar char="●"/>
+              <a:defRPr lang="en-GB" sz="2000" b="0" i="0" u="none" strike="noStrike" kern="1200">
+                <a:ln>
+                  <a:noFill/>
+                </a:ln>
+                <a:latin typeface="Arial" pitchFamily="18"/>
+                <a:ea typeface="Microsoft YaHei" pitchFamily="2"/>
+                <a:cs typeface="Mangal" pitchFamily="2"/>
+              </a:defRPr>
+            </a:lvl8pPr>
+            <a:lvl9pPr marL="3887999" lvl="8" indent="-216000">
+              <a:spcBef>
+                <a:spcPts val="0"/>
+              </a:spcBef>
+              <a:spcAft>
+                <a:spcPts val="283"/>
+              </a:spcAft>
+              <a:buSzPct val="45000"/>
+              <a:buFont typeface="StarSymbol"/>
+              <a:buChar char="●"/>
+              <a:defRPr lang="en-GB" sz="2000" b="0" i="0" u="none" strike="noStrike" kern="1200">
+                <a:ln>
+                  <a:noFill/>
+                </a:ln>
+                <a:latin typeface="Arial" pitchFamily="18"/>
+                <a:ea typeface="Microsoft YaHei" pitchFamily="2"/>
+                <a:cs typeface="Mangal" pitchFamily="2"/>
+              </a:defRPr>
+            </a:lvl9pPr>
+          </a:lstStyle>
+          <a:p>
+            <a:pPr lvl="0">
               <a:buNone/>
             </a:pPr>
-            <a:endParaRPr lang="en-AU" dirty="0" smtClean="0"/>
-          </a:p>
-          <a:p>
-            <a:pPr marL="0" indent="0">
+            <a:r>
+              <a:rPr lang="en-GB" u="sng" dirty="0"/>
+              <a:t>Future steps</a:t>
+            </a:r>
+          </a:p>
+          <a:p>
+            <a:pPr lvl="0">
               <a:buNone/>
             </a:pPr>
-            <a:endParaRPr lang="en-AU" dirty="0"/>
+            <a:endParaRPr lang="en-GB" u="sng" dirty="0"/>
+          </a:p>
+          <a:p>
+            <a:pPr lvl="0"/>
+            <a:r>
+              <a:rPr lang="en-GB" dirty="0"/>
+              <a:t>Feature engineering</a:t>
+            </a:r>
+          </a:p>
+          <a:p>
+            <a:pPr lvl="0"/>
+            <a:endParaRPr lang="en-GB" dirty="0"/>
+          </a:p>
+          <a:p>
+            <a:pPr lvl="0"/>
+            <a:r>
+              <a:rPr lang="en-GB" dirty="0"/>
+              <a:t>Try other models</a:t>
+            </a:r>
+          </a:p>
+          <a:p>
+            <a:pPr lvl="0"/>
+            <a:endParaRPr lang="en-GB" dirty="0"/>
+          </a:p>
+          <a:p>
+            <a:pPr lvl="0"/>
+            <a:r>
+              <a:rPr lang="en-GB" dirty="0"/>
+              <a:t>Dashboard</a:t>
+            </a:r>
           </a:p>
         </p:txBody>
       </p:sp>
     </p:spTree>
-    <p:extLst>
-      <p:ext uri="{BB962C8B-B14F-4D97-AF65-F5344CB8AC3E}">
-        <p14:creationId xmlns:p14="http://schemas.microsoft.com/office/powerpoint/2010/main" val="284252644"/>
-      </p:ext>
-    </p:extLst>
   </p:cSld>
   <p:clrMapOvr>
     <a:masterClrMapping/>
   </p:clrMapOvr>
+  <mc:AlternateContent xmlns:mc="http://schemas.openxmlformats.org/markup-compatibility/2006" xmlns:p14="http://schemas.microsoft.com/office/powerpoint/2010/main">
+    <mc:Choice Requires="p14">
+      <p:transition spd="slow" p14:dur="2000"/>
+    </mc:Choice>
+    <mc:Fallback xmlns="">
+      <p:transition spd="slow"/>
+    </mc:Fallback>
+  </mc:AlternateContent>
+  <p:timing>
+    <p:tnLst>
+      <p:par>
+        <p:cTn id="1" dur="indefinite" restart="never" nodeType="tmRoot"/>
+      </p:par>
+    </p:tnLst>
+  </p:timing>
 </p:sld>
 </file>
 
 <file path=ppt/theme/theme1.xml><?xml version="1.0" encoding="utf-8"?>
+<a:theme xmlns:a="http://schemas.openxmlformats.org/drawingml/2006/main" name="Default">
+  <a:themeElements>
+    <a:clrScheme name="Office">
+      <a:dk1>
+        <a:sysClr val="windowText" lastClr="000000"/>
+      </a:dk1>
+      <a:lt1>
+        <a:sysClr val="window" lastClr="FFFFFF"/>
+      </a:lt1>
+      <a:dk2>
+        <a:srgbClr val="1F497D"/>
+      </a:dk2>
+      <a:lt2>
+        <a:srgbClr val="EEECE1"/>
+      </a:lt2>
+      <a:accent1>
+        <a:srgbClr val="4F81BD"/>
+      </a:accent1>
+      <a:accent2>
+        <a:srgbClr val="C0504D"/>
+      </a:accent2>
+      <a:accent3>
+        <a:srgbClr val="9BBB59"/>
+      </a:accent3>
+      <a:accent4>
+        <a:srgbClr val="8064A2"/>
+      </a:accent4>
+      <a:accent5>
+        <a:srgbClr val="4BACC6"/>
+      </a:accent5>
+      <a:accent6>
+        <a:srgbClr val="F79646"/>
+      </a:accent6>
+      <a:hlink>
+        <a:srgbClr val="0000FF"/>
+      </a:hlink>
+      <a:folHlink>
+        <a:srgbClr val="800080"/>
+      </a:folHlink>
+    </a:clrScheme>
+    <a:fontScheme name="Office">
+      <a:majorFont>
+        <a:latin typeface="Calibri"/>
+        <a:ea typeface=""/>
+        <a:cs typeface=""/>
+        <a:font script="Jpan" typeface="ＭＳ Ｐゴシック"/>
+        <a:font script="Hang" typeface="맑은 고딕"/>
+        <a:font script="Hans" typeface="宋体"/>
+        <a:font script="Hant" typeface="新細明體"/>
+        <a:font script="Arab" typeface="Times New Roman"/>
+        <a:font script="Hebr" typeface="Times New Roman"/>
+        <a:font script="Thai" typeface="Angsana New"/>
+        <a:font script="Ethi" typeface="Nyala"/>
+        <a:font script="Beng" typeface="Vrinda"/>
+        <a:font script="Gujr" typeface="Shruti"/>
+        <a:font script="Khmr" typeface="MoolBoran"/>
+        <a:font script="Knda" typeface="Tunga"/>
+        <a:font script="Guru" typeface="Raavi"/>
+        <a:font script="Cans" typeface="Euphemia"/>
+        <a:font script="Cher" typeface="Plantagenet Cherokee"/>
+        <a:font script="Yiii" typeface="Microsoft Yi Baiti"/>
+        <a:font script="Tibt" typeface="Microsoft Himalaya"/>
+        <a:font script="Thaa" typeface="MV Boli"/>
+        <a:font script="Deva" typeface="Mangal"/>
+        <a:font script="Telu" typeface="Gautami"/>
+        <a:font script="Taml" typeface="Latha"/>
+        <a:font script="Syrc" typeface="Estrangelo Edessa"/>
+        <a:font script="Orya" typeface="Kalinga"/>
+        <a:font script="Mlym" typeface="Kartika"/>
+        <a:font script="Laoo" typeface="DokChampa"/>
+        <a:font script="Sinh" typeface="Iskoola Pota"/>
+        <a:font script="Mong" typeface="Mongolian Baiti"/>
+        <a:font script="Viet" typeface="Times New Roman"/>
+        <a:font script="Uigh" typeface="Microsoft Uighur"/>
+        <a:font script="Geor" typeface="Sylfaen"/>
+      </a:majorFont>
+      <a:minorFont>
+        <a:latin typeface="Calibri"/>
+        <a:ea typeface=""/>
+        <a:cs typeface=""/>
+        <a:font script="Jpan" typeface="ＭＳ Ｐゴシック"/>
+        <a:font script="Hang" typeface="맑은 고딕"/>
+        <a:font script="Hans" typeface="宋体"/>
+        <a:font script="Hant" typeface="新細明體"/>
+        <a:font script="Arab" typeface="Arial"/>
+        <a:font script="Hebr" typeface="Arial"/>
+        <a:font script="Thai" typeface="Cordia New"/>
+        <a:font script="Ethi" typeface="Nyala"/>
+        <a:font script="Beng" typeface="Vrinda"/>
+        <a:font script="Gujr" typeface="Shruti"/>
+        <a:font script="Khmr" typeface="DaunPenh"/>
+        <a:font script="Knda" typeface="Tunga"/>
+        <a:font script="Guru" typeface="Raavi"/>
+        <a:font script="Cans" typeface="Euphemia"/>
+        <a:font script="Cher" typeface="Plantagenet Cherokee"/>
+        <a:font script="Yiii" typeface="Microsoft Yi Baiti"/>
+        <a:font script="Tibt" typeface="Microsoft Himalaya"/>
+        <a:font script="Thaa" typeface="MV Boli"/>
+        <a:font script="Deva" typeface="Mangal"/>
+        <a:font script="Telu" typeface="Gautami"/>
+        <a:font script="Taml" typeface="Latha"/>
+        <a:font script="Syrc" typeface="Estrangelo Edessa"/>
+        <a:font script="Orya" typeface="Kalinga"/>
+        <a:font script="Mlym" typeface="Kartika"/>
+        <a:font script="Laoo" typeface="DokChampa"/>
+        <a:font script="Sinh" typeface="Iskoola Pota"/>
+        <a:font script="Mong" typeface="Mongolian Baiti"/>
+        <a:font script="Viet" typeface="Arial"/>
+        <a:font script="Uigh" typeface="Microsoft Uighur"/>
+        <a:font script="Geor" typeface="Sylfaen"/>
+      </a:minorFont>
+    </a:fontScheme>
+    <a:fmtScheme name="Office">
+      <a:fillStyleLst>
+        <a:solidFill>
+          <a:schemeClr val="phClr"/>
+        </a:solidFill>
+        <a:gradFill rotWithShape="1">
+          <a:gsLst>
+            <a:gs pos="0">
+              <a:schemeClr val="phClr">
+                <a:tint val="50000"/>
+                <a:satMod val="300000"/>
+              </a:schemeClr>
+            </a:gs>
+            <a:gs pos="35000">
+              <a:schemeClr val="phClr">
+                <a:tint val="37000"/>
+                <a:satMod val="300000"/>
+              </a:schemeClr>
+            </a:gs>
+            <a:gs pos="100000">
+              <a:schemeClr val="phClr">
+                <a:tint val="15000"/>
+                <a:satMod val="350000"/>
+              </a:schemeClr>
+            </a:gs>
+          </a:gsLst>
+          <a:lin ang="16200000" scaled="1"/>
+        </a:gradFill>
+        <a:gradFill rotWithShape="1">
+          <a:gsLst>
+            <a:gs pos="0">
+              <a:schemeClr val="phClr">
+                <a:shade val="51000"/>
+                <a:satMod val="130000"/>
+              </a:schemeClr>
+            </a:gs>
+            <a:gs pos="80000">
+              <a:schemeClr val="phClr">
+                <a:shade val="93000"/>
+                <a:satMod val="130000"/>
+              </a:schemeClr>
+            </a:gs>
+            <a:gs pos="100000">
+              <a:schemeClr val="phClr">
+                <a:shade val="94000"/>
+                <a:satMod val="135000"/>
+              </a:schemeClr>
+            </a:gs>
+          </a:gsLst>
+          <a:lin ang="16200000" scaled="0"/>
+        </a:gradFill>
+      </a:fillStyleLst>
+      <a:lnStyleLst>
+        <a:ln w="9525" cap="flat" cmpd="sng" algn="ctr">
+          <a:solidFill>
+            <a:schemeClr val="phClr">
+              <a:shade val="95000"/>
+              <a:satMod val="105000"/>
+            </a:schemeClr>
+          </a:solidFill>
+          <a:prstDash val="solid"/>
+        </a:ln>
+        <a:ln w="25400" cap="flat" cmpd="sng" algn="ctr">
+          <a:solidFill>
+            <a:schemeClr val="phClr"/>
+          </a:solidFill>
+          <a:prstDash val="solid"/>
+        </a:ln>
+        <a:ln w="38100" cap="flat" cmpd="sng" algn="ctr">
+          <a:solidFill>
+            <a:schemeClr val="phClr"/>
+          </a:solidFill>
+          <a:prstDash val="solid"/>
+        </a:ln>
+      </a:lnStyleLst>
+      <a:effectStyleLst>
+        <a:effectStyle>
+          <a:effectLst>
+            <a:outerShdw blurRad="40000" dist="20000" dir="5400000" rotWithShape="0">
+              <a:srgbClr val="000000">
+                <a:alpha val="38000"/>
+              </a:srgbClr>
+            </a:outerShdw>
+          </a:effectLst>
+        </a:effectStyle>
+        <a:effectStyle>
+          <a:effectLst>
+            <a:outerShdw blurRad="40000" dist="23000" dir="5400000" rotWithShape="0">
+              <a:srgbClr val="000000">
+                <a:alpha val="35000"/>
+              </a:srgbClr>
+            </a:outerShdw>
+          </a:effectLst>
+        </a:effectStyle>
+        <a:effectStyle>
+          <a:effectLst>
+            <a:outerShdw blurRad="40000" dist="23000" dir="5400000" rotWithShape="0">
+              <a:srgbClr val="000000">
+                <a:alpha val="35000"/>
+              </a:srgbClr>
+            </a:outerShdw>
+          </a:effectLst>
+          <a:scene3d>
+            <a:camera prst="orthographicFront">
+              <a:rot lat="0" lon="0" rev="0"/>
+            </a:camera>
+            <a:lightRig rig="threePt" dir="t">
+              <a:rot lat="0" lon="0" rev="1200000"/>
+            </a:lightRig>
+          </a:scene3d>
+          <a:sp3d>
+            <a:bevelT w="63500" h="25400"/>
+          </a:sp3d>
+        </a:effectStyle>
+      </a:effectStyleLst>
+      <a:bgFillStyleLst>
+        <a:solidFill>
+          <a:schemeClr val="phClr"/>
+        </a:solidFill>
+        <a:gradFill rotWithShape="1">
+          <a:gsLst>
+            <a:gs pos="0">
+              <a:schemeClr val="phClr">
+                <a:tint val="40000"/>
+                <a:satMod val="350000"/>
+              </a:schemeClr>
+            </a:gs>
+            <a:gs pos="40000">
+              <a:schemeClr val="phClr">
+                <a:tint val="45000"/>
+                <a:shade val="99000"/>
+                <a:satMod val="350000"/>
+              </a:schemeClr>
+            </a:gs>
+            <a:gs pos="100000">
+              <a:schemeClr val="phClr">
+                <a:shade val="20000"/>
+                <a:satMod val="255000"/>
+              </a:schemeClr>
+            </a:gs>
+          </a:gsLst>
+          <a:path path="circle">
+            <a:fillToRect l="50000" t="-80000" r="50000" b="180000"/>
+          </a:path>
+        </a:gradFill>
+        <a:gradFill rotWithShape="1">
+          <a:gsLst>
+            <a:gs pos="0">
+              <a:schemeClr val="phClr">
+                <a:tint val="80000"/>
+                <a:satMod val="300000"/>
+              </a:schemeClr>
+            </a:gs>
+            <a:gs pos="100000">
+              <a:schemeClr val="phClr">
+                <a:shade val="30000"/>
+                <a:satMod val="200000"/>
+              </a:schemeClr>
+            </a:gs>
+          </a:gsLst>
+          <a:path path="circle">
+            <a:fillToRect l="50000" t="50000" r="50000" b="50000"/>
+          </a:path>
+        </a:gradFill>
+      </a:bgFillStyleLst>
+    </a:fmtScheme>
+  </a:themeElements>
+  <a:objectDefaults/>
+  <a:extraClrSchemeLst/>
+</a:theme>
+</file>
+
+<file path=ppt/theme/theme2.xml><?xml version="1.0" encoding="utf-8"?>
+<a:theme xmlns:a="http://schemas.openxmlformats.org/drawingml/2006/main" name="Office Theme">
+  <a:themeElements>
+    <a:clrScheme name="Office">
+      <a:dk1>
+        <a:sysClr val="windowText" lastClr="000000"/>
+      </a:dk1>
+      <a:lt1>
+        <a:sysClr val="window" lastClr="FFFFFF"/>
+      </a:lt1>
+      <a:dk2>
+        <a:srgbClr val="1F497D"/>
+      </a:dk2>
+      <a:lt2>
+        <a:srgbClr val="EEECE1"/>
+      </a:lt2>
+      <a:accent1>
+        <a:srgbClr val="4F81BD"/>
+      </a:accent1>
+      <a:accent2>
+        <a:srgbClr val="C0504D"/>
+      </a:accent2>
+      <a:accent3>
+        <a:srgbClr val="9BBB59"/>
+      </a:accent3>
+      <a:accent4>
+        <a:srgbClr val="8064A2"/>
+      </a:accent4>
+      <a:accent5>
+        <a:srgbClr val="4BACC6"/>
+      </a:accent5>
+      <a:accent6>
+        <a:srgbClr val="F79646"/>
+      </a:accent6>
+      <a:hlink>
+        <a:srgbClr val="0000FF"/>
+      </a:hlink>
+      <a:folHlink>
+        <a:srgbClr val="800080"/>
+      </a:folHlink>
+    </a:clrScheme>
+    <a:fontScheme name="Office">
+      <a:majorFont>
+        <a:latin typeface="Calibri"/>
+        <a:ea typeface=""/>
+        <a:cs typeface=""/>
+        <a:font script="Jpan" typeface="ＭＳ Ｐゴシック"/>
+        <a:font script="Hang" typeface="맑은 고딕"/>
+        <a:font script="Hans" typeface="宋体"/>
+        <a:font script="Hant" typeface="新細明體"/>
+        <a:font script="Arab" typeface="Times New Roman"/>
+        <a:font script="Hebr" typeface="Times New Roman"/>
+        <a:font script="Thai" typeface="Angsana New"/>
+        <a:font script="Ethi" typeface="Nyala"/>
+        <a:font script="Beng" typeface="Vrinda"/>
+        <a:font script="Gujr" typeface="Shruti"/>
+        <a:font script="Khmr" typeface="MoolBoran"/>
+        <a:font script="Knda" typeface="Tunga"/>
+        <a:font script="Guru" typeface="Raavi"/>
+        <a:font script="Cans" typeface="Euphemia"/>
+        <a:font script="Cher" typeface="Plantagenet Cherokee"/>
+        <a:font script="Yiii" typeface="Microsoft Yi Baiti"/>
+        <a:font script="Tibt" typeface="Microsoft Himalaya"/>
+        <a:font script="Thaa" typeface="MV Boli"/>
+        <a:font script="Deva" typeface="Mangal"/>
+        <a:font script="Telu" typeface="Gautami"/>
+        <a:font script="Taml" typeface="Latha"/>
+        <a:font script="Syrc" typeface="Estrangelo Edessa"/>
+        <a:font script="Orya" typeface="Kalinga"/>
+        <a:font script="Mlym" typeface="Kartika"/>
+        <a:font script="Laoo" typeface="DokChampa"/>
+        <a:font script="Sinh" typeface="Iskoola Pota"/>
+        <a:font script="Mong" typeface="Mongolian Baiti"/>
+        <a:font script="Viet" typeface="Times New Roman"/>
+        <a:font script="Uigh" typeface="Microsoft Uighur"/>
+        <a:font script="Geor" typeface="Sylfaen"/>
+      </a:majorFont>
+      <a:minorFont>
+        <a:latin typeface="Calibri"/>
+        <a:ea typeface=""/>
+        <a:cs typeface=""/>
+        <a:font script="Jpan" typeface="ＭＳ Ｐゴシック"/>
+        <a:font script="Hang" typeface="맑은 고딕"/>
+        <a:font script="Hans" typeface="宋体"/>
+        <a:font script="Hant" typeface="新細明體"/>
+        <a:font script="Arab" typeface="Arial"/>
+        <a:font script="Hebr" typeface="Arial"/>
+        <a:font script="Thai" typeface="Cordia New"/>
+        <a:font script="Ethi" typeface="Nyala"/>
+        <a:font script="Beng" typeface="Vrinda"/>
+        <a:font script="Gujr" typeface="Shruti"/>
+        <a:font script="Khmr" typeface="DaunPenh"/>
+        <a:font script="Knda" typeface="Tunga"/>
+        <a:font script="Guru" typeface="Raavi"/>
+        <a:font script="Cans" typeface="Euphemia"/>
+        <a:font script="Cher" typeface="Plantagenet Cherokee"/>
+        <a:font script="Yiii" typeface="Microsoft Yi Baiti"/>
+        <a:font script="Tibt" typeface="Microsoft Himalaya"/>
+        <a:font script="Thaa" typeface="MV Boli"/>
+        <a:font script="Deva" typeface="Mangal"/>
+        <a:font script="Telu" typeface="Gautami"/>
+        <a:font script="Taml" typeface="Latha"/>
+        <a:font script="Syrc" typeface="Estrangelo Edessa"/>
+        <a:font script="Orya" typeface="Kalinga"/>
+        <a:font script="Mlym" typeface="Kartika"/>
+        <a:font script="Laoo" typeface="DokChampa"/>
+        <a:font script="Sinh" typeface="Iskoola Pota"/>
+        <a:font script="Mong" typeface="Mongolian Baiti"/>
+        <a:font script="Viet" typeface="Arial"/>
+        <a:font script="Uigh" typeface="Microsoft Uighur"/>
+        <a:font script="Geor" typeface="Sylfaen"/>
+      </a:minorFont>
+    </a:fontScheme>
+    <a:fmtScheme name="Office">
+      <a:fillStyleLst>
+        <a:solidFill>
+          <a:schemeClr val="phClr"/>
+        </a:solidFill>
+        <a:gradFill rotWithShape="1">
+          <a:gsLst>
+            <a:gs pos="0">
+              <a:schemeClr val="phClr">
+                <a:tint val="50000"/>
+                <a:satMod val="300000"/>
+              </a:schemeClr>
+            </a:gs>
+            <a:gs pos="35000">
+              <a:schemeClr val="phClr">
+                <a:tint val="37000"/>
+                <a:satMod val="300000"/>
+              </a:schemeClr>
+            </a:gs>
+            <a:gs pos="100000">
+              <a:schemeClr val="phClr">
+                <a:tint val="15000"/>
+                <a:satMod val="350000"/>
+              </a:schemeClr>
+            </a:gs>
+          </a:gsLst>
+          <a:lin ang="16200000" scaled="1"/>
+        </a:gradFill>
+        <a:gradFill rotWithShape="1">
+          <a:gsLst>
+            <a:gs pos="0">
+              <a:schemeClr val="phClr">
+                <a:shade val="51000"/>
+                <a:satMod val="130000"/>
+              </a:schemeClr>
+            </a:gs>
+            <a:gs pos="80000">
+              <a:schemeClr val="phClr">
+                <a:shade val="93000"/>
+                <a:satMod val="130000"/>
+              </a:schemeClr>
+            </a:gs>
+            <a:gs pos="100000">
+              <a:schemeClr val="phClr">
+                <a:shade val="94000"/>
+                <a:satMod val="135000"/>
+              </a:schemeClr>
+            </a:gs>
+          </a:gsLst>
+          <a:lin ang="16200000" scaled="0"/>
+        </a:gradFill>
+      </a:fillStyleLst>
+      <a:lnStyleLst>
+        <a:ln w="9525" cap="flat" cmpd="sng" algn="ctr">
+          <a:solidFill>
+            <a:schemeClr val="phClr">
+              <a:shade val="95000"/>
+              <a:satMod val="105000"/>
+            </a:schemeClr>
+          </a:solidFill>
+          <a:prstDash val="solid"/>
+        </a:ln>
+        <a:ln w="25400" cap="flat" cmpd="sng" algn="ctr">
+          <a:solidFill>
+            <a:schemeClr val="phClr"/>
+          </a:solidFill>
+          <a:prstDash val="solid"/>
+        </a:ln>
+        <a:ln w="38100" cap="flat" cmpd="sng" algn="ctr">
+          <a:solidFill>
+            <a:schemeClr val="phClr"/>
+          </a:solidFill>
+          <a:prstDash val="solid"/>
+        </a:ln>
+      </a:lnStyleLst>
+      <a:effectStyleLst>
+        <a:effectStyle>
+          <a:effectLst>
+            <a:outerShdw blurRad="40000" dist="20000" dir="5400000" rotWithShape="0">
+              <a:srgbClr val="000000">
+                <a:alpha val="38000"/>
+              </a:srgbClr>
+            </a:outerShdw>
+          </a:effectLst>
+        </a:effectStyle>
+        <a:effectStyle>
+          <a:effectLst>
+            <a:outerShdw blurRad="40000" dist="23000" dir="5400000" rotWithShape="0">
+              <a:srgbClr val="000000">
+                <a:alpha val="35000"/>
+              </a:srgbClr>
+            </a:outerShdw>
+          </a:effectLst>
+        </a:effectStyle>
+        <a:effectStyle>
+          <a:effectLst>
+            <a:outerShdw blurRad="40000" dist="23000" dir="5400000" rotWithShape="0">
+              <a:srgbClr val="000000">
+                <a:alpha val="35000"/>
+              </a:srgbClr>
+            </a:outerShdw>
+          </a:effectLst>
+          <a:scene3d>
+            <a:camera prst="orthographicFront">
+              <a:rot lat="0" lon="0" rev="0"/>
+            </a:camera>
+            <a:lightRig rig="threePt" dir="t">
+              <a:rot lat="0" lon="0" rev="1200000"/>
+            </a:lightRig>
+          </a:scene3d>
+          <a:sp3d>
+            <a:bevelT w="63500" h="25400"/>
+          </a:sp3d>
+        </a:effectStyle>
+      </a:effectStyleLst>
+      <a:bgFillStyleLst>
+        <a:solidFill>
+          <a:schemeClr val="phClr"/>
+        </a:solidFill>
+        <a:gradFill rotWithShape="1">
+          <a:gsLst>
+            <a:gs pos="0">
+              <a:schemeClr val="phClr">
+                <a:tint val="40000"/>
+                <a:satMod val="350000"/>
+              </a:schemeClr>
+            </a:gs>
+            <a:gs pos="40000">
+              <a:schemeClr val="phClr">
+                <a:tint val="45000"/>
+                <a:shade val="99000"/>
+                <a:satMod val="350000"/>
+              </a:schemeClr>
+            </a:gs>
+            <a:gs pos="100000">
+              <a:schemeClr val="phClr">
+                <a:shade val="20000"/>
+                <a:satMod val="255000"/>
+              </a:schemeClr>
+            </a:gs>
+          </a:gsLst>
+          <a:path path="circle">
+            <a:fillToRect l="50000" t="-80000" r="50000" b="180000"/>
+          </a:path>
+        </a:gradFill>
+        <a:gradFill rotWithShape="1">
+          <a:gsLst>
+            <a:gs pos="0">
+              <a:schemeClr val="phClr">
+                <a:tint val="80000"/>
+                <a:satMod val="300000"/>
+              </a:schemeClr>
+            </a:gs>
+            <a:gs pos="100000">
+              <a:schemeClr val="phClr">
+                <a:shade val="30000"/>
+                <a:satMod val="200000"/>
+              </a:schemeClr>
+            </a:gs>
+          </a:gsLst>
+          <a:path path="circle">
+            <a:fillToRect l="50000" t="50000" r="50000" b="50000"/>
+          </a:path>
+        </a:gradFill>
+      </a:bgFillStyleLst>
+    </a:fmtScheme>
+  </a:themeElements>
+  <a:objectDefaults/>
+  <a:extraClrSchemeLst/>
+</a:theme>
+</file>
+
+<file path=ppt/theme/theme3.xml><?xml version="1.0" encoding="utf-8"?>
 <a:theme xmlns:a="http://schemas.openxmlformats.org/drawingml/2006/main" name="Office Theme">
   <a:themeElements>
     <a:clrScheme name="Office">

--- a/Project_presentation_Anushi.pptx
+++ b/Project_presentation_Anushi.pptx
@@ -5,10 +5,10 @@
     <p:sldMasterId id="2147483648" r:id="rId1"/>
   </p:sldMasterIdLst>
   <p:notesMasterIdLst>
-    <p:notesMasterId r:id="rId11"/>
+    <p:notesMasterId r:id="rId13"/>
   </p:notesMasterIdLst>
   <p:handoutMasterIdLst>
-    <p:handoutMasterId r:id="rId12"/>
+    <p:handoutMasterId r:id="rId14"/>
   </p:handoutMasterIdLst>
   <p:sldIdLst>
     <p:sldId id="263" r:id="rId2"/>
@@ -20,6 +20,8 @@
     <p:sldId id="262" r:id="rId8"/>
     <p:sldId id="265" r:id="rId9"/>
     <p:sldId id="261" r:id="rId10"/>
+    <p:sldId id="266" r:id="rId11"/>
+    <p:sldId id="267" r:id="rId12"/>
   </p:sldIdLst>
   <p:sldSz cx="10080625" cy="7559675"/>
   <p:notesSz cx="7559675" cy="10691813"/>
@@ -4199,10 +4201,18 @@
               <a:buNone/>
             </a:pPr>
             <a:r>
-              <a:rPr lang="en-US" dirty="0" smtClean="0"/>
+              <a:rPr lang="en-US" dirty="0" smtClean="0">
+                <a:solidFill>
+                  <a:schemeClr val="accent2"/>
+                </a:solidFill>
+              </a:rPr>
               <a:t>Predict whether a patient will be readmitted or not?</a:t>
             </a:r>
-            <a:endParaRPr lang="en-US" dirty="0"/>
+            <a:endParaRPr lang="en-US" dirty="0">
+              <a:solidFill>
+                <a:schemeClr val="accent2"/>
+              </a:solidFill>
+            </a:endParaRPr>
           </a:p>
         </p:txBody>
       </p:sp>
@@ -4287,6 +4297,9 @@
             <a:pPr algn="r"/>
             <a:r>
               <a:rPr lang="en-US" sz="3200" dirty="0" smtClean="0">
+                <a:solidFill>
+                  <a:schemeClr val="accent2"/>
+                </a:solidFill>
                 <a:latin typeface="Arial" panose="020B0604020202020204" pitchFamily="34" charset="0"/>
                 <a:cs typeface="Arial" panose="020B0604020202020204" pitchFamily="34" charset="0"/>
               </a:rPr>
@@ -4297,18 +4310,65 @@
             <a:pPr algn="r"/>
             <a:r>
               <a:rPr lang="en-US" sz="3200" dirty="0" smtClean="0">
+                <a:solidFill>
+                  <a:schemeClr val="accent2"/>
+                </a:solidFill>
                 <a:latin typeface="Arial" panose="020B0604020202020204" pitchFamily="34" charset="0"/>
                 <a:cs typeface="Arial" panose="020B0604020202020204" pitchFamily="34" charset="0"/>
               </a:rPr>
               <a:t>Anushi Shah</a:t>
             </a:r>
             <a:endParaRPr lang="en-US" sz="3200" dirty="0">
+              <a:solidFill>
+                <a:schemeClr val="accent2"/>
+              </a:solidFill>
               <a:latin typeface="Arial" panose="020B0604020202020204" pitchFamily="34" charset="0"/>
               <a:cs typeface="Arial" panose="020B0604020202020204" pitchFamily="34" charset="0"/>
             </a:endParaRPr>
           </a:p>
         </p:txBody>
       </p:sp>
+      <p:pic>
+        <p:nvPicPr>
+          <p:cNvPr id="2050" name="Picture 2" descr="E:\Anushi\general_assembly\hospital_readmissions\generalassembly-open-graph.png"/>
+          <p:cNvPicPr>
+            <a:picLocks noChangeAspect="1" noChangeArrowheads="1"/>
+          </p:cNvPicPr>
+          <p:nvPr/>
+        </p:nvPicPr>
+        <p:blipFill>
+          <a:blip r:embed="rId3" cstate="print">
+            <a:extLst>
+              <a:ext uri="{28A0092B-C50C-407E-A947-70E740481C1C}">
+                <a14:useLocalDpi xmlns:a14="http://schemas.microsoft.com/office/drawing/2010/main" val="0"/>
+              </a:ext>
+            </a:extLst>
+          </a:blip>
+          <a:srcRect/>
+          <a:stretch>
+            <a:fillRect/>
+          </a:stretch>
+        </p:blipFill>
+        <p:spPr bwMode="auto">
+          <a:xfrm>
+            <a:off x="468312" y="5402481"/>
+            <a:ext cx="2336061" cy="1226432"/>
+          </a:xfrm>
+          <a:prstGeom prst="rect">
+            <a:avLst/>
+          </a:prstGeom>
+          <a:noFill/>
+          <a:extLst>
+            <a:ext uri="{909E8E84-426E-40DD-AFC4-6F175D3DCCD1}">
+              <a14:hiddenFill xmlns:a14="http://schemas.microsoft.com/office/drawing/2010/main">
+                <a:solidFill>
+                  <a:srgbClr val="FFFFFF"/>
+                </a:solidFill>
+              </a14:hiddenFill>
+            </a:ext>
+          </a:extLst>
+        </p:spPr>
+      </p:pic>
     </p:spTree>
     <p:extLst>
       <p:ext uri="{BB962C8B-B14F-4D97-AF65-F5344CB8AC3E}">
@@ -4337,6 +4397,304 @@
 </p:sld>
 </file>
 
+<file path=ppt/slides/slide10.xml><?xml version="1.0" encoding="utf-8"?>
+<p:sld xmlns:a="http://schemas.openxmlformats.org/drawingml/2006/main" xmlns:r="http://schemas.openxmlformats.org/officeDocument/2006/relationships" xmlns:p="http://schemas.openxmlformats.org/presentationml/2006/main">
+  <p:cSld>
+    <p:spTree>
+      <p:nvGrpSpPr>
+        <p:cNvPr id="1" name=""/>
+        <p:cNvGrpSpPr/>
+        <p:nvPr/>
+      </p:nvGrpSpPr>
+      <p:grpSpPr>
+        <a:xfrm>
+          <a:off x="0" y="0"/>
+          <a:ext cx="0" cy="0"/>
+          <a:chOff x="0" y="0"/>
+          <a:chExt cx="0" cy="0"/>
+        </a:xfrm>
+      </p:grpSpPr>
+      <p:sp>
+        <p:nvSpPr>
+          <p:cNvPr id="2" name="Title 1"/>
+          <p:cNvSpPr>
+            <a:spLocks noGrp="1"/>
+          </p:cNvSpPr>
+          <p:nvPr>
+            <p:ph type="title"/>
+          </p:nvPr>
+        </p:nvSpPr>
+        <p:spPr/>
+        <p:txBody>
+          <a:bodyPr/>
+          <a:lstStyle/>
+          <a:p>
+            <a:pPr lvl="0">
+              <a:buNone/>
+            </a:pPr>
+            <a:r>
+              <a:rPr lang="en-GB" dirty="0" smtClean="0">
+                <a:solidFill>
+                  <a:schemeClr val="accent2"/>
+                </a:solidFill>
+              </a:rPr>
+              <a:t/>
+            </a:r>
+            <a:br>
+              <a:rPr lang="en-GB" dirty="0" smtClean="0">
+                <a:solidFill>
+                  <a:schemeClr val="accent2"/>
+                </a:solidFill>
+              </a:rPr>
+            </a:br>
+            <a:r>
+              <a:rPr lang="en-GB" dirty="0" smtClean="0">
+                <a:solidFill>
+                  <a:schemeClr val="accent2"/>
+                </a:solidFill>
+              </a:rPr>
+              <a:t>Future </a:t>
+            </a:r>
+            <a:r>
+              <a:rPr lang="en-GB" dirty="0">
+                <a:solidFill>
+                  <a:schemeClr val="accent2"/>
+                </a:solidFill>
+              </a:rPr>
+              <a:t>steps</a:t>
+            </a:r>
+            <a:br>
+              <a:rPr lang="en-GB" dirty="0">
+                <a:solidFill>
+                  <a:schemeClr val="accent2"/>
+                </a:solidFill>
+              </a:rPr>
+            </a:br>
+            <a:endParaRPr lang="en-AU" dirty="0">
+              <a:solidFill>
+                <a:schemeClr val="accent2"/>
+              </a:solidFill>
+            </a:endParaRPr>
+          </a:p>
+        </p:txBody>
+      </p:sp>
+      <p:sp>
+        <p:nvSpPr>
+          <p:cNvPr id="3" name="Content Placeholder 2"/>
+          <p:cNvSpPr>
+            <a:spLocks noGrp="1"/>
+          </p:cNvSpPr>
+          <p:nvPr>
+            <p:ph idx="1"/>
+          </p:nvPr>
+        </p:nvSpPr>
+        <p:spPr>
+          <a:xfrm>
+            <a:off x="503999" y="1769039"/>
+            <a:ext cx="9071640" cy="5134997"/>
+          </a:xfrm>
+        </p:spPr>
+        <p:txBody>
+          <a:bodyPr/>
+          <a:lstStyle/>
+          <a:p>
+            <a:pPr lvl="0"/>
+            <a:r>
+              <a:rPr lang="en-GB" dirty="0" smtClean="0"/>
+              <a:t>Feature engineering &amp; more investigation</a:t>
+            </a:r>
+            <a:endParaRPr lang="en-GB" dirty="0"/>
+          </a:p>
+          <a:p>
+            <a:pPr lvl="0"/>
+            <a:endParaRPr lang="en-GB" dirty="0"/>
+          </a:p>
+          <a:p>
+            <a:pPr lvl="0"/>
+            <a:r>
+              <a:rPr lang="en-GB" dirty="0"/>
+              <a:t>Try other </a:t>
+            </a:r>
+            <a:r>
+              <a:rPr lang="en-GB" dirty="0" smtClean="0"/>
+              <a:t>models</a:t>
+            </a:r>
+          </a:p>
+          <a:p>
+            <a:pPr marL="108000" lvl="0" indent="0">
+              <a:buNone/>
+            </a:pPr>
+            <a:endParaRPr lang="en-GB" dirty="0" smtClean="0"/>
+          </a:p>
+          <a:p>
+            <a:pPr lvl="0"/>
+            <a:r>
+              <a:rPr lang="en-GB" dirty="0" smtClean="0"/>
+              <a:t>Try similar datasets</a:t>
+            </a:r>
+            <a:endParaRPr lang="en-GB" dirty="0"/>
+          </a:p>
+          <a:p>
+            <a:pPr marL="108000" lvl="0" indent="0">
+              <a:buNone/>
+            </a:pPr>
+            <a:endParaRPr lang="en-GB" dirty="0"/>
+          </a:p>
+          <a:p>
+            <a:pPr lvl="0"/>
+            <a:r>
+              <a:rPr lang="en-GB" dirty="0"/>
+              <a:t>Dashboard</a:t>
+            </a:r>
+            <a:endParaRPr lang="en-AU" dirty="0"/>
+          </a:p>
+        </p:txBody>
+      </p:sp>
+    </p:spTree>
+    <p:extLst>
+      <p:ext uri="{BB962C8B-B14F-4D97-AF65-F5344CB8AC3E}">
+        <p14:creationId xmlns:p14="http://schemas.microsoft.com/office/powerpoint/2010/main" val="2972858923"/>
+      </p:ext>
+    </p:extLst>
+  </p:cSld>
+  <p:clrMapOvr>
+    <a:masterClrMapping/>
+  </p:clrMapOvr>
+  <mc:AlternateContent xmlns:mc="http://schemas.openxmlformats.org/markup-compatibility/2006" xmlns:p14="http://schemas.microsoft.com/office/powerpoint/2010/main">
+    <mc:Choice Requires="p14">
+      <p:transition spd="slow" p14:dur="2000"/>
+    </mc:Choice>
+    <mc:Fallback xmlns="">
+      <p:transition spd="slow"/>
+    </mc:Fallback>
+  </mc:AlternateContent>
+</p:sld>
+</file>
+
+<file path=ppt/slides/slide11.xml><?xml version="1.0" encoding="utf-8"?>
+<p:sld xmlns:a="http://schemas.openxmlformats.org/drawingml/2006/main" xmlns:r="http://schemas.openxmlformats.org/officeDocument/2006/relationships" xmlns:p="http://schemas.openxmlformats.org/presentationml/2006/main">
+  <p:cSld>
+    <p:spTree>
+      <p:nvGrpSpPr>
+        <p:cNvPr id="1" name=""/>
+        <p:cNvGrpSpPr/>
+        <p:nvPr/>
+      </p:nvGrpSpPr>
+      <p:grpSpPr>
+        <a:xfrm>
+          <a:off x="0" y="0"/>
+          <a:ext cx="0" cy="0"/>
+          <a:chOff x="0" y="0"/>
+          <a:chExt cx="0" cy="0"/>
+        </a:xfrm>
+      </p:grpSpPr>
+      <p:sp>
+        <p:nvSpPr>
+          <p:cNvPr id="3" name="Content Placeholder 2"/>
+          <p:cNvSpPr>
+            <a:spLocks noGrp="1"/>
+          </p:cNvSpPr>
+          <p:nvPr>
+            <p:ph idx="1"/>
+          </p:nvPr>
+        </p:nvSpPr>
+        <p:spPr/>
+        <p:txBody>
+          <a:bodyPr/>
+          <a:lstStyle/>
+          <a:p>
+            <a:pPr marL="108000" indent="0">
+              <a:buNone/>
+            </a:pPr>
+            <a:endParaRPr lang="en-AU" dirty="0" smtClean="0"/>
+          </a:p>
+          <a:p>
+            <a:pPr marL="108000" indent="0" algn="ctr">
+              <a:buNone/>
+            </a:pPr>
+            <a:r>
+              <a:rPr lang="en-AU" sz="4400" dirty="0" smtClean="0">
+                <a:solidFill>
+                  <a:schemeClr val="accent2"/>
+                </a:solidFill>
+              </a:rPr>
+              <a:t>Thank You !!</a:t>
+            </a:r>
+          </a:p>
+          <a:p>
+            <a:pPr marL="108000" indent="0" algn="ctr">
+              <a:buNone/>
+            </a:pPr>
+            <a:r>
+              <a:rPr lang="en-AU" sz="4400" dirty="0" smtClean="0">
+                <a:sym typeface="Wingdings" panose="05000000000000000000" pitchFamily="2" charset="2"/>
+              </a:rPr>
+              <a:t></a:t>
+            </a:r>
+          </a:p>
+          <a:p>
+            <a:pPr marL="108000" indent="0" algn="ctr">
+              <a:buNone/>
+            </a:pPr>
+            <a:r>
+              <a:rPr lang="en-AU" sz="1600" b="1" i="1" dirty="0" smtClean="0">
+                <a:sym typeface="Wingdings" panose="05000000000000000000" pitchFamily="2" charset="2"/>
+              </a:rPr>
+              <a:t>Life is not a piece of cake and so is machine learning.</a:t>
+            </a:r>
+          </a:p>
+          <a:p>
+            <a:pPr marL="108000" indent="0" algn="ctr">
+              <a:buNone/>
+            </a:pPr>
+            <a:r>
+              <a:rPr lang="en-AU" sz="1600" b="1" i="1" dirty="0" smtClean="0">
+                <a:sym typeface="Wingdings" panose="05000000000000000000" pitchFamily="2" charset="2"/>
+              </a:rPr>
+              <a:t>Keep persisting!!</a:t>
+            </a:r>
+          </a:p>
+          <a:p>
+            <a:pPr marL="108000" indent="0">
+              <a:buNone/>
+            </a:pPr>
+            <a:r>
+              <a:rPr lang="en-AU" sz="1600" dirty="0">
+                <a:sym typeface="Wingdings" panose="05000000000000000000" pitchFamily="2" charset="2"/>
+              </a:rPr>
+              <a:t>	</a:t>
+            </a:r>
+            <a:r>
+              <a:rPr lang="en-AU" sz="1600" dirty="0" smtClean="0">
+                <a:sym typeface="Wingdings" panose="05000000000000000000" pitchFamily="2" charset="2"/>
+              </a:rPr>
+              <a:t>	</a:t>
+            </a:r>
+            <a:endParaRPr lang="en-AU" sz="1600" dirty="0"/>
+          </a:p>
+        </p:txBody>
+      </p:sp>
+    </p:spTree>
+    <p:extLst>
+      <p:ext uri="{BB962C8B-B14F-4D97-AF65-F5344CB8AC3E}">
+        <p14:creationId xmlns:p14="http://schemas.microsoft.com/office/powerpoint/2010/main" val="356559311"/>
+      </p:ext>
+    </p:extLst>
+  </p:cSld>
+  <p:clrMapOvr>
+    <a:masterClrMapping/>
+  </p:clrMapOvr>
+  <mc:AlternateContent xmlns:mc="http://schemas.openxmlformats.org/markup-compatibility/2006" xmlns:p14="http://schemas.microsoft.com/office/powerpoint/2010/main">
+    <mc:Choice Requires="p14">
+      <p:transition spd="slow" p14:dur="2000"/>
+    </mc:Choice>
+    <mc:Fallback xmlns="">
+      <p:transition spd="slow"/>
+    </mc:Fallback>
+  </mc:AlternateContent>
+</p:sld>
+</file>
+
 <file path=ppt/slides/slide2.xml><?xml version="1.0" encoding="utf-8"?>
 <p:sld xmlns:a="http://schemas.openxmlformats.org/drawingml/2006/main" xmlns:r="http://schemas.openxmlformats.org/officeDocument/2006/relationships" xmlns:p="http://schemas.openxmlformats.org/presentationml/2006/main">
   <p:cSld name="page1">
@@ -4424,7 +4782,11 @@
               <a:buNone/>
             </a:pPr>
             <a:r>
-              <a:rPr lang="en-GB" sz="3600" dirty="0"/>
+              <a:rPr lang="en-GB" sz="3600" dirty="0">
+                <a:solidFill>
+                  <a:schemeClr val="accent2"/>
+                </a:solidFill>
+              </a:rPr>
               <a:t>Hospital readmission : A hospitalization that occurs within 30 days after a discharge.</a:t>
             </a:r>
           </a:p>
@@ -4945,10 +5307,18 @@
               <a:buNone/>
             </a:pPr>
             <a:r>
-              <a:rPr lang="en-GB" sz="3600" dirty="0" smtClean="0"/>
+              <a:rPr lang="en-GB" sz="3600" dirty="0" smtClean="0">
+                <a:solidFill>
+                  <a:schemeClr val="accent2"/>
+                </a:solidFill>
+              </a:rPr>
               <a:t>Why are readmissions a problem?</a:t>
             </a:r>
-            <a:endParaRPr lang="en-GB" sz="3600" dirty="0"/>
+            <a:endParaRPr lang="en-GB" sz="3600" dirty="0">
+              <a:solidFill>
+                <a:schemeClr val="accent2"/>
+              </a:solidFill>
+            </a:endParaRPr>
           </a:p>
         </p:txBody>
       </p:sp>
@@ -5600,7 +5970,11 @@
               <a:buNone/>
             </a:pPr>
             <a:r>
-              <a:rPr lang="en-GB"/>
+              <a:rPr lang="en-GB" dirty="0">
+                <a:solidFill>
+                  <a:schemeClr val="accent2"/>
+                </a:solidFill>
+              </a:rPr>
               <a:t>Data set</a:t>
             </a:r>
           </a:p>
@@ -5921,10 +6295,18 @@
               <a:buNone/>
             </a:pPr>
             <a:r>
-              <a:rPr lang="en-AU" dirty="0" smtClean="0"/>
+              <a:rPr lang="en-AU" dirty="0" smtClean="0">
+                <a:solidFill>
+                  <a:schemeClr val="accent2"/>
+                </a:solidFill>
+              </a:rPr>
               <a:t>Data exploration</a:t>
             </a:r>
-            <a:endParaRPr lang="en-AU" dirty="0"/>
+            <a:endParaRPr lang="en-AU" dirty="0">
+              <a:solidFill>
+                <a:schemeClr val="accent2"/>
+              </a:solidFill>
+            </a:endParaRPr>
           </a:p>
         </p:txBody>
       </p:sp>
@@ -6183,14 +6565,26 @@
               <a:buNone/>
             </a:pPr>
             <a:r>
-              <a:rPr lang="en-GB" dirty="0"/>
+              <a:rPr lang="en-GB" dirty="0">
+                <a:solidFill>
+                  <a:schemeClr val="accent2"/>
+                </a:solidFill>
+              </a:rPr>
               <a:t>Data </a:t>
             </a:r>
             <a:r>
-              <a:rPr lang="en-GB" dirty="0" smtClean="0"/>
+              <a:rPr lang="en-GB" dirty="0" smtClean="0">
+                <a:solidFill>
+                  <a:schemeClr val="accent2"/>
+                </a:solidFill>
+              </a:rPr>
               <a:t>pre-processing</a:t>
             </a:r>
-            <a:endParaRPr lang="en-GB" dirty="0"/>
+            <a:endParaRPr lang="en-GB" dirty="0">
+              <a:solidFill>
+                <a:schemeClr val="accent2"/>
+              </a:solidFill>
+            </a:endParaRPr>
           </a:p>
         </p:txBody>
       </p:sp>
@@ -6463,18 +6857,10 @@
             </a:r>
           </a:p>
           <a:p>
-            <a:pPr lvl="0"/>
-            <a:r>
-              <a:rPr lang="en-GB" dirty="0"/>
-              <a:t>Simplified goal (Balance distribution of classes)</a:t>
-            </a:r>
-          </a:p>
-          <a:p>
-            <a:pPr lvl="1" rtl="0" hangingPunct="0"/>
-            <a:r>
-              <a:rPr lang="en-GB" dirty="0"/>
-              <a:t>Predict whether a patient would be ever readmitted?</a:t>
-            </a:r>
+            <a:pPr marL="108000" lvl="0" indent="0">
+              <a:buNone/>
+            </a:pPr>
+            <a:endParaRPr lang="en-GB" dirty="0"/>
           </a:p>
         </p:txBody>
       </p:sp>
@@ -6537,10 +6923,18 @@
               <a:buNone/>
             </a:pPr>
             <a:r>
-              <a:rPr lang="en-US" dirty="0" smtClean="0"/>
+              <a:rPr lang="en-US" dirty="0" smtClean="0">
+                <a:solidFill>
+                  <a:schemeClr val="accent2"/>
+                </a:solidFill>
+              </a:rPr>
               <a:t>Modelling Techniques</a:t>
             </a:r>
-            <a:endParaRPr lang="en-US" dirty="0"/>
+            <a:endParaRPr lang="en-US" dirty="0">
+              <a:solidFill>
+                <a:schemeClr val="accent2"/>
+              </a:solidFill>
+            </a:endParaRPr>
           </a:p>
         </p:txBody>
       </p:sp>
@@ -6569,36 +6963,21 @@
             </a:pPr>
             <a:r>
               <a:rPr lang="en-GB" dirty="0" smtClean="0"/>
-              <a:t>Total sample size </a:t>
-            </a:r>
+              <a:t>Total sample size : 71518</a:t>
+            </a:r>
+          </a:p>
+          <a:p>
+            <a:pPr marL="0" lvl="0" indent="0" algn="l">
+              <a:buNone/>
+            </a:pPr>
             <a:r>
               <a:rPr lang="en-GB" dirty="0" smtClean="0"/>
-              <a:t>: 71518</a:t>
-            </a:r>
-            <a:endParaRPr lang="en-GB" dirty="0" smtClean="0"/>
-          </a:p>
-          <a:p>
-            <a:pPr marL="0" lvl="0" indent="0" algn="l">
-              <a:buNone/>
-            </a:pPr>
+              <a:t>Split </a:t>
+            </a:r>
             <a:r>
               <a:rPr lang="en-GB" dirty="0" smtClean="0"/>
-              <a:t>Features </a:t>
-            </a:r>
-            <a:r>
-              <a:rPr lang="en-GB" dirty="0" smtClean="0"/>
-              <a:t>:</a:t>
-            </a:r>
-          </a:p>
-          <a:p>
-            <a:pPr marL="0" lvl="0" indent="0" algn="l">
-              <a:buNone/>
-            </a:pPr>
-            <a:r>
-              <a:rPr lang="en-GB" dirty="0" smtClean="0"/>
-              <a:t>Split data set : Training(80%), Test(20%)</a:t>
-            </a:r>
-            <a:endParaRPr lang="en-GB" dirty="0" smtClean="0"/>
+              <a:t>data set : Training(80%), Test(20%)</a:t>
+            </a:r>
           </a:p>
           <a:p>
             <a:pPr marL="0" lvl="0" indent="0" algn="l">
@@ -6625,25 +7004,13 @@
             </a:pPr>
             <a:r>
               <a:rPr lang="en-GB" sz="2000" dirty="0" smtClean="0"/>
-              <a:t>	</a:t>
+              <a:t>	- Logistic </a:t>
             </a:r>
             <a:r>
               <a:rPr lang="en-GB" sz="2000" dirty="0" smtClean="0"/>
-              <a:t>- </a:t>
-            </a:r>
-            <a:r>
-              <a:rPr lang="en-GB" sz="2000" dirty="0" smtClean="0"/>
-              <a:t>Logistic regression</a:t>
-            </a:r>
-          </a:p>
-          <a:p>
-            <a:pPr marL="0" lvl="0" indent="0" algn="l">
-              <a:buNone/>
-            </a:pPr>
-            <a:r>
-              <a:rPr lang="en-GB" sz="2000" dirty="0" smtClean="0"/>
-              <a:t>	- Regularized logistic regression</a:t>
-            </a:r>
+              <a:t>regression</a:t>
+            </a:r>
+            <a:endParaRPr lang="en-GB" sz="2000" dirty="0" smtClean="0"/>
           </a:p>
           <a:p>
             <a:pPr marL="0" lvl="0" indent="0" algn="l">
@@ -6660,11 +7027,7 @@
             </a:pPr>
             <a:r>
               <a:rPr lang="en-GB" sz="2000" dirty="0" smtClean="0"/>
-              <a:t>	- Random </a:t>
-            </a:r>
-            <a:r>
-              <a:rPr lang="en-GB" sz="2000" dirty="0" smtClean="0"/>
-              <a:t>Forest</a:t>
+              <a:t>	- Random Forest</a:t>
             </a:r>
           </a:p>
           <a:p>
@@ -6676,14 +7039,26 @@
               <a:t>	</a:t>
             </a:r>
             <a:r>
-              <a:rPr lang="en-GB" sz="2000" dirty="0" smtClean="0"/>
+              <a:rPr lang="en-GB" sz="2000" dirty="0" smtClean="0">
+                <a:solidFill>
+                  <a:srgbClr val="FF0000"/>
+                </a:solidFill>
+              </a:rPr>
               <a:t>- </a:t>
             </a:r>
             <a:r>
-              <a:rPr lang="en-GB" sz="2000" dirty="0" err="1" smtClean="0"/>
+              <a:rPr lang="en-GB" sz="2000" dirty="0" err="1" smtClean="0">
+                <a:solidFill>
+                  <a:srgbClr val="FF0000"/>
+                </a:solidFill>
+              </a:rPr>
               <a:t>Xgboost</a:t>
             </a:r>
-            <a:endParaRPr lang="en-GB" sz="2000" dirty="0" smtClean="0"/>
+            <a:endParaRPr lang="en-GB" sz="2000" dirty="0" smtClean="0">
+              <a:solidFill>
+                <a:srgbClr val="FF0000"/>
+              </a:solidFill>
+            </a:endParaRPr>
           </a:p>
           <a:p>
             <a:pPr marL="0" lvl="0" indent="0" algn="l">
@@ -6760,10 +7135,18 @@
               <a:buNone/>
             </a:pPr>
             <a:r>
-              <a:rPr lang="en-AU" dirty="0" smtClean="0"/>
+              <a:rPr lang="en-AU" dirty="0" smtClean="0">
+                <a:solidFill>
+                  <a:schemeClr val="accent2"/>
+                </a:solidFill>
+              </a:rPr>
               <a:t>Results</a:t>
             </a:r>
-            <a:endParaRPr lang="en-AU" dirty="0"/>
+            <a:endParaRPr lang="en-AU" dirty="0">
+              <a:solidFill>
+                <a:schemeClr val="accent2"/>
+              </a:solidFill>
+            </a:endParaRPr>
           </a:p>
         </p:txBody>
       </p:sp>
@@ -6777,14 +7160,14 @@
             <p:ph idx="1"/>
             <p:extLst>
               <p:ext uri="{D42A27DB-BD31-4B8C-83A1-F6EECF244321}">
-                <p14:modId xmlns:p14="http://schemas.microsoft.com/office/powerpoint/2010/main" val="2048282890"/>
+                <p14:modId xmlns:p14="http://schemas.microsoft.com/office/powerpoint/2010/main" val="2422907603"/>
               </p:ext>
             </p:extLst>
           </p:nvPr>
         </p:nvGraphicFramePr>
         <p:xfrm>
-          <a:off x="503238" y="1768475"/>
-          <a:ext cx="9072561" cy="2225040"/>
+          <a:off x="163512" y="1951037"/>
+          <a:ext cx="4003674" cy="1483360"/>
         </p:xfrm>
         <a:graphic>
           <a:graphicData uri="http://schemas.openxmlformats.org/drawingml/2006/table">
@@ -6793,9 +7176,8 @@
                 <a:tableStyleId>{5C22544A-7EE6-4342-B048-85BDC9FD1C3A}</a:tableStyleId>
               </a:tblPr>
               <a:tblGrid>
-                <a:gridCol w="3317874"/>
-                <a:gridCol w="2730500"/>
-                <a:gridCol w="3024187"/>
+                <a:gridCol w="2196241"/>
+                <a:gridCol w="1807433"/>
               </a:tblGrid>
               <a:tr h="370840">
                 <a:tc>
@@ -6826,20 +7208,6 @@
                   </a:txBody>
                   <a:tcPr/>
                 </a:tc>
-                <a:tc>
-                  <a:txBody>
-                    <a:bodyPr/>
-                    <a:lstStyle/>
-                    <a:p>
-                      <a:r>
-                        <a:rPr lang="en-AU" dirty="0" smtClean="0"/>
-                        <a:t>AUC</a:t>
-                      </a:r>
-                      <a:endParaRPr lang="en-AU" dirty="0"/>
-                    </a:p>
-                  </a:txBody>
-                  <a:tcPr/>
-                </a:tc>
               </a:tr>
               <a:tr h="370840">
                 <a:tc>
@@ -6861,68 +7229,10 @@
                     <a:bodyPr/>
                     <a:lstStyle/>
                     <a:p>
-                      <a:endParaRPr lang="en-AU"/>
-                    </a:p>
-                  </a:txBody>
-                  <a:tcPr/>
-                </a:tc>
-                <a:tc>
-                  <a:txBody>
-                    <a:bodyPr/>
-                    <a:lstStyle/>
-                    <a:p>
-                      <a:endParaRPr lang="en-AU"/>
-                    </a:p>
-                  </a:txBody>
-                  <a:tcPr/>
-                </a:tc>
-              </a:tr>
-              <a:tr h="370840">
-                <a:tc>
-                  <a:txBody>
-                    <a:bodyPr/>
-                    <a:lstStyle/>
-                    <a:p>
-                      <a:pPr marL="0" marR="0" indent="0" defTabSz="914400" eaLnBrk="1" fontAlgn="auto" latinLnBrk="0" hangingPunct="1">
-                        <a:lnSpc>
-                          <a:spcPct val="100000"/>
-                        </a:lnSpc>
-                        <a:spcBef>
-                          <a:spcPts val="0"/>
-                        </a:spcBef>
-                        <a:spcAft>
-                          <a:spcPts val="0"/>
-                        </a:spcAft>
-                        <a:buClrTx/>
-                        <a:buSzTx/>
-                        <a:buFontTx/>
-                        <a:buNone/>
-                        <a:tabLst/>
-                        <a:defRPr/>
-                      </a:pPr>
                       <a:r>
                         <a:rPr lang="en-AU" dirty="0" smtClean="0"/>
-                        <a:t>Regularized Logistic regression</a:t>
+                        <a:t>0.624</a:t>
                       </a:r>
-                    </a:p>
-                  </a:txBody>
-                  <a:tcPr/>
-                </a:tc>
-                <a:tc>
-                  <a:txBody>
-                    <a:bodyPr/>
-                    <a:lstStyle/>
-                    <a:p>
-                      <a:endParaRPr lang="en-AU"/>
-                    </a:p>
-                  </a:txBody>
-                  <a:tcPr/>
-                </a:tc>
-                <a:tc>
-                  <a:txBody>
-                    <a:bodyPr/>
-                    <a:lstStyle/>
-                    <a:p>
                       <a:endParaRPr lang="en-AU" dirty="0"/>
                     </a:p>
                   </a:txBody>
@@ -6949,17 +7259,11 @@
                     <a:bodyPr/>
                     <a:lstStyle/>
                     <a:p>
-                      <a:endParaRPr lang="en-AU"/>
-                    </a:p>
-                  </a:txBody>
-                  <a:tcPr/>
-                </a:tc>
-                <a:tc>
-                  <a:txBody>
-                    <a:bodyPr/>
-                    <a:lstStyle/>
-                    <a:p>
-                      <a:endParaRPr lang="en-AU"/>
+                      <a:r>
+                        <a:rPr lang="en-AU" dirty="0" smtClean="0"/>
+                        <a:t>0.625</a:t>
+                      </a:r>
+                      <a:endParaRPr lang="en-AU" dirty="0"/>
                     </a:p>
                   </a:txBody>
                   <a:tcPr/>
@@ -6985,52 +7289,10 @@
                     <a:bodyPr/>
                     <a:lstStyle/>
                     <a:p>
-                      <a:endParaRPr lang="en-AU"/>
-                    </a:p>
-                  </a:txBody>
-                  <a:tcPr/>
-                </a:tc>
-                <a:tc>
-                  <a:txBody>
-                    <a:bodyPr/>
-                    <a:lstStyle/>
-                    <a:p>
-                      <a:endParaRPr lang="en-AU" dirty="0"/>
-                    </a:p>
-                  </a:txBody>
-                  <a:tcPr/>
-                </a:tc>
-              </a:tr>
-              <a:tr h="370840">
-                <a:tc>
-                  <a:txBody>
-                    <a:bodyPr/>
-                    <a:lstStyle/>
-                    <a:p>
                       <a:r>
-                        <a:rPr lang="en-AU" dirty="0" err="1" smtClean="0"/>
-                        <a:t>Xgboost</a:t>
+                        <a:rPr lang="en-AU" dirty="0" smtClean="0"/>
+                        <a:t>0.62</a:t>
                       </a:r>
-                      <a:endParaRPr lang="en-AU" dirty="0"/>
-                    </a:p>
-                  </a:txBody>
-                  <a:tcPr/>
-                </a:tc>
-                <a:tc>
-                  <a:txBody>
-                    <a:bodyPr/>
-                    <a:lstStyle/>
-                    <a:p>
-                      <a:endParaRPr lang="en-AU"/>
-                    </a:p>
-                  </a:txBody>
-                  <a:tcPr/>
-                </a:tc>
-                <a:tc>
-                  <a:txBody>
-                    <a:bodyPr/>
-                    <a:lstStyle/>
-                    <a:p>
                       <a:endParaRPr lang="en-AU" dirty="0"/>
                     </a:p>
                   </a:txBody>
@@ -7041,36 +7303,70 @@
           </a:graphicData>
         </a:graphic>
       </p:graphicFrame>
-      <p:sp>
-        <p:nvSpPr>
-          <p:cNvPr id="7" name="TextBox 6"/>
-          <p:cNvSpPr txBox="1"/>
+      <p:pic>
+        <p:nvPicPr>
+          <p:cNvPr id="1025" name="Picture 1"/>
+          <p:cNvPicPr>
+            <a:picLocks noChangeAspect="1" noChangeArrowheads="1"/>
+          </p:cNvPicPr>
           <p:nvPr/>
-        </p:nvSpPr>
-        <p:spPr>
+        </p:nvPicPr>
+        <p:blipFill>
+          <a:blip r:embed="rId2">
+            <a:extLst>
+              <a:ext uri="{28A0092B-C50C-407E-A947-70E740481C1C}">
+                <a14:useLocalDpi xmlns:a14="http://schemas.microsoft.com/office/drawing/2010/main" val="0"/>
+              </a:ext>
+            </a:extLst>
+          </a:blip>
+          <a:srcRect/>
+          <a:stretch>
+            <a:fillRect/>
+          </a:stretch>
+        </p:blipFill>
+        <p:spPr bwMode="auto">
           <a:xfrm>
-            <a:off x="3744912" y="4839442"/>
-            <a:ext cx="1672509" cy="369332"/>
+            <a:off x="5268912" y="1874837"/>
+            <a:ext cx="3810000" cy="5331354"/>
           </a:xfrm>
           <a:prstGeom prst="rect">
             <a:avLst/>
           </a:prstGeom>
           <a:noFill/>
+          <a:ln>
+            <a:noFill/>
+          </a:ln>
+          <a:effectLst/>
+          <a:extLst>
+            <a:ext uri="{909E8E84-426E-40DD-AFC4-6F175D3DCCD1}">
+              <a14:hiddenFill xmlns:a14="http://schemas.microsoft.com/office/drawing/2010/main">
+                <a:solidFill>
+                  <a:schemeClr val="accent1"/>
+                </a:solidFill>
+              </a14:hiddenFill>
+            </a:ext>
+            <a:ext uri="{91240B29-F687-4F45-9708-019B960494DF}">
+              <a14:hiddenLine xmlns:a14="http://schemas.microsoft.com/office/drawing/2010/main" w="9525">
+                <a:solidFill>
+                  <a:schemeClr val="tx1"/>
+                </a:solidFill>
+                <a:miter lim="800000"/>
+                <a:headEnd/>
+                <a:tailEnd/>
+              </a14:hiddenLine>
+            </a:ext>
+            <a:ext uri="{AF507438-7753-43E0-B8FC-AC1667EBCBE1}">
+              <a14:hiddenEffects xmlns:a14="http://schemas.microsoft.com/office/drawing/2010/main">
+                <a:effectLst>
+                  <a:outerShdw dist="35921" dir="2700000" algn="ctr" rotWithShape="0">
+                    <a:schemeClr val="bg2"/>
+                  </a:outerShdw>
+                </a:effectLst>
+              </a14:hiddenEffects>
+            </a:ext>
+          </a:extLst>
         </p:spPr>
-        <p:txBody>
-          <a:bodyPr wrap="none" rtlCol="0">
-            <a:spAutoFit/>
-          </a:bodyPr>
-          <a:lstStyle/>
-          <a:p>
-            <a:r>
-              <a:rPr lang="en-AU" dirty="0" smtClean="0"/>
-              <a:t>Add Graph here</a:t>
-            </a:r>
-            <a:endParaRPr lang="en-AU" dirty="0"/>
-          </a:p>
-        </p:txBody>
-      </p:sp>
+      </p:pic>
     </p:spTree>
     <p:extLst>
       <p:ext uri="{BB962C8B-B14F-4D97-AF65-F5344CB8AC3E}">
@@ -7111,20 +7407,49 @@
       </p:grpSpPr>
       <p:sp>
         <p:nvSpPr>
+          <p:cNvPr id="4" name="Title 3"/>
+          <p:cNvSpPr>
+            <a:spLocks noGrp="1"/>
+          </p:cNvSpPr>
+          <p:nvPr>
+            <p:ph type="title"/>
+          </p:nvPr>
+        </p:nvSpPr>
+        <p:spPr/>
+        <p:txBody>
+          <a:bodyPr/>
+          <a:lstStyle/>
+          <a:p>
+            <a:pPr>
+              <a:buNone/>
+            </a:pPr>
+            <a:r>
+              <a:rPr lang="en-GB" dirty="0">
+                <a:solidFill>
+                  <a:schemeClr val="accent2"/>
+                </a:solidFill>
+              </a:rPr>
+              <a:t>Learning</a:t>
+            </a:r>
+            <a:endParaRPr lang="en-AU" dirty="0">
+              <a:solidFill>
+                <a:schemeClr val="accent2"/>
+              </a:solidFill>
+            </a:endParaRPr>
+          </a:p>
+        </p:txBody>
+      </p:sp>
+      <p:sp>
+        <p:nvSpPr>
           <p:cNvPr id="2" name="Text Placeholder 1"/>
           <p:cNvSpPr txBox="1">
             <a:spLocks noGrp="1"/>
           </p:cNvSpPr>
           <p:nvPr>
-            <p:ph type="body" idx="4294967295"/>
-          </p:nvPr>
-        </p:nvSpPr>
-        <p:spPr>
-          <a:xfrm>
-            <a:off x="503999" y="576000"/>
-            <a:ext cx="4426560" cy="6182280"/>
-          </a:xfrm>
-        </p:spPr>
+            <p:ph idx="1"/>
+          </p:nvPr>
+        </p:nvSpPr>
+        <p:spPr/>
         <p:txBody>
           <a:bodyPr/>
           <a:lstStyle>
@@ -7320,313 +7645,130 @@
             </a:lvl9pPr>
           </a:lstStyle>
           <a:p>
-            <a:pPr lvl="0">
-              <a:buNone/>
-            </a:pPr>
-            <a:r>
-              <a:rPr lang="en-GB" u="sng" dirty="0" smtClean="0"/>
-              <a:t>Learning</a:t>
-            </a:r>
-          </a:p>
-          <a:p>
-            <a:pPr lvl="0">
-              <a:buNone/>
-            </a:pPr>
-            <a:endParaRPr lang="en-GB" u="sng" dirty="0"/>
-          </a:p>
-          <a:p>
-            <a:pPr lvl="0"/>
             <a:r>
               <a:rPr lang="en-GB" dirty="0" smtClean="0"/>
               <a:t>Models</a:t>
             </a:r>
+            <a:endParaRPr lang="en-GB" dirty="0"/>
+          </a:p>
+          <a:p>
+            <a:pPr lvl="0"/>
+            <a:r>
+              <a:rPr lang="en-GB" dirty="0"/>
+              <a:t>Statistical </a:t>
+            </a:r>
+            <a:r>
+              <a:rPr lang="en-GB" dirty="0" smtClean="0"/>
+              <a:t>&amp; theoretical </a:t>
+            </a:r>
+            <a:r>
+              <a:rPr lang="en-GB" dirty="0" smtClean="0"/>
+              <a:t>concepts</a:t>
+            </a:r>
+            <a:endParaRPr lang="en-GB" dirty="0"/>
+          </a:p>
+          <a:p>
+            <a:pPr lvl="0"/>
+            <a:r>
+              <a:rPr lang="en-GB" dirty="0" smtClean="0"/>
+              <a:t>Detailed level features may be helpful:</a:t>
+            </a:r>
+          </a:p>
+          <a:p>
+            <a:pPr lvl="1">
+              <a:buFont typeface="Wingdings" panose="05000000000000000000" pitchFamily="2" charset="2"/>
+              <a:buChar char="q"/>
+            </a:pPr>
+            <a:r>
+              <a:rPr lang="en-GB" sz="1600" dirty="0" smtClean="0"/>
+              <a:t>procedures (which ones, when performed)</a:t>
+            </a:r>
+          </a:p>
+          <a:p>
+            <a:pPr lvl="1">
+              <a:buFont typeface="Wingdings" panose="05000000000000000000" pitchFamily="2" charset="2"/>
+              <a:buChar char="q"/>
+            </a:pPr>
+            <a:r>
+              <a:rPr lang="en-GB" sz="1600" dirty="0" smtClean="0"/>
+              <a:t>medications (dose, duration)</a:t>
+            </a:r>
+          </a:p>
+          <a:p>
+            <a:pPr lvl="1">
+              <a:buFont typeface="Wingdings" panose="05000000000000000000" pitchFamily="2" charset="2"/>
+              <a:buChar char="q"/>
+            </a:pPr>
+            <a:r>
+              <a:rPr lang="en-GB" sz="1600" dirty="0" smtClean="0"/>
+              <a:t>BMI</a:t>
+            </a:r>
+          </a:p>
+          <a:p>
+            <a:pPr lvl="1">
+              <a:buFont typeface="Wingdings" panose="05000000000000000000" pitchFamily="2" charset="2"/>
+              <a:buChar char="q"/>
+            </a:pPr>
+            <a:r>
+              <a:rPr lang="en-GB" sz="1600" dirty="0" smtClean="0"/>
+              <a:t>medical speciality</a:t>
+            </a:r>
+          </a:p>
+          <a:p>
+            <a:pPr lvl="1">
+              <a:buFont typeface="Wingdings" panose="05000000000000000000" pitchFamily="2" charset="2"/>
+              <a:buChar char="q"/>
+            </a:pPr>
+            <a:r>
+              <a:rPr lang="en-GB" sz="1600" dirty="0" smtClean="0"/>
+              <a:t>Blood pressure</a:t>
+            </a:r>
+          </a:p>
+          <a:p>
+            <a:pPr lvl="1">
+              <a:buFont typeface="Wingdings" panose="05000000000000000000" pitchFamily="2" charset="2"/>
+              <a:buChar char="q"/>
+            </a:pPr>
+            <a:r>
+              <a:rPr lang="en-GB" sz="1600" dirty="0" smtClean="0"/>
+              <a:t>Electronic medical records with past history, family history</a:t>
+            </a:r>
+          </a:p>
+          <a:p>
+            <a:pPr marL="108000" lvl="0" indent="0">
+              <a:buNone/>
+            </a:pPr>
+            <a:endParaRPr lang="en-GB" dirty="0" smtClean="0"/>
+          </a:p>
+          <a:p>
+            <a:pPr marL="108000" lvl="0" indent="0">
+              <a:buNone/>
+            </a:pPr>
+            <a:endParaRPr lang="en-GB" dirty="0" smtClean="0"/>
+          </a:p>
+          <a:p>
+            <a:pPr marL="108000" lvl="0" indent="0">
+              <a:buNone/>
+            </a:pPr>
+            <a:r>
+              <a:rPr lang="en-GB" dirty="0"/>
+              <a:t>	</a:t>
+            </a:r>
+            <a:endParaRPr lang="en-GB" dirty="0" smtClean="0"/>
+          </a:p>
+          <a:p>
+            <a:pPr lvl="0"/>
+            <a:endParaRPr lang="en-GB" dirty="0" smtClean="0"/>
+          </a:p>
+          <a:p>
+            <a:pPr lvl="0"/>
+            <a:endParaRPr lang="en-GB" dirty="0" smtClean="0"/>
           </a:p>
           <a:p>
             <a:pPr marL="108000" lvl="0" indent="0">
               <a:buNone/>
             </a:pPr>
             <a:endParaRPr lang="en-GB" dirty="0"/>
-          </a:p>
-          <a:p>
-            <a:pPr lvl="0"/>
-            <a:r>
-              <a:rPr lang="en-GB" dirty="0"/>
-              <a:t>Statistical </a:t>
-            </a:r>
-            <a:r>
-              <a:rPr lang="en-GB" dirty="0" smtClean="0"/>
-              <a:t>&amp; </a:t>
-            </a:r>
-            <a:r>
-              <a:rPr lang="en-GB" dirty="0" smtClean="0"/>
-              <a:t>theoretical </a:t>
-            </a:r>
-            <a:r>
-              <a:rPr lang="en-GB" dirty="0" smtClean="0"/>
-              <a:t>concepts</a:t>
-            </a:r>
-          </a:p>
-          <a:p>
-            <a:pPr marL="108000" lvl="0" indent="0">
-              <a:buNone/>
-            </a:pPr>
-            <a:endParaRPr lang="en-GB" dirty="0"/>
-          </a:p>
-        </p:txBody>
-      </p:sp>
-      <p:sp>
-        <p:nvSpPr>
-          <p:cNvPr id="3" name="Text Placeholder 2"/>
-          <p:cNvSpPr txBox="1">
-            <a:spLocks noGrp="1"/>
-          </p:cNvSpPr>
-          <p:nvPr>
-            <p:ph type="body" idx="4294967295"/>
-          </p:nvPr>
-        </p:nvSpPr>
-        <p:spPr>
-          <a:xfrm>
-            <a:off x="5151960" y="576000"/>
-            <a:ext cx="4426560" cy="6182280"/>
-          </a:xfrm>
-        </p:spPr>
-        <p:txBody>
-          <a:bodyPr/>
-          <a:lstStyle>
-            <a:defPPr marL="432000" lvl="0" indent="-324000">
-              <a:spcBef>
-                <a:spcPts val="0"/>
-              </a:spcBef>
-              <a:spcAft>
-                <a:spcPts val="1417"/>
-              </a:spcAft>
-              <a:buSzPct val="45000"/>
-              <a:buFont typeface="StarSymbol"/>
-              <a:buNone/>
-              <a:defRPr lang="en-GB" sz="3200" b="0" i="0" u="none" strike="noStrike" kern="1200">
-                <a:ln>
-                  <a:noFill/>
-                </a:ln>
-                <a:latin typeface="Arial" pitchFamily="18"/>
-                <a:ea typeface="Microsoft YaHei" pitchFamily="2"/>
-                <a:cs typeface="Mangal" pitchFamily="2"/>
-              </a:defRPr>
-            </a:defPPr>
-            <a:lvl1pPr marL="432000" lvl="0" indent="-324000">
-              <a:spcBef>
-                <a:spcPts val="0"/>
-              </a:spcBef>
-              <a:spcAft>
-                <a:spcPts val="1417"/>
-              </a:spcAft>
-              <a:buSzPct val="45000"/>
-              <a:buFont typeface="StarSymbol"/>
-              <a:buChar char="●"/>
-              <a:defRPr lang="en-GB" sz="3200" b="0" i="0" u="none" strike="noStrike" kern="1200">
-                <a:ln>
-                  <a:noFill/>
-                </a:ln>
-                <a:latin typeface="Arial" pitchFamily="18"/>
-                <a:ea typeface="Microsoft YaHei" pitchFamily="2"/>
-                <a:cs typeface="Mangal" pitchFamily="2"/>
-              </a:defRPr>
-            </a:lvl1pPr>
-            <a:lvl2pPr marL="864000" lvl="1" indent="-324000">
-              <a:spcBef>
-                <a:spcPts val="0"/>
-              </a:spcBef>
-              <a:spcAft>
-                <a:spcPts val="1134"/>
-              </a:spcAft>
-              <a:buSzPct val="75000"/>
-              <a:buFont typeface="StarSymbol"/>
-              <a:buChar char="–"/>
-              <a:defRPr lang="en-GB" sz="2800" b="0" i="0" u="none" strike="noStrike" kern="1200">
-                <a:ln>
-                  <a:noFill/>
-                </a:ln>
-                <a:latin typeface="Arial" pitchFamily="18"/>
-                <a:ea typeface="Microsoft YaHei" pitchFamily="2"/>
-                <a:cs typeface="Mangal" pitchFamily="2"/>
-              </a:defRPr>
-            </a:lvl2pPr>
-            <a:lvl3pPr marL="1295999" lvl="2" indent="-288000">
-              <a:spcBef>
-                <a:spcPts val="0"/>
-              </a:spcBef>
-              <a:spcAft>
-                <a:spcPts val="850"/>
-              </a:spcAft>
-              <a:buSzPct val="45000"/>
-              <a:buFont typeface="StarSymbol"/>
-              <a:buChar char="●"/>
-              <a:defRPr lang="en-GB" sz="2400" b="0" i="0" u="none" strike="noStrike" kern="1200">
-                <a:ln>
-                  <a:noFill/>
-                </a:ln>
-                <a:latin typeface="Arial" pitchFamily="18"/>
-                <a:ea typeface="Microsoft YaHei" pitchFamily="2"/>
-                <a:cs typeface="Mangal" pitchFamily="2"/>
-              </a:defRPr>
-            </a:lvl3pPr>
-            <a:lvl4pPr marL="1728000" lvl="3" indent="-216000">
-              <a:spcBef>
-                <a:spcPts val="0"/>
-              </a:spcBef>
-              <a:spcAft>
-                <a:spcPts val="567"/>
-              </a:spcAft>
-              <a:buSzPct val="75000"/>
-              <a:buFont typeface="StarSymbol"/>
-              <a:buChar char="–"/>
-              <a:defRPr lang="en-GB" sz="2000" b="0" i="0" u="none" strike="noStrike" kern="1200">
-                <a:ln>
-                  <a:noFill/>
-                </a:ln>
-                <a:latin typeface="Arial" pitchFamily="18"/>
-                <a:ea typeface="Microsoft YaHei" pitchFamily="2"/>
-                <a:cs typeface="Mangal" pitchFamily="2"/>
-              </a:defRPr>
-            </a:lvl4pPr>
-            <a:lvl5pPr marL="2160000" lvl="4" indent="-216000">
-              <a:spcBef>
-                <a:spcPts val="0"/>
-              </a:spcBef>
-              <a:spcAft>
-                <a:spcPts val="283"/>
-              </a:spcAft>
-              <a:buSzPct val="45000"/>
-              <a:buFont typeface="StarSymbol"/>
-              <a:buChar char="●"/>
-              <a:defRPr lang="en-GB" sz="2000" b="0" i="0" u="none" strike="noStrike" kern="1200">
-                <a:ln>
-                  <a:noFill/>
-                </a:ln>
-                <a:latin typeface="Arial" pitchFamily="18"/>
-                <a:ea typeface="Microsoft YaHei" pitchFamily="2"/>
-                <a:cs typeface="Mangal" pitchFamily="2"/>
-              </a:defRPr>
-            </a:lvl5pPr>
-            <a:lvl6pPr marL="2592000" lvl="5" indent="-216000">
-              <a:spcBef>
-                <a:spcPts val="0"/>
-              </a:spcBef>
-              <a:spcAft>
-                <a:spcPts val="283"/>
-              </a:spcAft>
-              <a:buSzPct val="45000"/>
-              <a:buFont typeface="StarSymbol"/>
-              <a:buChar char="●"/>
-              <a:defRPr lang="en-GB" sz="2000" b="0" i="0" u="none" strike="noStrike" kern="1200">
-                <a:ln>
-                  <a:noFill/>
-                </a:ln>
-                <a:latin typeface="Arial" pitchFamily="18"/>
-                <a:ea typeface="Microsoft YaHei" pitchFamily="2"/>
-                <a:cs typeface="Mangal" pitchFamily="2"/>
-              </a:defRPr>
-            </a:lvl6pPr>
-            <a:lvl7pPr marL="3024000" lvl="6" indent="-216000">
-              <a:spcBef>
-                <a:spcPts val="0"/>
-              </a:spcBef>
-              <a:spcAft>
-                <a:spcPts val="283"/>
-              </a:spcAft>
-              <a:buSzPct val="45000"/>
-              <a:buFont typeface="StarSymbol"/>
-              <a:buChar char="●"/>
-              <a:defRPr lang="en-GB" sz="2000" b="0" i="0" u="none" strike="noStrike" kern="1200">
-                <a:ln>
-                  <a:noFill/>
-                </a:ln>
-                <a:latin typeface="Arial" pitchFamily="18"/>
-                <a:ea typeface="Microsoft YaHei" pitchFamily="2"/>
-                <a:cs typeface="Mangal" pitchFamily="2"/>
-              </a:defRPr>
-            </a:lvl7pPr>
-            <a:lvl8pPr marL="3456000" lvl="7" indent="-216000">
-              <a:spcBef>
-                <a:spcPts val="0"/>
-              </a:spcBef>
-              <a:spcAft>
-                <a:spcPts val="283"/>
-              </a:spcAft>
-              <a:buSzPct val="45000"/>
-              <a:buFont typeface="StarSymbol"/>
-              <a:buChar char="●"/>
-              <a:defRPr lang="en-GB" sz="2000" b="0" i="0" u="none" strike="noStrike" kern="1200">
-                <a:ln>
-                  <a:noFill/>
-                </a:ln>
-                <a:latin typeface="Arial" pitchFamily="18"/>
-                <a:ea typeface="Microsoft YaHei" pitchFamily="2"/>
-                <a:cs typeface="Mangal" pitchFamily="2"/>
-              </a:defRPr>
-            </a:lvl8pPr>
-            <a:lvl9pPr marL="3887999" lvl="8" indent="-216000">
-              <a:spcBef>
-                <a:spcPts val="0"/>
-              </a:spcBef>
-              <a:spcAft>
-                <a:spcPts val="283"/>
-              </a:spcAft>
-              <a:buSzPct val="45000"/>
-              <a:buFont typeface="StarSymbol"/>
-              <a:buChar char="●"/>
-              <a:defRPr lang="en-GB" sz="2000" b="0" i="0" u="none" strike="noStrike" kern="1200">
-                <a:ln>
-                  <a:noFill/>
-                </a:ln>
-                <a:latin typeface="Arial" pitchFamily="18"/>
-                <a:ea typeface="Microsoft YaHei" pitchFamily="2"/>
-                <a:cs typeface="Mangal" pitchFamily="2"/>
-              </a:defRPr>
-            </a:lvl9pPr>
-          </a:lstStyle>
-          <a:p>
-            <a:pPr lvl="0">
-              <a:buNone/>
-            </a:pPr>
-            <a:r>
-              <a:rPr lang="en-GB" u="sng" dirty="0"/>
-              <a:t>Future steps</a:t>
-            </a:r>
-          </a:p>
-          <a:p>
-            <a:pPr lvl="0">
-              <a:buNone/>
-            </a:pPr>
-            <a:endParaRPr lang="en-GB" u="sng" dirty="0"/>
-          </a:p>
-          <a:p>
-            <a:pPr lvl="0"/>
-            <a:r>
-              <a:rPr lang="en-GB" dirty="0"/>
-              <a:t>Feature engineering</a:t>
-            </a:r>
-          </a:p>
-          <a:p>
-            <a:pPr lvl="0"/>
-            <a:endParaRPr lang="en-GB" dirty="0"/>
-          </a:p>
-          <a:p>
-            <a:pPr lvl="0"/>
-            <a:r>
-              <a:rPr lang="en-GB" dirty="0"/>
-              <a:t>Try other models</a:t>
-            </a:r>
-          </a:p>
-          <a:p>
-            <a:pPr lvl="0"/>
-            <a:endParaRPr lang="en-GB" dirty="0"/>
-          </a:p>
-          <a:p>
-            <a:pPr lvl="0"/>
-            <a:r>
-              <a:rPr lang="en-GB" dirty="0"/>
-              <a:t>Dashboard</a:t>
-            </a:r>
           </a:p>
         </p:txBody>
       </p:sp>
